--- a/5.AHIFS/SYP-PRE/Referat_RUP/Rational Unified Process (RUP).pptx
+++ b/5.AHIFS/SYP-PRE/Referat_RUP/Rational Unified Process (RUP).pptx
@@ -5,22 +5,27 @@
     <p:sldMasterId id="2147483840" r:id="rId1"/>
   </p:sldMasterIdLst>
   <p:notesMasterIdLst>
-    <p:notesMasterId r:id="rId15"/>
+    <p:notesMasterId r:id="rId20"/>
   </p:notesMasterIdLst>
   <p:sldIdLst>
     <p:sldId id="256" r:id="rId2"/>
-    <p:sldId id="257" r:id="rId3"/>
-    <p:sldId id="258" r:id="rId4"/>
-    <p:sldId id="259" r:id="rId5"/>
-    <p:sldId id="260" r:id="rId6"/>
-    <p:sldId id="261" r:id="rId7"/>
-    <p:sldId id="263" r:id="rId8"/>
-    <p:sldId id="264" r:id="rId9"/>
-    <p:sldId id="265" r:id="rId10"/>
-    <p:sldId id="266" r:id="rId11"/>
-    <p:sldId id="267" r:id="rId12"/>
-    <p:sldId id="268" r:id="rId13"/>
-    <p:sldId id="269" r:id="rId14"/>
+    <p:sldId id="270" r:id="rId3"/>
+    <p:sldId id="271" r:id="rId4"/>
+    <p:sldId id="272" r:id="rId5"/>
+    <p:sldId id="273" r:id="rId6"/>
+    <p:sldId id="274" r:id="rId7"/>
+    <p:sldId id="257" r:id="rId8"/>
+    <p:sldId id="258" r:id="rId9"/>
+    <p:sldId id="259" r:id="rId10"/>
+    <p:sldId id="260" r:id="rId11"/>
+    <p:sldId id="261" r:id="rId12"/>
+    <p:sldId id="263" r:id="rId13"/>
+    <p:sldId id="264" r:id="rId14"/>
+    <p:sldId id="265" r:id="rId15"/>
+    <p:sldId id="266" r:id="rId16"/>
+    <p:sldId id="267" r:id="rId17"/>
+    <p:sldId id="268" r:id="rId18"/>
+    <p:sldId id="269" r:id="rId19"/>
   </p:sldIdLst>
   <p:sldSz cx="12192000" cy="6858000"/>
   <p:notesSz cx="6858000" cy="9144000"/>
@@ -119,6 +124,11 @@
       </a:defRPr>
     </a:lvl9pPr>
   </p:defaultTextStyle>
+  <p:extLst>
+    <p:ext uri="{EFAFB233-063F-42B5-8137-9DF3F51BA10A}">
+      <p15:sldGuideLst xmlns:p15="http://schemas.microsoft.com/office/powerpoint/2012/main"/>
+    </p:ext>
+  </p:extLst>
 </p:presentation>
 </file>
 
@@ -204,7 +214,7 @@
           <a:p>
             <a:fld id="{86CEB2A5-9F79-4155-B70E-9EB593C2F68A}" type="datetimeFigureOut">
               <a:rPr lang="de-AT" smtClean="0"/>
-              <a:t>14.01.2019</a:t>
+              <a:t>20.01.2019</a:t>
             </a:fld>
             <a:endParaRPr lang="de-AT"/>
           </a:p>
@@ -875,7 +885,7 @@
           <a:p>
             <a:fld id="{2B78E572-6681-4613-BA56-31DF6253D41F}" type="datetime1">
               <a:rPr lang="en-US" smtClean="0"/>
-              <a:t>1/14/2019</a:t>
+              <a:t>1/20/2019</a:t>
             </a:fld>
             <a:endParaRPr lang="en-US" dirty="0"/>
           </a:p>
@@ -1054,7 +1064,7 @@
           <a:p>
             <a:fld id="{E942FA90-817C-4126-90FE-F1B12B0CD69F}" type="datetime1">
               <a:rPr lang="en-US" smtClean="0"/>
-              <a:t>1/14/2019</a:t>
+              <a:t>1/20/2019</a:t>
             </a:fld>
             <a:endParaRPr lang="en-US" dirty="0"/>
           </a:p>
@@ -1233,7 +1243,7 @@
           <a:p>
             <a:fld id="{6E22E8FC-463B-45C7-B195-E38616DC723C}" type="datetime1">
               <a:rPr lang="en-US" smtClean="0"/>
-              <a:t>1/14/2019</a:t>
+              <a:t>1/20/2019</a:t>
             </a:fld>
             <a:endParaRPr lang="en-US" dirty="0"/>
           </a:p>
@@ -1402,7 +1412,7 @@
           <a:p>
             <a:fld id="{B4AED72E-72A5-45A4-946A-9AF7C319B42E}" type="datetime1">
               <a:rPr lang="en-US" smtClean="0"/>
-              <a:t>1/14/2019</a:t>
+              <a:t>1/20/2019</a:t>
             </a:fld>
             <a:endParaRPr lang="en-US" dirty="0"/>
           </a:p>
@@ -1714,7 +1724,7 @@
           <a:p>
             <a:fld id="{6E5988AD-1020-446D-B0FC-EAD7B2D1F57C}" type="datetime1">
               <a:rPr lang="en-US" smtClean="0"/>
-              <a:t>1/14/2019</a:t>
+              <a:t>1/20/2019</a:t>
             </a:fld>
             <a:endParaRPr lang="en-US" dirty="0"/>
           </a:p>
@@ -2100,7 +2110,7 @@
           <a:p>
             <a:fld id="{D12D2CF6-4C3A-4D44-B879-D030ADC17370}" type="datetime1">
               <a:rPr lang="en-US" smtClean="0"/>
-              <a:t>1/14/2019</a:t>
+              <a:t>1/20/2019</a:t>
             </a:fld>
             <a:endParaRPr lang="en-US" dirty="0"/>
           </a:p>
@@ -2533,7 +2543,7 @@
           <a:p>
             <a:fld id="{5E14DF7B-3A62-4AE1-B493-8E30E2AF6B78}" type="datetime1">
               <a:rPr lang="en-US" smtClean="0"/>
-              <a:t>1/14/2019</a:t>
+              <a:t>1/20/2019</a:t>
             </a:fld>
             <a:endParaRPr lang="en-US" dirty="0"/>
           </a:p>
@@ -2650,7 +2660,7 @@
           <a:p>
             <a:fld id="{DA3A12B3-85A0-4E06-BEBF-98DFBA88661D}" type="datetime1">
               <a:rPr lang="en-US" smtClean="0"/>
-              <a:t>1/14/2019</a:t>
+              <a:t>1/20/2019</a:t>
             </a:fld>
             <a:endParaRPr lang="en-US" dirty="0"/>
           </a:p>
@@ -2744,7 +2754,7 @@
           <a:p>
             <a:fld id="{85AAAC63-3830-44DE-B1AC-FEB846BF6E30}" type="datetime1">
               <a:rPr lang="en-US" smtClean="0"/>
-              <a:t>1/14/2019</a:t>
+              <a:t>1/20/2019</a:t>
             </a:fld>
             <a:endParaRPr lang="en-US" dirty="0"/>
           </a:p>
@@ -3093,7 +3103,7 @@
           <a:p>
             <a:fld id="{AA430958-EAEF-410C-9B7D-3B56E6078777}" type="datetime1">
               <a:rPr lang="en-US" smtClean="0"/>
-              <a:t>1/14/2019</a:t>
+              <a:t>1/20/2019</a:t>
             </a:fld>
             <a:endParaRPr lang="en-US" dirty="0"/>
           </a:p>
@@ -3517,7 +3527,7 @@
           <a:p>
             <a:fld id="{2C50522E-E79B-48CE-B86A-B489C8F2C612}" type="datetime1">
               <a:rPr lang="en-US" smtClean="0"/>
-              <a:t>1/14/2019</a:t>
+              <a:t>1/20/2019</a:t>
             </a:fld>
             <a:endParaRPr lang="en-US" dirty="0"/>
           </a:p>
@@ -3793,7 +3803,7 @@
           <a:p>
             <a:fld id="{67A8461F-B33F-41B6-994C-03450D2B2387}" type="datetime1">
               <a:rPr lang="en-US" smtClean="0"/>
-              <a:t>1/14/2019</a:t>
+              <a:t>1/20/2019</a:t>
             </a:fld>
             <a:endParaRPr lang="en-US" dirty="0"/>
           </a:p>
@@ -4464,6 +4474,1748 @@
 <file path=ppt/slides/slide10.xml><?xml version="1.0" encoding="utf-8"?>
 <p:sld xmlns:a="http://schemas.openxmlformats.org/drawingml/2006/main" xmlns:r="http://schemas.openxmlformats.org/officeDocument/2006/relationships" xmlns:p="http://schemas.openxmlformats.org/presentationml/2006/main">
   <p:cSld>
+    <p:bg>
+      <p:bgPr>
+        <a:solidFill>
+          <a:schemeClr val="bg1"/>
+        </a:solidFill>
+        <a:effectLst/>
+      </p:bgPr>
+    </p:bg>
+    <p:spTree>
+      <p:nvGrpSpPr>
+        <p:cNvPr id="1" name=""/>
+        <p:cNvGrpSpPr/>
+        <p:nvPr/>
+      </p:nvGrpSpPr>
+      <p:grpSpPr>
+        <a:xfrm>
+          <a:off x="0" y="0"/>
+          <a:ext cx="0" cy="0"/>
+          <a:chOff x="0" y="0"/>
+          <a:chExt cx="0" cy="0"/>
+        </a:xfrm>
+      </p:grpSpPr>
+      <p:sp>
+        <p:nvSpPr>
+          <p:cNvPr id="2" name="Titel 1">
+            <a:extLst>
+              <a:ext uri="{FF2B5EF4-FFF2-40B4-BE49-F238E27FC236}">
+                <a16:creationId xmlns:a16="http://schemas.microsoft.com/office/drawing/2014/main" id="{724BBBF2-EA10-4161-A481-43981AD903EF}"/>
+              </a:ext>
+            </a:extLst>
+          </p:cNvPr>
+          <p:cNvSpPr>
+            <a:spLocks noGrp="1"/>
+          </p:cNvSpPr>
+          <p:nvPr>
+            <p:ph type="title"/>
+          </p:nvPr>
+        </p:nvSpPr>
+        <p:spPr>
+          <a:xfrm>
+            <a:off x="1069848" y="484632"/>
+            <a:ext cx="10058400" cy="1609344"/>
+          </a:xfrm>
+        </p:spPr>
+        <p:txBody>
+          <a:bodyPr>
+            <a:normAutofit/>
+          </a:bodyPr>
+          <a:lstStyle/>
+          <a:p>
+            <a:r>
+              <a:rPr lang="de-AT" dirty="0"/>
+              <a:t>Analysis &amp; Design</a:t>
+            </a:r>
+          </a:p>
+        </p:txBody>
+      </p:sp>
+      <p:sp>
+        <p:nvSpPr>
+          <p:cNvPr id="3" name="Inhaltsplatzhalter 2">
+            <a:extLst>
+              <a:ext uri="{FF2B5EF4-FFF2-40B4-BE49-F238E27FC236}">
+                <a16:creationId xmlns:a16="http://schemas.microsoft.com/office/drawing/2014/main" id="{98DFFAD2-8B6C-42BD-AFE9-172F2B090C8C}"/>
+              </a:ext>
+            </a:extLst>
+          </p:cNvPr>
+          <p:cNvSpPr>
+            <a:spLocks noGrp="1"/>
+          </p:cNvSpPr>
+          <p:nvPr>
+            <p:ph idx="1"/>
+          </p:nvPr>
+        </p:nvSpPr>
+        <p:spPr>
+          <a:xfrm>
+            <a:off x="1069848" y="2121408"/>
+            <a:ext cx="4773168" cy="4050792"/>
+          </a:xfrm>
+        </p:spPr>
+        <p:txBody>
+          <a:bodyPr>
+            <a:normAutofit/>
+          </a:bodyPr>
+          <a:lstStyle/>
+          <a:p>
+            <a:r>
+              <a:rPr lang="de-AT" dirty="0"/>
+              <a:t>Ableiten des eigentlichen Systems</a:t>
+            </a:r>
+          </a:p>
+          <a:p>
+            <a:endParaRPr lang="de-AT" dirty="0"/>
+          </a:p>
+        </p:txBody>
+      </p:sp>
+      <p:pic>
+        <p:nvPicPr>
+          <p:cNvPr id="5" name="Grafik 4" descr="mü_ref">
+            <a:extLst>
+              <a:ext uri="{FF2B5EF4-FFF2-40B4-BE49-F238E27FC236}">
+                <a16:creationId xmlns:a16="http://schemas.microsoft.com/office/drawing/2014/main" id="{B9795C00-CA08-46FE-A7D1-090C68F43E12}"/>
+              </a:ext>
+            </a:extLst>
+          </p:cNvPr>
+          <p:cNvPicPr/>
+          <p:nvPr/>
+        </p:nvPicPr>
+        <p:blipFill>
+          <a:blip r:embed="rId2">
+            <a:extLst>
+              <a:ext uri="{28A0092B-C50C-407E-A947-70E740481C1C}">
+                <a14:useLocalDpi xmlns:a14="http://schemas.microsoft.com/office/drawing/2010/main" val="0"/>
+              </a:ext>
+            </a:extLst>
+          </a:blip>
+          <a:srcRect/>
+          <a:stretch>
+            <a:fillRect/>
+          </a:stretch>
+        </p:blipFill>
+        <p:spPr bwMode="auto">
+          <a:xfrm>
+            <a:off x="6355080" y="2598397"/>
+            <a:ext cx="4773168" cy="3169966"/>
+          </a:xfrm>
+          <a:prstGeom prst="rect">
+            <a:avLst/>
+          </a:prstGeom>
+          <a:noFill/>
+        </p:spPr>
+      </p:pic>
+      <p:sp>
+        <p:nvSpPr>
+          <p:cNvPr id="6" name="Pfeil: nach rechts 5">
+            <a:extLst>
+              <a:ext uri="{FF2B5EF4-FFF2-40B4-BE49-F238E27FC236}">
+                <a16:creationId xmlns:a16="http://schemas.microsoft.com/office/drawing/2014/main" id="{8EE5F419-77AA-4ED9-AFBE-D922A84A71F6}"/>
+              </a:ext>
+            </a:extLst>
+          </p:cNvPr>
+          <p:cNvSpPr/>
+          <p:nvPr/>
+        </p:nvSpPr>
+        <p:spPr>
+          <a:xfrm>
+            <a:off x="5914272" y="3616034"/>
+            <a:ext cx="505970" cy="270164"/>
+          </a:xfrm>
+          <a:prstGeom prst="rightArrow">
+            <a:avLst/>
+          </a:prstGeom>
+        </p:spPr>
+        <p:style>
+          <a:lnRef idx="2">
+            <a:schemeClr val="accent1">
+              <a:shade val="50000"/>
+            </a:schemeClr>
+          </a:lnRef>
+          <a:fillRef idx="1">
+            <a:schemeClr val="accent1"/>
+          </a:fillRef>
+          <a:effectRef idx="0">
+            <a:schemeClr val="accent1"/>
+          </a:effectRef>
+          <a:fontRef idx="minor">
+            <a:schemeClr val="lt1"/>
+          </a:fontRef>
+        </p:style>
+        <p:txBody>
+          <a:bodyPr rtlCol="0" anchor="ctr"/>
+          <a:lstStyle/>
+          <a:p>
+            <a:pPr algn="ctr"/>
+            <a:endParaRPr lang="de-AT"/>
+          </a:p>
+        </p:txBody>
+      </p:sp>
+      <p:sp>
+        <p:nvSpPr>
+          <p:cNvPr id="7" name="Fußzeilenplatzhalter 6">
+            <a:extLst>
+              <a:ext uri="{FF2B5EF4-FFF2-40B4-BE49-F238E27FC236}">
+                <a16:creationId xmlns:a16="http://schemas.microsoft.com/office/drawing/2014/main" id="{6EEDBA69-793F-418E-8AA8-E5960F499B61}"/>
+              </a:ext>
+            </a:extLst>
+          </p:cNvPr>
+          <p:cNvSpPr>
+            <a:spLocks noGrp="1"/>
+          </p:cNvSpPr>
+          <p:nvPr>
+            <p:ph type="ftr" sz="quarter" idx="11"/>
+          </p:nvPr>
+        </p:nvSpPr>
+        <p:spPr/>
+        <p:txBody>
+          <a:bodyPr/>
+          <a:lstStyle/>
+          <a:p>
+            <a:r>
+              <a:rPr lang="en-US"/>
+              <a:t>RUP - Melanie Bugelnig &amp; Marcel Judth 5AHIFS</a:t>
+            </a:r>
+            <a:endParaRPr lang="en-US" dirty="0"/>
+          </a:p>
+        </p:txBody>
+      </p:sp>
+      <p:sp>
+        <p:nvSpPr>
+          <p:cNvPr id="8" name="Foliennummernplatzhalter 7">
+            <a:extLst>
+              <a:ext uri="{FF2B5EF4-FFF2-40B4-BE49-F238E27FC236}">
+                <a16:creationId xmlns:a16="http://schemas.microsoft.com/office/drawing/2014/main" id="{535EA5DB-63D1-4149-A033-8BDE7EC96499}"/>
+              </a:ext>
+            </a:extLst>
+          </p:cNvPr>
+          <p:cNvSpPr>
+            <a:spLocks noGrp="1"/>
+          </p:cNvSpPr>
+          <p:nvPr>
+            <p:ph type="sldNum" sz="quarter" idx="12"/>
+          </p:nvPr>
+        </p:nvSpPr>
+        <p:spPr/>
+        <p:txBody>
+          <a:bodyPr/>
+          <a:lstStyle/>
+          <a:p>
+            <a:fld id="{4FAB73BC-B049-4115-A692-8D63A059BFB8}" type="slidenum">
+              <a:rPr lang="en-US" smtClean="0"/>
+              <a:t>10</a:t>
+            </a:fld>
+            <a:endParaRPr lang="en-US" dirty="0"/>
+          </a:p>
+        </p:txBody>
+      </p:sp>
+    </p:spTree>
+    <p:extLst>
+      <p:ext uri="{BB962C8B-B14F-4D97-AF65-F5344CB8AC3E}">
+        <p14:creationId xmlns:p14="http://schemas.microsoft.com/office/powerpoint/2010/main" val="3704258982"/>
+      </p:ext>
+    </p:extLst>
+  </p:cSld>
+  <p:clrMapOvr>
+    <a:masterClrMapping/>
+  </p:clrMapOvr>
+  <p:timing>
+    <p:tnLst>
+      <p:par>
+        <p:cTn id="1" dur="indefinite" restart="never" nodeType="tmRoot">
+          <p:childTnLst>
+            <p:seq concurrent="1" nextAc="seek">
+              <p:cTn id="2" dur="indefinite" nodeType="mainSeq">
+                <p:childTnLst>
+                  <p:par>
+                    <p:cTn id="3" fill="hold">
+                      <p:stCondLst>
+                        <p:cond delay="indefinite"/>
+                      </p:stCondLst>
+                      <p:childTnLst>
+                        <p:par>
+                          <p:cTn id="4" fill="hold">
+                            <p:stCondLst>
+                              <p:cond delay="0"/>
+                            </p:stCondLst>
+                            <p:childTnLst>
+                              <p:par>
+                                <p:cTn id="5" presetID="22" presetClass="entr" presetSubtype="4" fill="hold" grpId="0" nodeType="clickEffect">
+                                  <p:stCondLst>
+                                    <p:cond delay="0"/>
+                                  </p:stCondLst>
+                                  <p:childTnLst>
+                                    <p:set>
+                                      <p:cBhvr>
+                                        <p:cTn id="6" dur="1" fill="hold">
+                                          <p:stCondLst>
+                                            <p:cond delay="0"/>
+                                          </p:stCondLst>
+                                        </p:cTn>
+                                        <p:tgtEl>
+                                          <p:spTgt spid="6"/>
+                                        </p:tgtEl>
+                                        <p:attrNameLst>
+                                          <p:attrName>style.visibility</p:attrName>
+                                        </p:attrNameLst>
+                                      </p:cBhvr>
+                                      <p:to>
+                                        <p:strVal val="visible"/>
+                                      </p:to>
+                                    </p:set>
+                                    <p:animEffect transition="in" filter="wipe(down)">
+                                      <p:cBhvr>
+                                        <p:cTn id="7" dur="500"/>
+                                        <p:tgtEl>
+                                          <p:spTgt spid="6"/>
+                                        </p:tgtEl>
+                                      </p:cBhvr>
+                                    </p:animEffect>
+                                  </p:childTnLst>
+                                </p:cTn>
+                              </p:par>
+                            </p:childTnLst>
+                          </p:cTn>
+                        </p:par>
+                      </p:childTnLst>
+                    </p:cTn>
+                  </p:par>
+                </p:childTnLst>
+              </p:cTn>
+              <p:prevCondLst>
+                <p:cond evt="onPrev" delay="0">
+                  <p:tgtEl>
+                    <p:sldTgt/>
+                  </p:tgtEl>
+                </p:cond>
+              </p:prevCondLst>
+              <p:nextCondLst>
+                <p:cond evt="onNext" delay="0">
+                  <p:tgtEl>
+                    <p:sldTgt/>
+                  </p:tgtEl>
+                </p:cond>
+              </p:nextCondLst>
+            </p:seq>
+          </p:childTnLst>
+        </p:cTn>
+      </p:par>
+    </p:tnLst>
+    <p:bldLst>
+      <p:bldP spid="6" grpId="0" animBg="1"/>
+    </p:bldLst>
+  </p:timing>
+</p:sld>
+</file>
+
+<file path=ppt/slides/slide11.xml><?xml version="1.0" encoding="utf-8"?>
+<p:sld xmlns:a="http://schemas.openxmlformats.org/drawingml/2006/main" xmlns:r="http://schemas.openxmlformats.org/officeDocument/2006/relationships" xmlns:p="http://schemas.openxmlformats.org/presentationml/2006/main">
+  <p:cSld>
+    <p:bg>
+      <p:bgPr>
+        <a:solidFill>
+          <a:schemeClr val="bg1"/>
+        </a:solidFill>
+        <a:effectLst/>
+      </p:bgPr>
+    </p:bg>
+    <p:spTree>
+      <p:nvGrpSpPr>
+        <p:cNvPr id="1" name=""/>
+        <p:cNvGrpSpPr/>
+        <p:nvPr/>
+      </p:nvGrpSpPr>
+      <p:grpSpPr>
+        <a:xfrm>
+          <a:off x="0" y="0"/>
+          <a:ext cx="0" cy="0"/>
+          <a:chOff x="0" y="0"/>
+          <a:chExt cx="0" cy="0"/>
+        </a:xfrm>
+      </p:grpSpPr>
+      <p:sp>
+        <p:nvSpPr>
+          <p:cNvPr id="2" name="Titel 1">
+            <a:extLst>
+              <a:ext uri="{FF2B5EF4-FFF2-40B4-BE49-F238E27FC236}">
+                <a16:creationId xmlns:a16="http://schemas.microsoft.com/office/drawing/2014/main" id="{6A6679AE-0728-4762-ADBA-A1AF54A9B522}"/>
+              </a:ext>
+            </a:extLst>
+          </p:cNvPr>
+          <p:cNvSpPr>
+            <a:spLocks noGrp="1"/>
+          </p:cNvSpPr>
+          <p:nvPr>
+            <p:ph type="title"/>
+          </p:nvPr>
+        </p:nvSpPr>
+        <p:spPr>
+          <a:xfrm>
+            <a:off x="1069848" y="484632"/>
+            <a:ext cx="10058400" cy="1609344"/>
+          </a:xfrm>
+        </p:spPr>
+        <p:txBody>
+          <a:bodyPr>
+            <a:normAutofit/>
+          </a:bodyPr>
+          <a:lstStyle/>
+          <a:p>
+            <a:r>
+              <a:rPr lang="de-AT" b="1" dirty="0"/>
+              <a:t>Implementation</a:t>
+            </a:r>
+            <a:endParaRPr lang="de-AT" dirty="0"/>
+          </a:p>
+        </p:txBody>
+      </p:sp>
+      <p:sp>
+        <p:nvSpPr>
+          <p:cNvPr id="3" name="Inhaltsplatzhalter 2">
+            <a:extLst>
+              <a:ext uri="{FF2B5EF4-FFF2-40B4-BE49-F238E27FC236}">
+                <a16:creationId xmlns:a16="http://schemas.microsoft.com/office/drawing/2014/main" id="{58E2D09F-5270-4891-B643-F1A75C51B197}"/>
+              </a:ext>
+            </a:extLst>
+          </p:cNvPr>
+          <p:cNvSpPr>
+            <a:spLocks noGrp="1"/>
+          </p:cNvSpPr>
+          <p:nvPr>
+            <p:ph idx="1"/>
+          </p:nvPr>
+        </p:nvSpPr>
+        <p:spPr>
+          <a:xfrm>
+            <a:off x="1069848" y="2121408"/>
+            <a:ext cx="4773168" cy="4050792"/>
+          </a:xfrm>
+        </p:spPr>
+        <p:txBody>
+          <a:bodyPr>
+            <a:normAutofit/>
+          </a:bodyPr>
+          <a:lstStyle/>
+          <a:p>
+            <a:r>
+              <a:rPr lang="de-AT" dirty="0"/>
+              <a:t>Planung durch</a:t>
+            </a:r>
+          </a:p>
+          <a:p>
+            <a:pPr lvl="1"/>
+            <a:r>
+              <a:rPr lang="de-AT" dirty="0" err="1"/>
+              <a:t>Component</a:t>
+            </a:r>
+            <a:r>
+              <a:rPr lang="de-AT" dirty="0"/>
+              <a:t> </a:t>
+            </a:r>
+            <a:r>
+              <a:rPr lang="de-AT" dirty="0" err="1"/>
+              <a:t>Diagram</a:t>
+            </a:r>
+            <a:endParaRPr lang="de-AT" dirty="0"/>
+          </a:p>
+          <a:p>
+            <a:pPr lvl="1"/>
+            <a:r>
+              <a:rPr lang="de-AT" dirty="0"/>
+              <a:t>Integration </a:t>
+            </a:r>
+            <a:r>
+              <a:rPr lang="de-AT" dirty="0" err="1"/>
+              <a:t>Build</a:t>
+            </a:r>
+            <a:r>
+              <a:rPr lang="de-AT" dirty="0"/>
+              <a:t> Plan</a:t>
+            </a:r>
+          </a:p>
+          <a:p>
+            <a:pPr lvl="1"/>
+            <a:r>
+              <a:rPr lang="de-AT" dirty="0"/>
+              <a:t>Implementation Model</a:t>
+            </a:r>
+          </a:p>
+        </p:txBody>
+      </p:sp>
+      <p:pic>
+        <p:nvPicPr>
+          <p:cNvPr id="5" name="Grafik 4" descr="mü_ref">
+            <a:extLst>
+              <a:ext uri="{FF2B5EF4-FFF2-40B4-BE49-F238E27FC236}">
+                <a16:creationId xmlns:a16="http://schemas.microsoft.com/office/drawing/2014/main" id="{232DE9C8-6979-4AFA-9684-B8767B1286B9}"/>
+              </a:ext>
+            </a:extLst>
+          </p:cNvPr>
+          <p:cNvPicPr/>
+          <p:nvPr/>
+        </p:nvPicPr>
+        <p:blipFill>
+          <a:blip r:embed="rId2">
+            <a:extLst>
+              <a:ext uri="{28A0092B-C50C-407E-A947-70E740481C1C}">
+                <a14:useLocalDpi xmlns:a14="http://schemas.microsoft.com/office/drawing/2010/main" val="0"/>
+              </a:ext>
+            </a:extLst>
+          </a:blip>
+          <a:srcRect/>
+          <a:stretch>
+            <a:fillRect/>
+          </a:stretch>
+        </p:blipFill>
+        <p:spPr bwMode="auto">
+          <a:xfrm>
+            <a:off x="6355080" y="2598397"/>
+            <a:ext cx="4773168" cy="3169966"/>
+          </a:xfrm>
+          <a:prstGeom prst="rect">
+            <a:avLst/>
+          </a:prstGeom>
+          <a:noFill/>
+        </p:spPr>
+      </p:pic>
+      <p:sp>
+        <p:nvSpPr>
+          <p:cNvPr id="6" name="Pfeil: nach rechts 5">
+            <a:extLst>
+              <a:ext uri="{FF2B5EF4-FFF2-40B4-BE49-F238E27FC236}">
+                <a16:creationId xmlns:a16="http://schemas.microsoft.com/office/drawing/2014/main" id="{681D8D88-B38F-4D03-8E6A-6A0DD159BB46}"/>
+              </a:ext>
+            </a:extLst>
+          </p:cNvPr>
+          <p:cNvSpPr/>
+          <p:nvPr/>
+        </p:nvSpPr>
+        <p:spPr>
+          <a:xfrm>
+            <a:off x="5914272" y="3889171"/>
+            <a:ext cx="505970" cy="270164"/>
+          </a:xfrm>
+          <a:prstGeom prst="rightArrow">
+            <a:avLst/>
+          </a:prstGeom>
+        </p:spPr>
+        <p:style>
+          <a:lnRef idx="2">
+            <a:schemeClr val="accent1">
+              <a:shade val="50000"/>
+            </a:schemeClr>
+          </a:lnRef>
+          <a:fillRef idx="1">
+            <a:schemeClr val="accent1"/>
+          </a:fillRef>
+          <a:effectRef idx="0">
+            <a:schemeClr val="accent1"/>
+          </a:effectRef>
+          <a:fontRef idx="minor">
+            <a:schemeClr val="lt1"/>
+          </a:fontRef>
+        </p:style>
+        <p:txBody>
+          <a:bodyPr rtlCol="0" anchor="ctr"/>
+          <a:lstStyle/>
+          <a:p>
+            <a:pPr algn="ctr"/>
+            <a:endParaRPr lang="de-AT"/>
+          </a:p>
+        </p:txBody>
+      </p:sp>
+      <p:sp>
+        <p:nvSpPr>
+          <p:cNvPr id="7" name="Fußzeilenplatzhalter 6">
+            <a:extLst>
+              <a:ext uri="{FF2B5EF4-FFF2-40B4-BE49-F238E27FC236}">
+                <a16:creationId xmlns:a16="http://schemas.microsoft.com/office/drawing/2014/main" id="{8130B0F5-E254-4978-B83A-4117FB996DBE}"/>
+              </a:ext>
+            </a:extLst>
+          </p:cNvPr>
+          <p:cNvSpPr>
+            <a:spLocks noGrp="1"/>
+          </p:cNvSpPr>
+          <p:nvPr>
+            <p:ph type="ftr" sz="quarter" idx="11"/>
+          </p:nvPr>
+        </p:nvSpPr>
+        <p:spPr/>
+        <p:txBody>
+          <a:bodyPr/>
+          <a:lstStyle/>
+          <a:p>
+            <a:r>
+              <a:rPr lang="en-US"/>
+              <a:t>RUP - Melanie Bugelnig &amp; Marcel Judth 5AHIFS</a:t>
+            </a:r>
+            <a:endParaRPr lang="en-US" dirty="0"/>
+          </a:p>
+        </p:txBody>
+      </p:sp>
+      <p:sp>
+        <p:nvSpPr>
+          <p:cNvPr id="8" name="Foliennummernplatzhalter 7">
+            <a:extLst>
+              <a:ext uri="{FF2B5EF4-FFF2-40B4-BE49-F238E27FC236}">
+                <a16:creationId xmlns:a16="http://schemas.microsoft.com/office/drawing/2014/main" id="{3309A52E-0999-4FA5-B50A-36982794C94D}"/>
+              </a:ext>
+            </a:extLst>
+          </p:cNvPr>
+          <p:cNvSpPr>
+            <a:spLocks noGrp="1"/>
+          </p:cNvSpPr>
+          <p:nvPr>
+            <p:ph type="sldNum" sz="quarter" idx="12"/>
+          </p:nvPr>
+        </p:nvSpPr>
+        <p:spPr/>
+        <p:txBody>
+          <a:bodyPr/>
+          <a:lstStyle/>
+          <a:p>
+            <a:fld id="{4FAB73BC-B049-4115-A692-8D63A059BFB8}" type="slidenum">
+              <a:rPr lang="en-US" smtClean="0"/>
+              <a:t>11</a:t>
+            </a:fld>
+            <a:endParaRPr lang="en-US" dirty="0"/>
+          </a:p>
+        </p:txBody>
+      </p:sp>
+    </p:spTree>
+    <p:extLst>
+      <p:ext uri="{BB962C8B-B14F-4D97-AF65-F5344CB8AC3E}">
+        <p14:creationId xmlns:p14="http://schemas.microsoft.com/office/powerpoint/2010/main" val="3241473813"/>
+      </p:ext>
+    </p:extLst>
+  </p:cSld>
+  <p:clrMapOvr>
+    <a:masterClrMapping/>
+  </p:clrMapOvr>
+  <p:timing>
+    <p:tnLst>
+      <p:par>
+        <p:cTn id="1" dur="indefinite" restart="never" nodeType="tmRoot">
+          <p:childTnLst>
+            <p:seq concurrent="1" nextAc="seek">
+              <p:cTn id="2" dur="indefinite" nodeType="mainSeq">
+                <p:childTnLst>
+                  <p:par>
+                    <p:cTn id="3" fill="hold">
+                      <p:stCondLst>
+                        <p:cond delay="indefinite"/>
+                      </p:stCondLst>
+                      <p:childTnLst>
+                        <p:par>
+                          <p:cTn id="4" fill="hold">
+                            <p:stCondLst>
+                              <p:cond delay="0"/>
+                            </p:stCondLst>
+                            <p:childTnLst>
+                              <p:par>
+                                <p:cTn id="5" presetID="22" presetClass="entr" presetSubtype="4" fill="hold" grpId="0" nodeType="clickEffect">
+                                  <p:stCondLst>
+                                    <p:cond delay="0"/>
+                                  </p:stCondLst>
+                                  <p:childTnLst>
+                                    <p:set>
+                                      <p:cBhvr>
+                                        <p:cTn id="6" dur="1" fill="hold">
+                                          <p:stCondLst>
+                                            <p:cond delay="0"/>
+                                          </p:stCondLst>
+                                        </p:cTn>
+                                        <p:tgtEl>
+                                          <p:spTgt spid="6"/>
+                                        </p:tgtEl>
+                                        <p:attrNameLst>
+                                          <p:attrName>style.visibility</p:attrName>
+                                        </p:attrNameLst>
+                                      </p:cBhvr>
+                                      <p:to>
+                                        <p:strVal val="visible"/>
+                                      </p:to>
+                                    </p:set>
+                                    <p:animEffect transition="in" filter="wipe(down)">
+                                      <p:cBhvr>
+                                        <p:cTn id="7" dur="500"/>
+                                        <p:tgtEl>
+                                          <p:spTgt spid="6"/>
+                                        </p:tgtEl>
+                                      </p:cBhvr>
+                                    </p:animEffect>
+                                  </p:childTnLst>
+                                </p:cTn>
+                              </p:par>
+                            </p:childTnLst>
+                          </p:cTn>
+                        </p:par>
+                      </p:childTnLst>
+                    </p:cTn>
+                  </p:par>
+                </p:childTnLst>
+              </p:cTn>
+              <p:prevCondLst>
+                <p:cond evt="onPrev" delay="0">
+                  <p:tgtEl>
+                    <p:sldTgt/>
+                  </p:tgtEl>
+                </p:cond>
+              </p:prevCondLst>
+              <p:nextCondLst>
+                <p:cond evt="onNext" delay="0">
+                  <p:tgtEl>
+                    <p:sldTgt/>
+                  </p:tgtEl>
+                </p:cond>
+              </p:nextCondLst>
+            </p:seq>
+          </p:childTnLst>
+        </p:cTn>
+      </p:par>
+    </p:tnLst>
+    <p:bldLst>
+      <p:bldP spid="6" grpId="0" animBg="1"/>
+    </p:bldLst>
+  </p:timing>
+</p:sld>
+</file>
+
+<file path=ppt/slides/slide12.xml><?xml version="1.0" encoding="utf-8"?>
+<p:sld xmlns:a="http://schemas.openxmlformats.org/drawingml/2006/main" xmlns:r="http://schemas.openxmlformats.org/officeDocument/2006/relationships" xmlns:p="http://schemas.openxmlformats.org/presentationml/2006/main">
+  <p:cSld>
+    <p:spTree>
+      <p:nvGrpSpPr>
+        <p:cNvPr id="1" name=""/>
+        <p:cNvGrpSpPr/>
+        <p:nvPr/>
+      </p:nvGrpSpPr>
+      <p:grpSpPr>
+        <a:xfrm>
+          <a:off x="0" y="0"/>
+          <a:ext cx="0" cy="0"/>
+          <a:chOff x="0" y="0"/>
+          <a:chExt cx="0" cy="0"/>
+        </a:xfrm>
+      </p:grpSpPr>
+      <p:sp>
+        <p:nvSpPr>
+          <p:cNvPr id="2" name="Titel 1">
+            <a:extLst>
+              <a:ext uri="{FF2B5EF4-FFF2-40B4-BE49-F238E27FC236}">
+                <a16:creationId xmlns:a16="http://schemas.microsoft.com/office/drawing/2014/main" id="{80B373E1-EF30-4B66-B01F-D3C12744AC28}"/>
+              </a:ext>
+            </a:extLst>
+          </p:cNvPr>
+          <p:cNvSpPr>
+            <a:spLocks noGrp="1"/>
+          </p:cNvSpPr>
+          <p:nvPr>
+            <p:ph type="title"/>
+          </p:nvPr>
+        </p:nvSpPr>
+        <p:spPr>
+          <a:xfrm>
+            <a:off x="1069848" y="484632"/>
+            <a:ext cx="10058400" cy="1609344"/>
+          </a:xfrm>
+        </p:spPr>
+        <p:txBody>
+          <a:bodyPr>
+            <a:normAutofit/>
+          </a:bodyPr>
+          <a:lstStyle/>
+          <a:p>
+            <a:r>
+              <a:rPr lang="de-AT" dirty="0"/>
+              <a:t>Test</a:t>
+            </a:r>
+          </a:p>
+        </p:txBody>
+      </p:sp>
+      <p:sp>
+        <p:nvSpPr>
+          <p:cNvPr id="3" name="Inhaltsplatzhalter 2">
+            <a:extLst>
+              <a:ext uri="{FF2B5EF4-FFF2-40B4-BE49-F238E27FC236}">
+                <a16:creationId xmlns:a16="http://schemas.microsoft.com/office/drawing/2014/main" id="{D6B1D313-3236-4967-99BC-CDC936A241E9}"/>
+              </a:ext>
+            </a:extLst>
+          </p:cNvPr>
+          <p:cNvSpPr>
+            <a:spLocks noGrp="1"/>
+          </p:cNvSpPr>
+          <p:nvPr>
+            <p:ph idx="1"/>
+          </p:nvPr>
+        </p:nvSpPr>
+        <p:spPr>
+          <a:xfrm>
+            <a:off x="1069848" y="2121408"/>
+            <a:ext cx="4773168" cy="4050792"/>
+          </a:xfrm>
+        </p:spPr>
+        <p:txBody>
+          <a:bodyPr>
+            <a:normAutofit/>
+          </a:bodyPr>
+          <a:lstStyle/>
+          <a:p>
+            <a:r>
+              <a:rPr lang="de-AT" dirty="0"/>
+              <a:t>Unit-Tests (einzelne Komponente)</a:t>
+            </a:r>
+          </a:p>
+          <a:p>
+            <a:r>
+              <a:rPr lang="de-AT" dirty="0"/>
+              <a:t>Systemtests (neuen Teile)</a:t>
+            </a:r>
+          </a:p>
+          <a:p>
+            <a:r>
+              <a:rPr lang="de-AT" dirty="0"/>
+              <a:t>Integrationstest (gesamte System)</a:t>
+            </a:r>
+          </a:p>
+          <a:p>
+            <a:r>
+              <a:rPr lang="de-AT" dirty="0"/>
+              <a:t>User-Acceptance-Test (Endnutzer)</a:t>
+            </a:r>
+          </a:p>
+          <a:p>
+            <a:endParaRPr lang="de-AT" dirty="0"/>
+          </a:p>
+        </p:txBody>
+      </p:sp>
+      <p:pic>
+        <p:nvPicPr>
+          <p:cNvPr id="5" name="Grafik 4" descr="mü_ref">
+            <a:extLst>
+              <a:ext uri="{FF2B5EF4-FFF2-40B4-BE49-F238E27FC236}">
+                <a16:creationId xmlns:a16="http://schemas.microsoft.com/office/drawing/2014/main" id="{E2DEAA11-7D8F-4B5E-B9FB-43245085FB25}"/>
+              </a:ext>
+            </a:extLst>
+          </p:cNvPr>
+          <p:cNvPicPr/>
+          <p:nvPr/>
+        </p:nvPicPr>
+        <p:blipFill>
+          <a:blip r:embed="rId2">
+            <a:extLst>
+              <a:ext uri="{28A0092B-C50C-407E-A947-70E740481C1C}">
+                <a14:useLocalDpi xmlns:a14="http://schemas.microsoft.com/office/drawing/2010/main" val="0"/>
+              </a:ext>
+            </a:extLst>
+          </a:blip>
+          <a:srcRect/>
+          <a:stretch>
+            <a:fillRect/>
+          </a:stretch>
+        </p:blipFill>
+        <p:spPr bwMode="auto">
+          <a:xfrm>
+            <a:off x="6355080" y="2598397"/>
+            <a:ext cx="4773168" cy="3169966"/>
+          </a:xfrm>
+          <a:prstGeom prst="rect">
+            <a:avLst/>
+          </a:prstGeom>
+          <a:noFill/>
+        </p:spPr>
+      </p:pic>
+      <p:sp>
+        <p:nvSpPr>
+          <p:cNvPr id="6" name="Pfeil: nach rechts 5">
+            <a:extLst>
+              <a:ext uri="{FF2B5EF4-FFF2-40B4-BE49-F238E27FC236}">
+                <a16:creationId xmlns:a16="http://schemas.microsoft.com/office/drawing/2014/main" id="{9FDF3824-624C-4402-B9CA-1ABDBEEE88BE}"/>
+              </a:ext>
+            </a:extLst>
+          </p:cNvPr>
+          <p:cNvSpPr/>
+          <p:nvPr/>
+        </p:nvSpPr>
+        <p:spPr>
+          <a:xfrm>
+            <a:off x="5914272" y="4049485"/>
+            <a:ext cx="505970" cy="270164"/>
+          </a:xfrm>
+          <a:prstGeom prst="rightArrow">
+            <a:avLst/>
+          </a:prstGeom>
+        </p:spPr>
+        <p:style>
+          <a:lnRef idx="2">
+            <a:schemeClr val="accent1">
+              <a:shade val="50000"/>
+            </a:schemeClr>
+          </a:lnRef>
+          <a:fillRef idx="1">
+            <a:schemeClr val="accent1"/>
+          </a:fillRef>
+          <a:effectRef idx="0">
+            <a:schemeClr val="accent1"/>
+          </a:effectRef>
+          <a:fontRef idx="minor">
+            <a:schemeClr val="lt1"/>
+          </a:fontRef>
+        </p:style>
+        <p:txBody>
+          <a:bodyPr rtlCol="0" anchor="ctr"/>
+          <a:lstStyle/>
+          <a:p>
+            <a:pPr algn="ctr"/>
+            <a:endParaRPr lang="de-AT"/>
+          </a:p>
+        </p:txBody>
+      </p:sp>
+      <p:sp>
+        <p:nvSpPr>
+          <p:cNvPr id="7" name="Fußzeilenplatzhalter 6">
+            <a:extLst>
+              <a:ext uri="{FF2B5EF4-FFF2-40B4-BE49-F238E27FC236}">
+                <a16:creationId xmlns:a16="http://schemas.microsoft.com/office/drawing/2014/main" id="{029CE6D4-4B01-42AD-A24C-CE3956FEED6E}"/>
+              </a:ext>
+            </a:extLst>
+          </p:cNvPr>
+          <p:cNvSpPr>
+            <a:spLocks noGrp="1"/>
+          </p:cNvSpPr>
+          <p:nvPr>
+            <p:ph type="ftr" sz="quarter" idx="11"/>
+          </p:nvPr>
+        </p:nvSpPr>
+        <p:spPr/>
+        <p:txBody>
+          <a:bodyPr/>
+          <a:lstStyle/>
+          <a:p>
+            <a:r>
+              <a:rPr lang="en-US"/>
+              <a:t>RUP - Melanie Bugelnig &amp; Marcel Judth 5AHIFS</a:t>
+            </a:r>
+            <a:endParaRPr lang="en-US" dirty="0"/>
+          </a:p>
+        </p:txBody>
+      </p:sp>
+      <p:sp>
+        <p:nvSpPr>
+          <p:cNvPr id="8" name="Foliennummernplatzhalter 7">
+            <a:extLst>
+              <a:ext uri="{FF2B5EF4-FFF2-40B4-BE49-F238E27FC236}">
+                <a16:creationId xmlns:a16="http://schemas.microsoft.com/office/drawing/2014/main" id="{7E1FBAAF-9650-41E0-A943-2B7593B75D32}"/>
+              </a:ext>
+            </a:extLst>
+          </p:cNvPr>
+          <p:cNvSpPr>
+            <a:spLocks noGrp="1"/>
+          </p:cNvSpPr>
+          <p:nvPr>
+            <p:ph type="sldNum" sz="quarter" idx="12"/>
+          </p:nvPr>
+        </p:nvSpPr>
+        <p:spPr/>
+        <p:txBody>
+          <a:bodyPr/>
+          <a:lstStyle/>
+          <a:p>
+            <a:fld id="{4FAB73BC-B049-4115-A692-8D63A059BFB8}" type="slidenum">
+              <a:rPr lang="en-US" smtClean="0"/>
+              <a:t>12</a:t>
+            </a:fld>
+            <a:endParaRPr lang="en-US" dirty="0"/>
+          </a:p>
+        </p:txBody>
+      </p:sp>
+    </p:spTree>
+    <p:extLst>
+      <p:ext uri="{BB962C8B-B14F-4D97-AF65-F5344CB8AC3E}">
+        <p14:creationId xmlns:p14="http://schemas.microsoft.com/office/powerpoint/2010/main" val="2998672503"/>
+      </p:ext>
+    </p:extLst>
+  </p:cSld>
+  <p:clrMapOvr>
+    <a:masterClrMapping/>
+  </p:clrMapOvr>
+  <p:timing>
+    <p:tnLst>
+      <p:par>
+        <p:cTn id="1" dur="indefinite" restart="never" nodeType="tmRoot">
+          <p:childTnLst>
+            <p:seq concurrent="1" nextAc="seek">
+              <p:cTn id="2" dur="indefinite" nodeType="mainSeq">
+                <p:childTnLst>
+                  <p:par>
+                    <p:cTn id="3" fill="hold">
+                      <p:stCondLst>
+                        <p:cond delay="indefinite"/>
+                      </p:stCondLst>
+                      <p:childTnLst>
+                        <p:par>
+                          <p:cTn id="4" fill="hold">
+                            <p:stCondLst>
+                              <p:cond delay="0"/>
+                            </p:stCondLst>
+                            <p:childTnLst>
+                              <p:par>
+                                <p:cTn id="5" presetID="22" presetClass="entr" presetSubtype="4" fill="hold" grpId="0" nodeType="clickEffect">
+                                  <p:stCondLst>
+                                    <p:cond delay="0"/>
+                                  </p:stCondLst>
+                                  <p:childTnLst>
+                                    <p:set>
+                                      <p:cBhvr>
+                                        <p:cTn id="6" dur="1" fill="hold">
+                                          <p:stCondLst>
+                                            <p:cond delay="0"/>
+                                          </p:stCondLst>
+                                        </p:cTn>
+                                        <p:tgtEl>
+                                          <p:spTgt spid="6"/>
+                                        </p:tgtEl>
+                                        <p:attrNameLst>
+                                          <p:attrName>style.visibility</p:attrName>
+                                        </p:attrNameLst>
+                                      </p:cBhvr>
+                                      <p:to>
+                                        <p:strVal val="visible"/>
+                                      </p:to>
+                                    </p:set>
+                                    <p:animEffect transition="in" filter="wipe(down)">
+                                      <p:cBhvr>
+                                        <p:cTn id="7" dur="500"/>
+                                        <p:tgtEl>
+                                          <p:spTgt spid="6"/>
+                                        </p:tgtEl>
+                                      </p:cBhvr>
+                                    </p:animEffect>
+                                  </p:childTnLst>
+                                </p:cTn>
+                              </p:par>
+                            </p:childTnLst>
+                          </p:cTn>
+                        </p:par>
+                      </p:childTnLst>
+                    </p:cTn>
+                  </p:par>
+                </p:childTnLst>
+              </p:cTn>
+              <p:prevCondLst>
+                <p:cond evt="onPrev" delay="0">
+                  <p:tgtEl>
+                    <p:sldTgt/>
+                  </p:tgtEl>
+                </p:cond>
+              </p:prevCondLst>
+              <p:nextCondLst>
+                <p:cond evt="onNext" delay="0">
+                  <p:tgtEl>
+                    <p:sldTgt/>
+                  </p:tgtEl>
+                </p:cond>
+              </p:nextCondLst>
+            </p:seq>
+          </p:childTnLst>
+        </p:cTn>
+      </p:par>
+    </p:tnLst>
+    <p:bldLst>
+      <p:bldP spid="6" grpId="0" animBg="1"/>
+    </p:bldLst>
+  </p:timing>
+</p:sld>
+</file>
+
+<file path=ppt/slides/slide13.xml><?xml version="1.0" encoding="utf-8"?>
+<p:sld xmlns:a="http://schemas.openxmlformats.org/drawingml/2006/main" xmlns:r="http://schemas.openxmlformats.org/officeDocument/2006/relationships" xmlns:p="http://schemas.openxmlformats.org/presentationml/2006/main">
+  <p:cSld>
+    <p:spTree>
+      <p:nvGrpSpPr>
+        <p:cNvPr id="1" name=""/>
+        <p:cNvGrpSpPr/>
+        <p:nvPr/>
+      </p:nvGrpSpPr>
+      <p:grpSpPr>
+        <a:xfrm>
+          <a:off x="0" y="0"/>
+          <a:ext cx="0" cy="0"/>
+          <a:chOff x="0" y="0"/>
+          <a:chExt cx="0" cy="0"/>
+        </a:xfrm>
+      </p:grpSpPr>
+      <p:sp>
+        <p:nvSpPr>
+          <p:cNvPr id="2" name="Titel 1">
+            <a:extLst>
+              <a:ext uri="{FF2B5EF4-FFF2-40B4-BE49-F238E27FC236}">
+                <a16:creationId xmlns:a16="http://schemas.microsoft.com/office/drawing/2014/main" id="{60851B2C-AFA4-415D-8FCE-2079D5F0A011}"/>
+              </a:ext>
+            </a:extLst>
+          </p:cNvPr>
+          <p:cNvSpPr>
+            <a:spLocks noGrp="1"/>
+          </p:cNvSpPr>
+          <p:nvPr>
+            <p:ph type="title"/>
+          </p:nvPr>
+        </p:nvSpPr>
+        <p:spPr/>
+        <p:txBody>
+          <a:bodyPr/>
+          <a:lstStyle/>
+          <a:p>
+            <a:r>
+              <a:rPr lang="de-AT" dirty="0" err="1"/>
+              <a:t>Deployment</a:t>
+            </a:r>
+            <a:endParaRPr lang="de-AT" dirty="0"/>
+          </a:p>
+        </p:txBody>
+      </p:sp>
+      <p:sp>
+        <p:nvSpPr>
+          <p:cNvPr id="3" name="Inhaltsplatzhalter 2">
+            <a:extLst>
+              <a:ext uri="{FF2B5EF4-FFF2-40B4-BE49-F238E27FC236}">
+                <a16:creationId xmlns:a16="http://schemas.microsoft.com/office/drawing/2014/main" id="{6C6742CB-B857-428A-8398-919D358C2E1D}"/>
+              </a:ext>
+            </a:extLst>
+          </p:cNvPr>
+          <p:cNvSpPr>
+            <a:spLocks noGrp="1"/>
+          </p:cNvSpPr>
+          <p:nvPr>
+            <p:ph idx="1"/>
+          </p:nvPr>
+        </p:nvSpPr>
+        <p:spPr/>
+        <p:txBody>
+          <a:bodyPr/>
+          <a:lstStyle/>
+          <a:p>
+            <a:r>
+              <a:rPr lang="de-AT" dirty="0"/>
+              <a:t>Auslieferung an den Kunden</a:t>
+            </a:r>
+          </a:p>
+          <a:p>
+            <a:pPr lvl="1"/>
+            <a:r>
+              <a:rPr lang="de-AT" dirty="0"/>
+              <a:t>Training Materials</a:t>
+            </a:r>
+          </a:p>
+          <a:p>
+            <a:pPr lvl="1"/>
+            <a:r>
+              <a:rPr lang="de-AT" dirty="0" err="1"/>
+              <a:t>Product</a:t>
+            </a:r>
+            <a:endParaRPr lang="de-AT" dirty="0"/>
+          </a:p>
+          <a:p>
+            <a:pPr lvl="1"/>
+            <a:r>
+              <a:rPr lang="de-AT" dirty="0" err="1"/>
+              <a:t>Deployment</a:t>
+            </a:r>
+            <a:r>
+              <a:rPr lang="de-AT" dirty="0"/>
+              <a:t> Plan</a:t>
+            </a:r>
+          </a:p>
+          <a:p>
+            <a:pPr lvl="1"/>
+            <a:r>
+              <a:rPr lang="de-AT" dirty="0"/>
+              <a:t>End User Support Material</a:t>
+            </a:r>
+          </a:p>
+          <a:p>
+            <a:pPr lvl="1"/>
+            <a:endParaRPr lang="de-AT" dirty="0"/>
+          </a:p>
+        </p:txBody>
+      </p:sp>
+      <p:pic>
+        <p:nvPicPr>
+          <p:cNvPr id="4" name="Grafik 3" descr="mü_ref">
+            <a:extLst>
+              <a:ext uri="{FF2B5EF4-FFF2-40B4-BE49-F238E27FC236}">
+                <a16:creationId xmlns:a16="http://schemas.microsoft.com/office/drawing/2014/main" id="{F5665AF1-CA4F-49FE-96D0-4A9FED72F0D4}"/>
+              </a:ext>
+            </a:extLst>
+          </p:cNvPr>
+          <p:cNvPicPr/>
+          <p:nvPr/>
+        </p:nvPicPr>
+        <p:blipFill>
+          <a:blip r:embed="rId2">
+            <a:extLst>
+              <a:ext uri="{28A0092B-C50C-407E-A947-70E740481C1C}">
+                <a14:useLocalDpi xmlns:a14="http://schemas.microsoft.com/office/drawing/2010/main" val="0"/>
+              </a:ext>
+            </a:extLst>
+          </a:blip>
+          <a:srcRect/>
+          <a:stretch>
+            <a:fillRect/>
+          </a:stretch>
+        </p:blipFill>
+        <p:spPr bwMode="auto">
+          <a:xfrm>
+            <a:off x="6355080" y="2598397"/>
+            <a:ext cx="4773168" cy="3169966"/>
+          </a:xfrm>
+          <a:prstGeom prst="rect">
+            <a:avLst/>
+          </a:prstGeom>
+          <a:noFill/>
+        </p:spPr>
+      </p:pic>
+      <p:sp>
+        <p:nvSpPr>
+          <p:cNvPr id="5" name="Pfeil: nach rechts 4">
+            <a:extLst>
+              <a:ext uri="{FF2B5EF4-FFF2-40B4-BE49-F238E27FC236}">
+                <a16:creationId xmlns:a16="http://schemas.microsoft.com/office/drawing/2014/main" id="{73B70EA0-0530-40D1-9462-DF7388B6884E}"/>
+              </a:ext>
+            </a:extLst>
+          </p:cNvPr>
+          <p:cNvSpPr/>
+          <p:nvPr/>
+        </p:nvSpPr>
+        <p:spPr>
+          <a:xfrm>
+            <a:off x="5914272" y="4197931"/>
+            <a:ext cx="505970" cy="270164"/>
+          </a:xfrm>
+          <a:prstGeom prst="rightArrow">
+            <a:avLst/>
+          </a:prstGeom>
+        </p:spPr>
+        <p:style>
+          <a:lnRef idx="2">
+            <a:schemeClr val="accent1">
+              <a:shade val="50000"/>
+            </a:schemeClr>
+          </a:lnRef>
+          <a:fillRef idx="1">
+            <a:schemeClr val="accent1"/>
+          </a:fillRef>
+          <a:effectRef idx="0">
+            <a:schemeClr val="accent1"/>
+          </a:effectRef>
+          <a:fontRef idx="minor">
+            <a:schemeClr val="lt1"/>
+          </a:fontRef>
+        </p:style>
+        <p:txBody>
+          <a:bodyPr rtlCol="0" anchor="ctr"/>
+          <a:lstStyle/>
+          <a:p>
+            <a:pPr algn="ctr"/>
+            <a:endParaRPr lang="de-AT"/>
+          </a:p>
+        </p:txBody>
+      </p:sp>
+      <p:sp>
+        <p:nvSpPr>
+          <p:cNvPr id="6" name="Fußzeilenplatzhalter 5">
+            <a:extLst>
+              <a:ext uri="{FF2B5EF4-FFF2-40B4-BE49-F238E27FC236}">
+                <a16:creationId xmlns:a16="http://schemas.microsoft.com/office/drawing/2014/main" id="{72544B0E-1C67-4E17-906C-93BA7BD8AF51}"/>
+              </a:ext>
+            </a:extLst>
+          </p:cNvPr>
+          <p:cNvSpPr>
+            <a:spLocks noGrp="1"/>
+          </p:cNvSpPr>
+          <p:nvPr>
+            <p:ph type="ftr" sz="quarter" idx="11"/>
+          </p:nvPr>
+        </p:nvSpPr>
+        <p:spPr/>
+        <p:txBody>
+          <a:bodyPr/>
+          <a:lstStyle/>
+          <a:p>
+            <a:r>
+              <a:rPr lang="en-US"/>
+              <a:t>RUP - Melanie Bugelnig &amp; Marcel Judth 5AHIFS</a:t>
+            </a:r>
+            <a:endParaRPr lang="en-US" dirty="0"/>
+          </a:p>
+        </p:txBody>
+      </p:sp>
+      <p:sp>
+        <p:nvSpPr>
+          <p:cNvPr id="7" name="Foliennummernplatzhalter 6">
+            <a:extLst>
+              <a:ext uri="{FF2B5EF4-FFF2-40B4-BE49-F238E27FC236}">
+                <a16:creationId xmlns:a16="http://schemas.microsoft.com/office/drawing/2014/main" id="{2477F3B9-15C5-4F83-9331-0B340F3DBCA1}"/>
+              </a:ext>
+            </a:extLst>
+          </p:cNvPr>
+          <p:cNvSpPr>
+            <a:spLocks noGrp="1"/>
+          </p:cNvSpPr>
+          <p:nvPr>
+            <p:ph type="sldNum" sz="quarter" idx="12"/>
+          </p:nvPr>
+        </p:nvSpPr>
+        <p:spPr/>
+        <p:txBody>
+          <a:bodyPr/>
+          <a:lstStyle/>
+          <a:p>
+            <a:fld id="{4FAB73BC-B049-4115-A692-8D63A059BFB8}" type="slidenum">
+              <a:rPr lang="en-US" smtClean="0"/>
+              <a:t>13</a:t>
+            </a:fld>
+            <a:endParaRPr lang="en-US" dirty="0"/>
+          </a:p>
+        </p:txBody>
+      </p:sp>
+    </p:spTree>
+    <p:extLst>
+      <p:ext uri="{BB962C8B-B14F-4D97-AF65-F5344CB8AC3E}">
+        <p14:creationId xmlns:p14="http://schemas.microsoft.com/office/powerpoint/2010/main" val="1418950221"/>
+      </p:ext>
+    </p:extLst>
+  </p:cSld>
+  <p:clrMapOvr>
+    <a:masterClrMapping/>
+  </p:clrMapOvr>
+  <p:timing>
+    <p:tnLst>
+      <p:par>
+        <p:cTn id="1" dur="indefinite" restart="never" nodeType="tmRoot">
+          <p:childTnLst>
+            <p:seq concurrent="1" nextAc="seek">
+              <p:cTn id="2" dur="indefinite" nodeType="mainSeq">
+                <p:childTnLst>
+                  <p:par>
+                    <p:cTn id="3" fill="hold">
+                      <p:stCondLst>
+                        <p:cond delay="indefinite"/>
+                      </p:stCondLst>
+                      <p:childTnLst>
+                        <p:par>
+                          <p:cTn id="4" fill="hold">
+                            <p:stCondLst>
+                              <p:cond delay="0"/>
+                            </p:stCondLst>
+                            <p:childTnLst>
+                              <p:par>
+                                <p:cTn id="5" presetID="22" presetClass="entr" presetSubtype="4" fill="hold" grpId="0" nodeType="clickEffect">
+                                  <p:stCondLst>
+                                    <p:cond delay="0"/>
+                                  </p:stCondLst>
+                                  <p:childTnLst>
+                                    <p:set>
+                                      <p:cBhvr>
+                                        <p:cTn id="6" dur="1" fill="hold">
+                                          <p:stCondLst>
+                                            <p:cond delay="0"/>
+                                          </p:stCondLst>
+                                        </p:cTn>
+                                        <p:tgtEl>
+                                          <p:spTgt spid="5"/>
+                                        </p:tgtEl>
+                                        <p:attrNameLst>
+                                          <p:attrName>style.visibility</p:attrName>
+                                        </p:attrNameLst>
+                                      </p:cBhvr>
+                                      <p:to>
+                                        <p:strVal val="visible"/>
+                                      </p:to>
+                                    </p:set>
+                                    <p:animEffect transition="in" filter="wipe(down)">
+                                      <p:cBhvr>
+                                        <p:cTn id="7" dur="500"/>
+                                        <p:tgtEl>
+                                          <p:spTgt spid="5"/>
+                                        </p:tgtEl>
+                                      </p:cBhvr>
+                                    </p:animEffect>
+                                  </p:childTnLst>
+                                </p:cTn>
+                              </p:par>
+                            </p:childTnLst>
+                          </p:cTn>
+                        </p:par>
+                      </p:childTnLst>
+                    </p:cTn>
+                  </p:par>
+                </p:childTnLst>
+              </p:cTn>
+              <p:prevCondLst>
+                <p:cond evt="onPrev" delay="0">
+                  <p:tgtEl>
+                    <p:sldTgt/>
+                  </p:tgtEl>
+                </p:cond>
+              </p:prevCondLst>
+              <p:nextCondLst>
+                <p:cond evt="onNext" delay="0">
+                  <p:tgtEl>
+                    <p:sldTgt/>
+                  </p:tgtEl>
+                </p:cond>
+              </p:nextCondLst>
+            </p:seq>
+          </p:childTnLst>
+        </p:cTn>
+      </p:par>
+    </p:tnLst>
+    <p:bldLst>
+      <p:bldP spid="5" grpId="0" animBg="1"/>
+    </p:bldLst>
+  </p:timing>
+</p:sld>
+</file>
+
+<file path=ppt/slides/slide14.xml><?xml version="1.0" encoding="utf-8"?>
+<p:sld xmlns:a="http://schemas.openxmlformats.org/drawingml/2006/main" xmlns:r="http://schemas.openxmlformats.org/officeDocument/2006/relationships" xmlns:p="http://schemas.openxmlformats.org/presentationml/2006/main">
+  <p:cSld>
+    <p:spTree>
+      <p:nvGrpSpPr>
+        <p:cNvPr id="1" name=""/>
+        <p:cNvGrpSpPr/>
+        <p:nvPr/>
+      </p:nvGrpSpPr>
+      <p:grpSpPr>
+        <a:xfrm>
+          <a:off x="0" y="0"/>
+          <a:ext cx="0" cy="0"/>
+          <a:chOff x="0" y="0"/>
+          <a:chExt cx="0" cy="0"/>
+        </a:xfrm>
+      </p:grpSpPr>
+      <p:sp>
+        <p:nvSpPr>
+          <p:cNvPr id="2" name="Titel 1">
+            <a:extLst>
+              <a:ext uri="{FF2B5EF4-FFF2-40B4-BE49-F238E27FC236}">
+                <a16:creationId xmlns:a16="http://schemas.microsoft.com/office/drawing/2014/main" id="{60851B2C-AFA4-415D-8FCE-2079D5F0A011}"/>
+              </a:ext>
+            </a:extLst>
+          </p:cNvPr>
+          <p:cNvSpPr>
+            <a:spLocks noGrp="1"/>
+          </p:cNvSpPr>
+          <p:nvPr>
+            <p:ph type="title"/>
+          </p:nvPr>
+        </p:nvSpPr>
+        <p:spPr/>
+        <p:txBody>
+          <a:bodyPr/>
+          <a:lstStyle/>
+          <a:p>
+            <a:r>
+              <a:rPr lang="de-AT" dirty="0" err="1"/>
+              <a:t>Configuration</a:t>
+            </a:r>
+            <a:r>
+              <a:rPr lang="de-AT" dirty="0"/>
+              <a:t> &amp; Change Management </a:t>
+            </a:r>
+          </a:p>
+        </p:txBody>
+      </p:sp>
+      <p:sp>
+        <p:nvSpPr>
+          <p:cNvPr id="3" name="Inhaltsplatzhalter 2">
+            <a:extLst>
+              <a:ext uri="{FF2B5EF4-FFF2-40B4-BE49-F238E27FC236}">
+                <a16:creationId xmlns:a16="http://schemas.microsoft.com/office/drawing/2014/main" id="{6C6742CB-B857-428A-8398-919D358C2E1D}"/>
+              </a:ext>
+            </a:extLst>
+          </p:cNvPr>
+          <p:cNvSpPr>
+            <a:spLocks noGrp="1"/>
+          </p:cNvSpPr>
+          <p:nvPr>
+            <p:ph idx="1"/>
+          </p:nvPr>
+        </p:nvSpPr>
+        <p:spPr/>
+        <p:txBody>
+          <a:bodyPr/>
+          <a:lstStyle/>
+          <a:p>
+            <a:pPr lvl="1"/>
+            <a:r>
+              <a:rPr lang="de-AT" dirty="0"/>
+              <a:t>Auf Forderungen des Kunden reagieren</a:t>
+            </a:r>
+          </a:p>
+          <a:p>
+            <a:pPr lvl="2"/>
+            <a:r>
+              <a:rPr lang="de-AT" dirty="0"/>
+              <a:t>Change Request</a:t>
+            </a:r>
+          </a:p>
+          <a:p>
+            <a:pPr lvl="2"/>
+            <a:r>
+              <a:rPr lang="de-AT" dirty="0" err="1"/>
+              <a:t>Configuration</a:t>
+            </a:r>
+            <a:r>
+              <a:rPr lang="de-AT" dirty="0"/>
+              <a:t> Management Plan</a:t>
+            </a:r>
+          </a:p>
+        </p:txBody>
+      </p:sp>
+      <p:pic>
+        <p:nvPicPr>
+          <p:cNvPr id="4" name="Grafik 3" descr="mü_ref">
+            <a:extLst>
+              <a:ext uri="{FF2B5EF4-FFF2-40B4-BE49-F238E27FC236}">
+                <a16:creationId xmlns:a16="http://schemas.microsoft.com/office/drawing/2014/main" id="{F5665AF1-CA4F-49FE-96D0-4A9FED72F0D4}"/>
+              </a:ext>
+            </a:extLst>
+          </p:cNvPr>
+          <p:cNvPicPr/>
+          <p:nvPr/>
+        </p:nvPicPr>
+        <p:blipFill>
+          <a:blip r:embed="rId2">
+            <a:extLst>
+              <a:ext uri="{28A0092B-C50C-407E-A947-70E740481C1C}">
+                <a14:useLocalDpi xmlns:a14="http://schemas.microsoft.com/office/drawing/2010/main" val="0"/>
+              </a:ext>
+            </a:extLst>
+          </a:blip>
+          <a:srcRect/>
+          <a:stretch>
+            <a:fillRect/>
+          </a:stretch>
+        </p:blipFill>
+        <p:spPr bwMode="auto">
+          <a:xfrm>
+            <a:off x="6355080" y="2598397"/>
+            <a:ext cx="4773168" cy="3169966"/>
+          </a:xfrm>
+          <a:prstGeom prst="rect">
+            <a:avLst/>
+          </a:prstGeom>
+          <a:noFill/>
+        </p:spPr>
+      </p:pic>
+      <p:sp>
+        <p:nvSpPr>
+          <p:cNvPr id="5" name="Pfeil: nach rechts 4">
+            <a:extLst>
+              <a:ext uri="{FF2B5EF4-FFF2-40B4-BE49-F238E27FC236}">
+                <a16:creationId xmlns:a16="http://schemas.microsoft.com/office/drawing/2014/main" id="{73B70EA0-0530-40D1-9462-DF7388B6884E}"/>
+              </a:ext>
+            </a:extLst>
+          </p:cNvPr>
+          <p:cNvSpPr/>
+          <p:nvPr/>
+        </p:nvSpPr>
+        <p:spPr>
+          <a:xfrm>
+            <a:off x="5914272" y="4488882"/>
+            <a:ext cx="505970" cy="270164"/>
+          </a:xfrm>
+          <a:prstGeom prst="rightArrow">
+            <a:avLst/>
+          </a:prstGeom>
+        </p:spPr>
+        <p:style>
+          <a:lnRef idx="2">
+            <a:schemeClr val="accent1">
+              <a:shade val="50000"/>
+            </a:schemeClr>
+          </a:lnRef>
+          <a:fillRef idx="1">
+            <a:schemeClr val="accent1"/>
+          </a:fillRef>
+          <a:effectRef idx="0">
+            <a:schemeClr val="accent1"/>
+          </a:effectRef>
+          <a:fontRef idx="minor">
+            <a:schemeClr val="lt1"/>
+          </a:fontRef>
+        </p:style>
+        <p:txBody>
+          <a:bodyPr rtlCol="0" anchor="ctr"/>
+          <a:lstStyle/>
+          <a:p>
+            <a:pPr algn="ctr"/>
+            <a:endParaRPr lang="de-AT"/>
+          </a:p>
+        </p:txBody>
+      </p:sp>
+      <p:sp>
+        <p:nvSpPr>
+          <p:cNvPr id="6" name="Fußzeilenplatzhalter 5">
+            <a:extLst>
+              <a:ext uri="{FF2B5EF4-FFF2-40B4-BE49-F238E27FC236}">
+                <a16:creationId xmlns:a16="http://schemas.microsoft.com/office/drawing/2014/main" id="{72544B0E-1C67-4E17-906C-93BA7BD8AF51}"/>
+              </a:ext>
+            </a:extLst>
+          </p:cNvPr>
+          <p:cNvSpPr>
+            <a:spLocks noGrp="1"/>
+          </p:cNvSpPr>
+          <p:nvPr>
+            <p:ph type="ftr" sz="quarter" idx="11"/>
+          </p:nvPr>
+        </p:nvSpPr>
+        <p:spPr/>
+        <p:txBody>
+          <a:bodyPr/>
+          <a:lstStyle/>
+          <a:p>
+            <a:r>
+              <a:rPr lang="en-US"/>
+              <a:t>RUP - Melanie Bugelnig &amp; Marcel Judth 5AHIFS</a:t>
+            </a:r>
+            <a:endParaRPr lang="en-US" dirty="0"/>
+          </a:p>
+        </p:txBody>
+      </p:sp>
+      <p:sp>
+        <p:nvSpPr>
+          <p:cNvPr id="7" name="Foliennummernplatzhalter 6">
+            <a:extLst>
+              <a:ext uri="{FF2B5EF4-FFF2-40B4-BE49-F238E27FC236}">
+                <a16:creationId xmlns:a16="http://schemas.microsoft.com/office/drawing/2014/main" id="{2477F3B9-15C5-4F83-9331-0B340F3DBCA1}"/>
+              </a:ext>
+            </a:extLst>
+          </p:cNvPr>
+          <p:cNvSpPr>
+            <a:spLocks noGrp="1"/>
+          </p:cNvSpPr>
+          <p:nvPr>
+            <p:ph type="sldNum" sz="quarter" idx="12"/>
+          </p:nvPr>
+        </p:nvSpPr>
+        <p:spPr/>
+        <p:txBody>
+          <a:bodyPr/>
+          <a:lstStyle/>
+          <a:p>
+            <a:fld id="{4FAB73BC-B049-4115-A692-8D63A059BFB8}" type="slidenum">
+              <a:rPr lang="en-US" smtClean="0"/>
+              <a:t>14</a:t>
+            </a:fld>
+            <a:endParaRPr lang="en-US" dirty="0"/>
+          </a:p>
+        </p:txBody>
+      </p:sp>
+    </p:spTree>
+    <p:extLst>
+      <p:ext uri="{BB962C8B-B14F-4D97-AF65-F5344CB8AC3E}">
+        <p14:creationId xmlns:p14="http://schemas.microsoft.com/office/powerpoint/2010/main" val="488392144"/>
+      </p:ext>
+    </p:extLst>
+  </p:cSld>
+  <p:clrMapOvr>
+    <a:masterClrMapping/>
+  </p:clrMapOvr>
+  <p:timing>
+    <p:tnLst>
+      <p:par>
+        <p:cTn id="1" dur="indefinite" restart="never" nodeType="tmRoot">
+          <p:childTnLst>
+            <p:seq concurrent="1" nextAc="seek">
+              <p:cTn id="2" dur="indefinite" nodeType="mainSeq">
+                <p:childTnLst>
+                  <p:par>
+                    <p:cTn id="3" fill="hold">
+                      <p:stCondLst>
+                        <p:cond delay="indefinite"/>
+                      </p:stCondLst>
+                      <p:childTnLst>
+                        <p:par>
+                          <p:cTn id="4" fill="hold">
+                            <p:stCondLst>
+                              <p:cond delay="0"/>
+                            </p:stCondLst>
+                            <p:childTnLst>
+                              <p:par>
+                                <p:cTn id="5" presetID="22" presetClass="entr" presetSubtype="4" fill="hold" grpId="0" nodeType="clickEffect">
+                                  <p:stCondLst>
+                                    <p:cond delay="0"/>
+                                  </p:stCondLst>
+                                  <p:childTnLst>
+                                    <p:set>
+                                      <p:cBhvr>
+                                        <p:cTn id="6" dur="1" fill="hold">
+                                          <p:stCondLst>
+                                            <p:cond delay="0"/>
+                                          </p:stCondLst>
+                                        </p:cTn>
+                                        <p:tgtEl>
+                                          <p:spTgt spid="5"/>
+                                        </p:tgtEl>
+                                        <p:attrNameLst>
+                                          <p:attrName>style.visibility</p:attrName>
+                                        </p:attrNameLst>
+                                      </p:cBhvr>
+                                      <p:to>
+                                        <p:strVal val="visible"/>
+                                      </p:to>
+                                    </p:set>
+                                    <p:animEffect transition="in" filter="wipe(down)">
+                                      <p:cBhvr>
+                                        <p:cTn id="7" dur="500"/>
+                                        <p:tgtEl>
+                                          <p:spTgt spid="5"/>
+                                        </p:tgtEl>
+                                      </p:cBhvr>
+                                    </p:animEffect>
+                                  </p:childTnLst>
+                                </p:cTn>
+                              </p:par>
+                            </p:childTnLst>
+                          </p:cTn>
+                        </p:par>
+                      </p:childTnLst>
+                    </p:cTn>
+                  </p:par>
+                </p:childTnLst>
+              </p:cTn>
+              <p:prevCondLst>
+                <p:cond evt="onPrev" delay="0">
+                  <p:tgtEl>
+                    <p:sldTgt/>
+                  </p:tgtEl>
+                </p:cond>
+              </p:prevCondLst>
+              <p:nextCondLst>
+                <p:cond evt="onNext" delay="0">
+                  <p:tgtEl>
+                    <p:sldTgt/>
+                  </p:tgtEl>
+                </p:cond>
+              </p:nextCondLst>
+            </p:seq>
+          </p:childTnLst>
+        </p:cTn>
+      </p:par>
+    </p:tnLst>
+    <p:bldLst>
+      <p:bldP spid="5" grpId="0" animBg="1"/>
+    </p:bldLst>
+  </p:timing>
+</p:sld>
+</file>
+
+<file path=ppt/slides/slide15.xml><?xml version="1.0" encoding="utf-8"?>
+<p:sld xmlns:a="http://schemas.openxmlformats.org/drawingml/2006/main" xmlns:r="http://schemas.openxmlformats.org/officeDocument/2006/relationships" xmlns:p="http://schemas.openxmlformats.org/presentationml/2006/main">
+  <p:cSld>
     <p:spTree>
       <p:nvGrpSpPr>
         <p:cNvPr id="1" name=""/>
@@ -4690,7 +6442,7 @@
           <a:p>
             <a:fld id="{4FAB73BC-B049-4115-A692-8D63A059BFB8}" type="slidenum">
               <a:rPr lang="en-US" smtClean="0"/>
-              <a:t>10</a:t>
+              <a:t>15</a:t>
             </a:fld>
             <a:endParaRPr lang="en-US" dirty="0"/>
           </a:p>
@@ -4795,7 +6547,7 @@
 </p:sld>
 </file>
 
-<file path=ppt/slides/slide11.xml><?xml version="1.0" encoding="utf-8"?>
+<file path=ppt/slides/slide16.xml><?xml version="1.0" encoding="utf-8"?>
 <p:sld xmlns:a="http://schemas.openxmlformats.org/drawingml/2006/main" xmlns:r="http://schemas.openxmlformats.org/officeDocument/2006/relationships" xmlns:p="http://schemas.openxmlformats.org/presentationml/2006/main">
   <p:cSld>
     <p:spTree>
@@ -5024,7 +6776,7 @@
           <a:p>
             <a:fld id="{4FAB73BC-B049-4115-A692-8D63A059BFB8}" type="slidenum">
               <a:rPr lang="en-US" smtClean="0"/>
-              <a:t>11</a:t>
+              <a:t>16</a:t>
             </a:fld>
             <a:endParaRPr lang="en-US" dirty="0"/>
           </a:p>
@@ -5129,7 +6881,7 @@
 </p:sld>
 </file>
 
-<file path=ppt/slides/slide12.xml><?xml version="1.0" encoding="utf-8"?>
+<file path=ppt/slides/slide17.xml><?xml version="1.0" encoding="utf-8"?>
 <p:sld xmlns:a="http://schemas.openxmlformats.org/drawingml/2006/main" xmlns:r="http://schemas.openxmlformats.org/officeDocument/2006/relationships" xmlns:p="http://schemas.openxmlformats.org/presentationml/2006/main">
   <p:cSld>
     <p:spTree>
@@ -5272,7 +7024,7 @@
           <a:p>
             <a:fld id="{4FAB73BC-B049-4115-A692-8D63A059BFB8}" type="slidenum">
               <a:rPr lang="en-US" smtClean="0"/>
-              <a:t>12</a:t>
+              <a:t>17</a:t>
             </a:fld>
             <a:endParaRPr lang="en-US" dirty="0"/>
           </a:p>
@@ -5291,7 +7043,7 @@
 </p:sld>
 </file>
 
-<file path=ppt/slides/slide13.xml><?xml version="1.0" encoding="utf-8"?>
+<file path=ppt/slides/slide18.xml><?xml version="1.0" encoding="utf-8"?>
 <p:sld xmlns:a="http://schemas.openxmlformats.org/drawingml/2006/main" xmlns:r="http://schemas.openxmlformats.org/officeDocument/2006/relationships" xmlns:p="http://schemas.openxmlformats.org/presentationml/2006/main">
   <p:cSld>
     <p:spTree>
@@ -5428,7 +7180,7 @@
           <a:p>
             <a:fld id="{4FAB73BC-B049-4115-A692-8D63A059BFB8}" type="slidenum">
               <a:rPr lang="en-US" smtClean="0"/>
-              <a:t>13</a:t>
+              <a:t>18</a:t>
             </a:fld>
             <a:endParaRPr lang="en-US" dirty="0"/>
           </a:p>
@@ -5448,6 +7200,1238 @@
 </file>
 
 <file path=ppt/slides/slide2.xml><?xml version="1.0" encoding="utf-8"?>
+<p:sld xmlns:a="http://schemas.openxmlformats.org/drawingml/2006/main" xmlns:r="http://schemas.openxmlformats.org/officeDocument/2006/relationships" xmlns:p="http://schemas.openxmlformats.org/presentationml/2006/main">
+  <p:cSld>
+    <p:spTree>
+      <p:nvGrpSpPr>
+        <p:cNvPr id="1" name=""/>
+        <p:cNvGrpSpPr/>
+        <p:nvPr/>
+      </p:nvGrpSpPr>
+      <p:grpSpPr>
+        <a:xfrm>
+          <a:off x="0" y="0"/>
+          <a:ext cx="0" cy="0"/>
+          <a:chOff x="0" y="0"/>
+          <a:chExt cx="0" cy="0"/>
+        </a:xfrm>
+      </p:grpSpPr>
+      <p:sp>
+        <p:nvSpPr>
+          <p:cNvPr id="2" name="Title 1">
+            <a:extLst>
+              <a:ext uri="{FF2B5EF4-FFF2-40B4-BE49-F238E27FC236}">
+                <a16:creationId xmlns:a16="http://schemas.microsoft.com/office/drawing/2014/main" id="{E961A220-F5D1-0144-AFB0-A433C73088AF}"/>
+              </a:ext>
+            </a:extLst>
+          </p:cNvPr>
+          <p:cNvSpPr>
+            <a:spLocks noGrp="1"/>
+          </p:cNvSpPr>
+          <p:nvPr>
+            <p:ph type="title"/>
+          </p:nvPr>
+        </p:nvSpPr>
+        <p:spPr/>
+        <p:txBody>
+          <a:bodyPr/>
+          <a:lstStyle/>
+          <a:p>
+            <a:r>
+              <a:rPr lang="en-US" dirty="0"/>
+              <a:t>Abstract</a:t>
+            </a:r>
+          </a:p>
+        </p:txBody>
+      </p:sp>
+      <p:sp>
+        <p:nvSpPr>
+          <p:cNvPr id="3" name="Content Placeholder 2">
+            <a:extLst>
+              <a:ext uri="{FF2B5EF4-FFF2-40B4-BE49-F238E27FC236}">
+                <a16:creationId xmlns:a16="http://schemas.microsoft.com/office/drawing/2014/main" id="{29C91ABF-6C3A-6542-89D1-A5B7A3390B33}"/>
+              </a:ext>
+            </a:extLst>
+          </p:cNvPr>
+          <p:cNvSpPr>
+            <a:spLocks noGrp="1"/>
+          </p:cNvSpPr>
+          <p:nvPr>
+            <p:ph idx="1"/>
+          </p:nvPr>
+        </p:nvSpPr>
+        <p:spPr/>
+        <p:txBody>
+          <a:bodyPr/>
+          <a:lstStyle/>
+          <a:p>
+            <a:r>
+              <a:rPr lang="en-US" dirty="0"/>
+              <a:t>IBM</a:t>
+            </a:r>
+          </a:p>
+          <a:p>
+            <a:r>
+              <a:rPr lang="en-US" dirty="0"/>
+              <a:t>1996: first version</a:t>
+            </a:r>
+          </a:p>
+          <a:p>
+            <a:r>
+              <a:rPr lang="en-US" dirty="0"/>
+              <a:t>rational software</a:t>
+            </a:r>
+          </a:p>
+          <a:p>
+            <a:r>
+              <a:rPr lang="en-US" dirty="0"/>
+              <a:t>four phases</a:t>
+            </a:r>
+          </a:p>
+          <a:p>
+            <a:r>
+              <a:rPr lang="en-US" dirty="0"/>
+              <a:t>supporting software</a:t>
+            </a:r>
+          </a:p>
+          <a:p>
+            <a:r>
+              <a:rPr lang="en-US" dirty="0"/>
+              <a:t>advantages of RUP</a:t>
+            </a:r>
+          </a:p>
+          <a:p>
+            <a:r>
+              <a:rPr lang="en-US" dirty="0"/>
+              <a:t>disadvantages of RUP</a:t>
+            </a:r>
+          </a:p>
+          <a:p>
+            <a:endParaRPr lang="en-US" dirty="0"/>
+          </a:p>
+          <a:p>
+            <a:endParaRPr lang="en-US" dirty="0"/>
+          </a:p>
+        </p:txBody>
+      </p:sp>
+      <p:sp>
+        <p:nvSpPr>
+          <p:cNvPr id="4" name="Footer Placeholder 3">
+            <a:extLst>
+              <a:ext uri="{FF2B5EF4-FFF2-40B4-BE49-F238E27FC236}">
+                <a16:creationId xmlns:a16="http://schemas.microsoft.com/office/drawing/2014/main" id="{ABBD9CBD-2AA8-9F4C-84E9-A894347872A6}"/>
+              </a:ext>
+            </a:extLst>
+          </p:cNvPr>
+          <p:cNvSpPr>
+            <a:spLocks noGrp="1"/>
+          </p:cNvSpPr>
+          <p:nvPr>
+            <p:ph type="ftr" sz="quarter" idx="11"/>
+          </p:nvPr>
+        </p:nvSpPr>
+        <p:spPr/>
+        <p:txBody>
+          <a:bodyPr/>
+          <a:lstStyle/>
+          <a:p>
+            <a:r>
+              <a:rPr lang="en-US"/>
+              <a:t>RUP - Melanie Bugelnig &amp; Marcel Judth 5AHIFS</a:t>
+            </a:r>
+            <a:endParaRPr lang="en-US" dirty="0"/>
+          </a:p>
+        </p:txBody>
+      </p:sp>
+      <p:sp>
+        <p:nvSpPr>
+          <p:cNvPr id="5" name="Slide Number Placeholder 4">
+            <a:extLst>
+              <a:ext uri="{FF2B5EF4-FFF2-40B4-BE49-F238E27FC236}">
+                <a16:creationId xmlns:a16="http://schemas.microsoft.com/office/drawing/2014/main" id="{59A45D7D-B604-EA42-8D2B-D05FC47826D5}"/>
+              </a:ext>
+            </a:extLst>
+          </p:cNvPr>
+          <p:cNvSpPr>
+            <a:spLocks noGrp="1"/>
+          </p:cNvSpPr>
+          <p:nvPr>
+            <p:ph type="sldNum" sz="quarter" idx="12"/>
+          </p:nvPr>
+        </p:nvSpPr>
+        <p:spPr/>
+        <p:txBody>
+          <a:bodyPr/>
+          <a:lstStyle/>
+          <a:p>
+            <a:fld id="{4FAB73BC-B049-4115-A692-8D63A059BFB8}" type="slidenum">
+              <a:rPr lang="en-US" smtClean="0"/>
+              <a:t>2</a:t>
+            </a:fld>
+            <a:endParaRPr lang="en-US" dirty="0"/>
+          </a:p>
+        </p:txBody>
+      </p:sp>
+    </p:spTree>
+    <p:extLst>
+      <p:ext uri="{BB962C8B-B14F-4D97-AF65-F5344CB8AC3E}">
+        <p14:creationId xmlns:p14="http://schemas.microsoft.com/office/powerpoint/2010/main" val="3267082166"/>
+      </p:ext>
+    </p:extLst>
+  </p:cSld>
+  <p:clrMapOvr>
+    <a:masterClrMapping/>
+  </p:clrMapOvr>
+</p:sld>
+</file>
+
+<file path=ppt/slides/slide3.xml><?xml version="1.0" encoding="utf-8"?>
+<p:sld xmlns:a="http://schemas.openxmlformats.org/drawingml/2006/main" xmlns:r="http://schemas.openxmlformats.org/officeDocument/2006/relationships" xmlns:p="http://schemas.openxmlformats.org/presentationml/2006/main">
+  <p:cSld>
+    <p:spTree>
+      <p:nvGrpSpPr>
+        <p:cNvPr id="1" name=""/>
+        <p:cNvGrpSpPr/>
+        <p:nvPr/>
+      </p:nvGrpSpPr>
+      <p:grpSpPr>
+        <a:xfrm>
+          <a:off x="0" y="0"/>
+          <a:ext cx="0" cy="0"/>
+          <a:chOff x="0" y="0"/>
+          <a:chExt cx="0" cy="0"/>
+        </a:xfrm>
+      </p:grpSpPr>
+      <p:sp>
+        <p:nvSpPr>
+          <p:cNvPr id="2" name="Title 1">
+            <a:extLst>
+              <a:ext uri="{FF2B5EF4-FFF2-40B4-BE49-F238E27FC236}">
+                <a16:creationId xmlns:a16="http://schemas.microsoft.com/office/drawing/2014/main" id="{B5459FCF-594F-D34C-B92A-984DD6B337E6}"/>
+              </a:ext>
+            </a:extLst>
+          </p:cNvPr>
+          <p:cNvSpPr>
+            <a:spLocks noGrp="1"/>
+          </p:cNvSpPr>
+          <p:nvPr>
+            <p:ph type="title"/>
+          </p:nvPr>
+        </p:nvSpPr>
+        <p:spPr>
+          <a:xfrm>
+            <a:off x="1069848" y="484632"/>
+            <a:ext cx="10058400" cy="1609344"/>
+          </a:xfrm>
+        </p:spPr>
+        <p:txBody>
+          <a:bodyPr>
+            <a:normAutofit/>
+          </a:bodyPr>
+          <a:lstStyle/>
+          <a:p>
+            <a:r>
+              <a:rPr lang="de-AT" dirty="0"/>
+              <a:t>Allgemein</a:t>
+            </a:r>
+          </a:p>
+        </p:txBody>
+      </p:sp>
+      <p:sp>
+        <p:nvSpPr>
+          <p:cNvPr id="3" name="Content Placeholder 2">
+            <a:extLst>
+              <a:ext uri="{FF2B5EF4-FFF2-40B4-BE49-F238E27FC236}">
+                <a16:creationId xmlns:a16="http://schemas.microsoft.com/office/drawing/2014/main" id="{FA59E2DD-D6E4-5746-9588-BF20637CE198}"/>
+              </a:ext>
+            </a:extLst>
+          </p:cNvPr>
+          <p:cNvSpPr>
+            <a:spLocks noGrp="1"/>
+          </p:cNvSpPr>
+          <p:nvPr>
+            <p:ph idx="1"/>
+          </p:nvPr>
+        </p:nvSpPr>
+        <p:spPr>
+          <a:xfrm>
+            <a:off x="1069848" y="2121408"/>
+            <a:ext cx="4773168" cy="4050792"/>
+          </a:xfrm>
+        </p:spPr>
+        <p:txBody>
+          <a:bodyPr>
+            <a:normAutofit/>
+          </a:bodyPr>
+          <a:lstStyle/>
+          <a:p>
+            <a:r>
+              <a:rPr lang="de-AT" dirty="0"/>
+              <a:t>objektorientiertes, </a:t>
+            </a:r>
+            <a:br>
+              <a:rPr lang="de-AT" dirty="0"/>
+            </a:br>
+            <a:r>
+              <a:rPr lang="de-AT" dirty="0"/>
+              <a:t>aktivitätsgetriebenes Vorgehensmodell </a:t>
+            </a:r>
+          </a:p>
+          <a:p>
+            <a:r>
+              <a:rPr lang="de-AT" dirty="0"/>
+              <a:t>geprägt von UML</a:t>
+            </a:r>
+          </a:p>
+          <a:p>
+            <a:r>
+              <a:rPr lang="de-AT" dirty="0"/>
+              <a:t>von Tools unterstützt</a:t>
+            </a:r>
+          </a:p>
+          <a:p>
+            <a:r>
+              <a:rPr lang="de-AT" dirty="0"/>
+              <a:t>3 Grundprinzipien</a:t>
+            </a:r>
+          </a:p>
+          <a:p>
+            <a:endParaRPr lang="de-AT" dirty="0"/>
+          </a:p>
+        </p:txBody>
+      </p:sp>
+      <p:pic>
+        <p:nvPicPr>
+          <p:cNvPr id="7" name="Picture 6" descr="A close up of a sign&#10;&#10;Description automatically generated">
+            <a:extLst>
+              <a:ext uri="{FF2B5EF4-FFF2-40B4-BE49-F238E27FC236}">
+                <a16:creationId xmlns:a16="http://schemas.microsoft.com/office/drawing/2014/main" id="{9C7B5E7E-4F08-E443-9B1B-309D1FE9B5CD}"/>
+              </a:ext>
+            </a:extLst>
+          </p:cNvPr>
+          <p:cNvPicPr>
+            <a:picLocks noChangeAspect="1"/>
+          </p:cNvPicPr>
+          <p:nvPr/>
+        </p:nvPicPr>
+        <p:blipFill>
+          <a:blip r:embed="rId2"/>
+          <a:stretch>
+            <a:fillRect/>
+          </a:stretch>
+        </p:blipFill>
+        <p:spPr>
+          <a:xfrm>
+            <a:off x="5559153" y="1220305"/>
+            <a:ext cx="6072015" cy="4417390"/>
+          </a:xfrm>
+          <a:prstGeom prst="rect">
+            <a:avLst/>
+          </a:prstGeom>
+        </p:spPr>
+      </p:pic>
+      <p:sp>
+        <p:nvSpPr>
+          <p:cNvPr id="4" name="Footer Placeholder 3">
+            <a:extLst>
+              <a:ext uri="{FF2B5EF4-FFF2-40B4-BE49-F238E27FC236}">
+                <a16:creationId xmlns:a16="http://schemas.microsoft.com/office/drawing/2014/main" id="{5901FEBC-7A97-7449-B255-D490DCCE3EB1}"/>
+              </a:ext>
+            </a:extLst>
+          </p:cNvPr>
+          <p:cNvSpPr>
+            <a:spLocks noGrp="1"/>
+          </p:cNvSpPr>
+          <p:nvPr>
+            <p:ph type="ftr" sz="quarter" idx="11"/>
+          </p:nvPr>
+        </p:nvSpPr>
+        <p:spPr>
+          <a:xfrm>
+            <a:off x="1088136" y="6272784"/>
+            <a:ext cx="6327648" cy="365125"/>
+          </a:xfrm>
+        </p:spPr>
+        <p:txBody>
+          <a:bodyPr>
+            <a:normAutofit/>
+          </a:bodyPr>
+          <a:lstStyle/>
+          <a:p>
+            <a:pPr>
+              <a:spcAft>
+                <a:spcPts val="600"/>
+              </a:spcAft>
+            </a:pPr>
+            <a:r>
+              <a:rPr lang="en-US"/>
+              <a:t>RUP - Melanie Bugelnig &amp; Marcel Judth 5AHIFS</a:t>
+            </a:r>
+          </a:p>
+        </p:txBody>
+      </p:sp>
+      <p:sp>
+        <p:nvSpPr>
+          <p:cNvPr id="5" name="Slide Number Placeholder 4">
+            <a:extLst>
+              <a:ext uri="{FF2B5EF4-FFF2-40B4-BE49-F238E27FC236}">
+                <a16:creationId xmlns:a16="http://schemas.microsoft.com/office/drawing/2014/main" id="{B288C48B-D629-E047-9F7B-13D7C2325B81}"/>
+              </a:ext>
+            </a:extLst>
+          </p:cNvPr>
+          <p:cNvSpPr>
+            <a:spLocks noGrp="1"/>
+          </p:cNvSpPr>
+          <p:nvPr>
+            <p:ph type="sldNum" sz="quarter" idx="12"/>
+          </p:nvPr>
+        </p:nvSpPr>
+        <p:spPr>
+          <a:xfrm>
+            <a:off x="11311128" y="6272784"/>
+            <a:ext cx="640080" cy="365125"/>
+          </a:xfrm>
+        </p:spPr>
+        <p:txBody>
+          <a:bodyPr>
+            <a:normAutofit/>
+          </a:bodyPr>
+          <a:lstStyle/>
+          <a:p>
+            <a:pPr>
+              <a:spcAft>
+                <a:spcPts val="600"/>
+              </a:spcAft>
+            </a:pPr>
+            <a:fld id="{4FAB73BC-B049-4115-A692-8D63A059BFB8}" type="slidenum">
+              <a:rPr lang="en-US" smtClean="0"/>
+              <a:pPr>
+                <a:spcAft>
+                  <a:spcPts val="600"/>
+                </a:spcAft>
+              </a:pPr>
+              <a:t>3</a:t>
+            </a:fld>
+            <a:endParaRPr lang="en-US"/>
+          </a:p>
+        </p:txBody>
+      </p:sp>
+    </p:spTree>
+    <p:extLst>
+      <p:ext uri="{BB962C8B-B14F-4D97-AF65-F5344CB8AC3E}">
+        <p14:creationId xmlns:p14="http://schemas.microsoft.com/office/powerpoint/2010/main" val="2973529332"/>
+      </p:ext>
+    </p:extLst>
+  </p:cSld>
+  <p:clrMapOvr>
+    <a:masterClrMapping/>
+  </p:clrMapOvr>
+</p:sld>
+</file>
+
+<file path=ppt/slides/slide4.xml><?xml version="1.0" encoding="utf-8"?>
+<p:sld xmlns:a="http://schemas.openxmlformats.org/drawingml/2006/main" xmlns:r="http://schemas.openxmlformats.org/officeDocument/2006/relationships" xmlns:p="http://schemas.openxmlformats.org/presentationml/2006/main">
+  <p:cSld>
+    <p:spTree>
+      <p:nvGrpSpPr>
+        <p:cNvPr id="1" name=""/>
+        <p:cNvGrpSpPr/>
+        <p:nvPr/>
+      </p:nvGrpSpPr>
+      <p:grpSpPr>
+        <a:xfrm>
+          <a:off x="0" y="0"/>
+          <a:ext cx="0" cy="0"/>
+          <a:chOff x="0" y="0"/>
+          <a:chExt cx="0" cy="0"/>
+        </a:xfrm>
+      </p:grpSpPr>
+      <p:sp>
+        <p:nvSpPr>
+          <p:cNvPr id="2" name="Title 1">
+            <a:extLst>
+              <a:ext uri="{FF2B5EF4-FFF2-40B4-BE49-F238E27FC236}">
+                <a16:creationId xmlns:a16="http://schemas.microsoft.com/office/drawing/2014/main" id="{C89F7C4E-535D-F644-89D6-C5A378ED0A1E}"/>
+              </a:ext>
+            </a:extLst>
+          </p:cNvPr>
+          <p:cNvSpPr>
+            <a:spLocks noGrp="1"/>
+          </p:cNvSpPr>
+          <p:nvPr>
+            <p:ph type="title"/>
+          </p:nvPr>
+        </p:nvSpPr>
+        <p:spPr>
+          <a:xfrm>
+            <a:off x="382280" y="484632"/>
+            <a:ext cx="6743844" cy="1609344"/>
+          </a:xfrm>
+        </p:spPr>
+        <p:txBody>
+          <a:bodyPr>
+            <a:normAutofit/>
+          </a:bodyPr>
+          <a:lstStyle/>
+          <a:p>
+            <a:r>
+              <a:rPr lang="de-DE" sz="4800"/>
+              <a:t>Entstehungsgeschichte</a:t>
+            </a:r>
+          </a:p>
+        </p:txBody>
+      </p:sp>
+      <p:sp>
+        <p:nvSpPr>
+          <p:cNvPr id="3" name="Content Placeholder 2">
+            <a:extLst>
+              <a:ext uri="{FF2B5EF4-FFF2-40B4-BE49-F238E27FC236}">
+                <a16:creationId xmlns:a16="http://schemas.microsoft.com/office/drawing/2014/main" id="{81CA89DE-0640-C847-BD3F-1E30F1B69083}"/>
+              </a:ext>
+            </a:extLst>
+          </p:cNvPr>
+          <p:cNvSpPr>
+            <a:spLocks noGrp="1"/>
+          </p:cNvSpPr>
+          <p:nvPr>
+            <p:ph idx="1"/>
+          </p:nvPr>
+        </p:nvSpPr>
+        <p:spPr>
+          <a:xfrm>
+            <a:off x="382279" y="2121408"/>
+            <a:ext cx="6743845" cy="4050792"/>
+          </a:xfrm>
+        </p:spPr>
+        <p:txBody>
+          <a:bodyPr>
+            <a:normAutofit/>
+          </a:bodyPr>
+          <a:lstStyle/>
+          <a:p>
+            <a:r>
+              <a:rPr lang="en-US" sz="1800"/>
+              <a:t>Rational Inc.</a:t>
+            </a:r>
+          </a:p>
+          <a:p>
+            <a:r>
+              <a:rPr lang="en-US" sz="1800"/>
+              <a:t>The Three Amigos</a:t>
+            </a:r>
+          </a:p>
+          <a:p>
+            <a:r>
+              <a:rPr lang="en-US" sz="1800"/>
+              <a:t>ROP</a:t>
+            </a:r>
+          </a:p>
+          <a:p>
+            <a:r>
+              <a:rPr lang="de-DE" sz="1800"/>
+              <a:t>Umbenennung</a:t>
+            </a:r>
+          </a:p>
+          <a:p>
+            <a:endParaRPr lang="en-US" sz="1800"/>
+          </a:p>
+          <a:p>
+            <a:endParaRPr lang="en-US" sz="1800"/>
+          </a:p>
+        </p:txBody>
+      </p:sp>
+      <p:sp>
+        <p:nvSpPr>
+          <p:cNvPr id="4" name="Footer Placeholder 3">
+            <a:extLst>
+              <a:ext uri="{FF2B5EF4-FFF2-40B4-BE49-F238E27FC236}">
+                <a16:creationId xmlns:a16="http://schemas.microsoft.com/office/drawing/2014/main" id="{933D0A21-B87E-E54B-85EB-54066D4F9A1C}"/>
+              </a:ext>
+            </a:extLst>
+          </p:cNvPr>
+          <p:cNvSpPr>
+            <a:spLocks noGrp="1"/>
+          </p:cNvSpPr>
+          <p:nvPr>
+            <p:ph type="ftr" sz="quarter" idx="11"/>
+          </p:nvPr>
+        </p:nvSpPr>
+        <p:spPr>
+          <a:xfrm>
+            <a:off x="382279" y="6272784"/>
+            <a:ext cx="4435857" cy="365125"/>
+          </a:xfrm>
+        </p:spPr>
+        <p:txBody>
+          <a:bodyPr>
+            <a:normAutofit/>
+          </a:bodyPr>
+          <a:lstStyle/>
+          <a:p>
+            <a:pPr>
+              <a:spcAft>
+                <a:spcPts val="600"/>
+              </a:spcAft>
+            </a:pPr>
+            <a:r>
+              <a:rPr lang="en-US"/>
+              <a:t>RUP - Melanie Bugelnig &amp; Marcel Judth 5AHIFS</a:t>
+            </a:r>
+          </a:p>
+        </p:txBody>
+      </p:sp>
+      <p:pic>
+        <p:nvPicPr>
+          <p:cNvPr id="7" name="Picture 6" descr="A person smiling for the camera&#10;&#10;Description automatically generated">
+            <a:extLst>
+              <a:ext uri="{FF2B5EF4-FFF2-40B4-BE49-F238E27FC236}">
+                <a16:creationId xmlns:a16="http://schemas.microsoft.com/office/drawing/2014/main" id="{C7D6F074-8A6F-FE4A-8F1A-AE38EDC0233D}"/>
+              </a:ext>
+            </a:extLst>
+          </p:cNvPr>
+          <p:cNvPicPr>
+            <a:picLocks noChangeAspect="1"/>
+          </p:cNvPicPr>
+          <p:nvPr/>
+        </p:nvPicPr>
+        <p:blipFill rotWithShape="1">
+          <a:blip r:embed="rId2"/>
+          <a:srcRect l="3892"/>
+          <a:stretch/>
+        </p:blipFill>
+        <p:spPr>
+          <a:xfrm>
+            <a:off x="7545274" y="10"/>
+            <a:ext cx="4646726" cy="6857990"/>
+          </a:xfrm>
+          <a:prstGeom prst="rect">
+            <a:avLst/>
+          </a:prstGeom>
+        </p:spPr>
+      </p:pic>
+      <p:sp>
+        <p:nvSpPr>
+          <p:cNvPr id="5" name="Slide Number Placeholder 4">
+            <a:extLst>
+              <a:ext uri="{FF2B5EF4-FFF2-40B4-BE49-F238E27FC236}">
+                <a16:creationId xmlns:a16="http://schemas.microsoft.com/office/drawing/2014/main" id="{F8DD872F-127C-2A47-9743-76CD768407A1}"/>
+              </a:ext>
+            </a:extLst>
+          </p:cNvPr>
+          <p:cNvSpPr>
+            <a:spLocks noGrp="1"/>
+          </p:cNvSpPr>
+          <p:nvPr>
+            <p:ph type="sldNum" sz="quarter" idx="12"/>
+          </p:nvPr>
+        </p:nvSpPr>
+        <p:spPr>
+          <a:xfrm>
+            <a:off x="11311128" y="6272784"/>
+            <a:ext cx="640080" cy="365125"/>
+          </a:xfrm>
+        </p:spPr>
+        <p:txBody>
+          <a:bodyPr>
+            <a:normAutofit/>
+          </a:bodyPr>
+          <a:lstStyle/>
+          <a:p>
+            <a:pPr>
+              <a:spcAft>
+                <a:spcPts val="600"/>
+              </a:spcAft>
+            </a:pPr>
+            <a:fld id="{4FAB73BC-B049-4115-A692-8D63A059BFB8}" type="slidenum">
+              <a:rPr lang="en-US" smtClean="0"/>
+              <a:pPr>
+                <a:spcAft>
+                  <a:spcPts val="600"/>
+                </a:spcAft>
+              </a:pPr>
+              <a:t>4</a:t>
+            </a:fld>
+            <a:endParaRPr lang="en-US"/>
+          </a:p>
+        </p:txBody>
+      </p:sp>
+    </p:spTree>
+    <p:extLst>
+      <p:ext uri="{BB962C8B-B14F-4D97-AF65-F5344CB8AC3E}">
+        <p14:creationId xmlns:p14="http://schemas.microsoft.com/office/powerpoint/2010/main" val="52555324"/>
+      </p:ext>
+    </p:extLst>
+  </p:cSld>
+  <p:clrMapOvr>
+    <a:masterClrMapping/>
+  </p:clrMapOvr>
+</p:sld>
+</file>
+
+<file path=ppt/slides/slide5.xml><?xml version="1.0" encoding="utf-8"?>
+<p:sld xmlns:a="http://schemas.openxmlformats.org/drawingml/2006/main" xmlns:r="http://schemas.openxmlformats.org/officeDocument/2006/relationships" xmlns:p="http://schemas.openxmlformats.org/presentationml/2006/main">
+  <p:cSld>
+    <p:spTree>
+      <p:nvGrpSpPr>
+        <p:cNvPr id="1" name=""/>
+        <p:cNvGrpSpPr/>
+        <p:nvPr/>
+      </p:nvGrpSpPr>
+      <p:grpSpPr>
+        <a:xfrm>
+          <a:off x="0" y="0"/>
+          <a:ext cx="0" cy="0"/>
+          <a:chOff x="0" y="0"/>
+          <a:chExt cx="0" cy="0"/>
+        </a:xfrm>
+      </p:grpSpPr>
+      <p:sp>
+        <p:nvSpPr>
+          <p:cNvPr id="2" name="Title 1">
+            <a:extLst>
+              <a:ext uri="{FF2B5EF4-FFF2-40B4-BE49-F238E27FC236}">
+                <a16:creationId xmlns:a16="http://schemas.microsoft.com/office/drawing/2014/main" id="{9AE7873A-5BB7-2741-9CA4-CA36B949181F}"/>
+              </a:ext>
+            </a:extLst>
+          </p:cNvPr>
+          <p:cNvSpPr>
+            <a:spLocks noGrp="1"/>
+          </p:cNvSpPr>
+          <p:nvPr>
+            <p:ph type="title"/>
+          </p:nvPr>
+        </p:nvSpPr>
+        <p:spPr>
+          <a:xfrm>
+            <a:off x="4935793" y="484632"/>
+            <a:ext cx="6607277" cy="1609344"/>
+          </a:xfrm>
+        </p:spPr>
+        <p:txBody>
+          <a:bodyPr>
+            <a:normAutofit/>
+          </a:bodyPr>
+          <a:lstStyle/>
+          <a:p>
+            <a:r>
+              <a:rPr lang="en-US" dirty="0"/>
+              <a:t>Concept</a:t>
+            </a:r>
+          </a:p>
+        </p:txBody>
+      </p:sp>
+      <p:pic>
+        <p:nvPicPr>
+          <p:cNvPr id="12" name="Grafik 2">
+            <a:extLst>
+              <a:ext uri="{FF2B5EF4-FFF2-40B4-BE49-F238E27FC236}">
+                <a16:creationId xmlns:a16="http://schemas.microsoft.com/office/drawing/2014/main" id="{30D4CEFF-2F45-8240-A8D4-ABED8AE9F682}"/>
+              </a:ext>
+            </a:extLst>
+          </p:cNvPr>
+          <p:cNvPicPr/>
+          <p:nvPr/>
+        </p:nvPicPr>
+        <p:blipFill rotWithShape="1">
+          <a:blip r:embed="rId2"/>
+          <a:srcRect l="3776"/>
+          <a:stretch/>
+        </p:blipFill>
+        <p:spPr>
+          <a:xfrm>
+            <a:off x="821357" y="640081"/>
+            <a:ext cx="3626598" cy="2713616"/>
+          </a:xfrm>
+          <a:prstGeom prst="rect">
+            <a:avLst/>
+          </a:prstGeom>
+        </p:spPr>
+      </p:pic>
+      <p:pic>
+        <p:nvPicPr>
+          <p:cNvPr id="6" name="Grafik 1" descr="mü_ref">
+            <a:extLst>
+              <a:ext uri="{FF2B5EF4-FFF2-40B4-BE49-F238E27FC236}">
+                <a16:creationId xmlns:a16="http://schemas.microsoft.com/office/drawing/2014/main" id="{2BFCB7C3-1A36-E747-A073-C4D647C1A150}"/>
+              </a:ext>
+            </a:extLst>
+          </p:cNvPr>
+          <p:cNvPicPr/>
+          <p:nvPr/>
+        </p:nvPicPr>
+        <p:blipFill rotWithShape="1">
+          <a:blip r:embed="rId3">
+            <a:extLst>
+              <a:ext uri="{28A0092B-C50C-407E-A947-70E740481C1C}">
+                <a14:useLocalDpi xmlns:a14="http://schemas.microsoft.com/office/drawing/2010/main" val="0"/>
+              </a:ext>
+            </a:extLst>
+          </a:blip>
+          <a:srcRect l="8515" r="2727" b="-3"/>
+          <a:stretch/>
+        </p:blipFill>
+        <p:spPr bwMode="auto">
+          <a:xfrm>
+            <a:off x="825176" y="3514563"/>
+            <a:ext cx="3618960" cy="2707929"/>
+          </a:xfrm>
+          <a:prstGeom prst="rect">
+            <a:avLst/>
+          </a:prstGeom>
+          <a:noFill/>
+        </p:spPr>
+      </p:pic>
+      <p:sp>
+        <p:nvSpPr>
+          <p:cNvPr id="3" name="Content Placeholder 2">
+            <a:extLst>
+              <a:ext uri="{FF2B5EF4-FFF2-40B4-BE49-F238E27FC236}">
+                <a16:creationId xmlns:a16="http://schemas.microsoft.com/office/drawing/2014/main" id="{878FDF9D-595A-B341-83F3-D4612A84BB06}"/>
+              </a:ext>
+            </a:extLst>
+          </p:cNvPr>
+          <p:cNvSpPr>
+            <a:spLocks noGrp="1"/>
+          </p:cNvSpPr>
+          <p:nvPr>
+            <p:ph idx="1"/>
+          </p:nvPr>
+        </p:nvSpPr>
+        <p:spPr>
+          <a:xfrm>
+            <a:off x="4935794" y="2121408"/>
+            <a:ext cx="6607276" cy="4050792"/>
+          </a:xfrm>
+        </p:spPr>
+        <p:txBody>
+          <a:bodyPr>
+            <a:normAutofit/>
+          </a:bodyPr>
+          <a:lstStyle/>
+          <a:p>
+            <a:r>
+              <a:rPr lang="en-US"/>
+              <a:t>Development phases and iterations</a:t>
+            </a:r>
+          </a:p>
+          <a:p>
+            <a:r>
+              <a:rPr lang="en-US"/>
+              <a:t>Disciplines / Workflows</a:t>
+            </a:r>
+          </a:p>
+          <a:p>
+            <a:r>
+              <a:rPr lang="en-US"/>
+              <a:t>Effort of disciplines per phase</a:t>
+            </a:r>
+          </a:p>
+          <a:p>
+            <a:r>
+              <a:rPr lang="en-US"/>
+              <a:t>Role</a:t>
+            </a:r>
+          </a:p>
+          <a:p>
+            <a:r>
+              <a:rPr lang="en-US"/>
+              <a:t>Artifact</a:t>
+            </a:r>
+          </a:p>
+          <a:p>
+            <a:r>
+              <a:rPr lang="en-US"/>
+              <a:t>Activity</a:t>
+            </a:r>
+          </a:p>
+        </p:txBody>
+      </p:sp>
+      <p:sp>
+        <p:nvSpPr>
+          <p:cNvPr id="4" name="Footer Placeholder 3">
+            <a:extLst>
+              <a:ext uri="{FF2B5EF4-FFF2-40B4-BE49-F238E27FC236}">
+                <a16:creationId xmlns:a16="http://schemas.microsoft.com/office/drawing/2014/main" id="{FFD9746C-C395-224C-AE31-6F7D5CFE9E62}"/>
+              </a:ext>
+            </a:extLst>
+          </p:cNvPr>
+          <p:cNvSpPr>
+            <a:spLocks noGrp="1"/>
+          </p:cNvSpPr>
+          <p:nvPr>
+            <p:ph type="ftr" sz="quarter" idx="11"/>
+          </p:nvPr>
+        </p:nvSpPr>
+        <p:spPr>
+          <a:xfrm>
+            <a:off x="1088136" y="6272784"/>
+            <a:ext cx="6327648" cy="365125"/>
+          </a:xfrm>
+        </p:spPr>
+        <p:txBody>
+          <a:bodyPr>
+            <a:normAutofit/>
+          </a:bodyPr>
+          <a:lstStyle/>
+          <a:p>
+            <a:pPr>
+              <a:spcAft>
+                <a:spcPts val="600"/>
+              </a:spcAft>
+            </a:pPr>
+            <a:r>
+              <a:rPr lang="en-US"/>
+              <a:t>RUP - Melanie Bugelnig &amp; Marcel Judth 5AHIFS</a:t>
+            </a:r>
+          </a:p>
+        </p:txBody>
+      </p:sp>
+      <p:sp>
+        <p:nvSpPr>
+          <p:cNvPr id="5" name="Slide Number Placeholder 4">
+            <a:extLst>
+              <a:ext uri="{FF2B5EF4-FFF2-40B4-BE49-F238E27FC236}">
+                <a16:creationId xmlns:a16="http://schemas.microsoft.com/office/drawing/2014/main" id="{F2D6D30C-DCF8-E44A-AC97-D44B432FF98E}"/>
+              </a:ext>
+            </a:extLst>
+          </p:cNvPr>
+          <p:cNvSpPr>
+            <a:spLocks noGrp="1"/>
+          </p:cNvSpPr>
+          <p:nvPr>
+            <p:ph type="sldNum" sz="quarter" idx="12"/>
+          </p:nvPr>
+        </p:nvSpPr>
+        <p:spPr>
+          <a:xfrm>
+            <a:off x="11311128" y="6272784"/>
+            <a:ext cx="640080" cy="365125"/>
+          </a:xfrm>
+        </p:spPr>
+        <p:txBody>
+          <a:bodyPr>
+            <a:normAutofit/>
+          </a:bodyPr>
+          <a:lstStyle/>
+          <a:p>
+            <a:pPr>
+              <a:spcAft>
+                <a:spcPts val="600"/>
+              </a:spcAft>
+            </a:pPr>
+            <a:fld id="{4FAB73BC-B049-4115-A692-8D63A059BFB8}" type="slidenum">
+              <a:rPr lang="en-US" smtClean="0"/>
+              <a:pPr>
+                <a:spcAft>
+                  <a:spcPts val="600"/>
+                </a:spcAft>
+              </a:pPr>
+              <a:t>5</a:t>
+            </a:fld>
+            <a:endParaRPr lang="en-US"/>
+          </a:p>
+        </p:txBody>
+      </p:sp>
+    </p:spTree>
+    <p:extLst>
+      <p:ext uri="{BB962C8B-B14F-4D97-AF65-F5344CB8AC3E}">
+        <p14:creationId xmlns:p14="http://schemas.microsoft.com/office/powerpoint/2010/main" val="3164883338"/>
+      </p:ext>
+    </p:extLst>
+  </p:cSld>
+  <p:clrMapOvr>
+    <a:masterClrMapping/>
+  </p:clrMapOvr>
+</p:sld>
+</file>
+
+<file path=ppt/slides/slide6.xml><?xml version="1.0" encoding="utf-8"?>
+<p:sld xmlns:a="http://schemas.openxmlformats.org/drawingml/2006/main" xmlns:r="http://schemas.openxmlformats.org/officeDocument/2006/relationships" xmlns:p="http://schemas.openxmlformats.org/presentationml/2006/main">
+  <p:cSld>
+    <p:spTree>
+      <p:nvGrpSpPr>
+        <p:cNvPr id="1" name=""/>
+        <p:cNvGrpSpPr/>
+        <p:nvPr/>
+      </p:nvGrpSpPr>
+      <p:grpSpPr>
+        <a:xfrm>
+          <a:off x="0" y="0"/>
+          <a:ext cx="0" cy="0"/>
+          <a:chOff x="0" y="0"/>
+          <a:chExt cx="0" cy="0"/>
+        </a:xfrm>
+      </p:grpSpPr>
+      <p:sp>
+        <p:nvSpPr>
+          <p:cNvPr id="2" name="Title 1">
+            <a:extLst>
+              <a:ext uri="{FF2B5EF4-FFF2-40B4-BE49-F238E27FC236}">
+                <a16:creationId xmlns:a16="http://schemas.microsoft.com/office/drawing/2014/main" id="{F197529F-569A-AE43-AE43-E78028D224AA}"/>
+              </a:ext>
+            </a:extLst>
+          </p:cNvPr>
+          <p:cNvSpPr>
+            <a:spLocks noGrp="1"/>
+          </p:cNvSpPr>
+          <p:nvPr>
+            <p:ph type="title"/>
+          </p:nvPr>
+        </p:nvSpPr>
+        <p:spPr>
+          <a:xfrm>
+            <a:off x="4935793" y="484632"/>
+            <a:ext cx="6607277" cy="1609344"/>
+          </a:xfrm>
+        </p:spPr>
+        <p:txBody>
+          <a:bodyPr>
+            <a:normAutofit/>
+          </a:bodyPr>
+          <a:lstStyle/>
+          <a:p>
+            <a:r>
+              <a:rPr lang="de-AT"/>
+              <a:t>Entwicklungsphasen und Iterationen</a:t>
+            </a:r>
+            <a:endParaRPr lang="de-AT" dirty="0"/>
+          </a:p>
+        </p:txBody>
+      </p:sp>
+      <p:pic>
+        <p:nvPicPr>
+          <p:cNvPr id="6" name="Grafik 1" descr="mü_ref">
+            <a:extLst>
+              <a:ext uri="{FF2B5EF4-FFF2-40B4-BE49-F238E27FC236}">
+                <a16:creationId xmlns:a16="http://schemas.microsoft.com/office/drawing/2014/main" id="{25247DB8-16DE-D949-A364-F9E05FC46F94}"/>
+              </a:ext>
+            </a:extLst>
+          </p:cNvPr>
+          <p:cNvPicPr/>
+          <p:nvPr/>
+        </p:nvPicPr>
+        <p:blipFill>
+          <a:blip r:embed="rId2">
+            <a:extLst>
+              <a:ext uri="{28A0092B-C50C-407E-A947-70E740481C1C}">
+                <a14:useLocalDpi xmlns:a14="http://schemas.microsoft.com/office/drawing/2010/main" val="0"/>
+              </a:ext>
+            </a:extLst>
+          </a:blip>
+          <a:srcRect/>
+          <a:stretch>
+            <a:fillRect/>
+          </a:stretch>
+        </p:blipFill>
+        <p:spPr bwMode="auto">
+          <a:xfrm>
+            <a:off x="633999" y="696335"/>
+            <a:ext cx="4001315" cy="2657361"/>
+          </a:xfrm>
+          <a:prstGeom prst="rect">
+            <a:avLst/>
+          </a:prstGeom>
+          <a:noFill/>
+        </p:spPr>
+      </p:pic>
+      <p:pic>
+        <p:nvPicPr>
+          <p:cNvPr id="20" name="Grafik 3">
+            <a:extLst>
+              <a:ext uri="{FF2B5EF4-FFF2-40B4-BE49-F238E27FC236}">
+                <a16:creationId xmlns:a16="http://schemas.microsoft.com/office/drawing/2014/main" id="{D48E7090-9F5F-174B-80FD-73226606C4AD}"/>
+              </a:ext>
+            </a:extLst>
+          </p:cNvPr>
+          <p:cNvPicPr/>
+          <p:nvPr/>
+        </p:nvPicPr>
+        <p:blipFill>
+          <a:blip r:embed="rId3"/>
+          <a:stretch>
+            <a:fillRect/>
+          </a:stretch>
+        </p:blipFill>
+        <p:spPr>
+          <a:xfrm>
+            <a:off x="633999" y="3514563"/>
+            <a:ext cx="4001315" cy="2250738"/>
+          </a:xfrm>
+          <a:prstGeom prst="rect">
+            <a:avLst/>
+          </a:prstGeom>
+        </p:spPr>
+      </p:pic>
+      <p:sp>
+        <p:nvSpPr>
+          <p:cNvPr id="3" name="Content Placeholder 2">
+            <a:extLst>
+              <a:ext uri="{FF2B5EF4-FFF2-40B4-BE49-F238E27FC236}">
+                <a16:creationId xmlns:a16="http://schemas.microsoft.com/office/drawing/2014/main" id="{DC74B8BF-69ED-7E40-8DB1-F860A006A9A1}"/>
+              </a:ext>
+            </a:extLst>
+          </p:cNvPr>
+          <p:cNvSpPr>
+            <a:spLocks noGrp="1"/>
+          </p:cNvSpPr>
+          <p:nvPr>
+            <p:ph idx="1"/>
+          </p:nvPr>
+        </p:nvSpPr>
+        <p:spPr>
+          <a:xfrm>
+            <a:off x="4935794" y="2121408"/>
+            <a:ext cx="6607276" cy="4050792"/>
+          </a:xfrm>
+        </p:spPr>
+        <p:txBody>
+          <a:bodyPr>
+            <a:normAutofit/>
+          </a:bodyPr>
+          <a:lstStyle/>
+          <a:p>
+            <a:r>
+              <a:rPr lang="de-AT"/>
+              <a:t>Phasen</a:t>
+            </a:r>
+          </a:p>
+          <a:p>
+            <a:pPr lvl="1"/>
+            <a:r>
+              <a:rPr lang="de-AT"/>
+              <a:t>Inception</a:t>
+            </a:r>
+          </a:p>
+          <a:p>
+            <a:pPr lvl="1"/>
+            <a:r>
+              <a:rPr lang="de-AT"/>
+              <a:t>Elaboration</a:t>
+            </a:r>
+          </a:p>
+          <a:p>
+            <a:pPr lvl="1"/>
+            <a:r>
+              <a:rPr lang="de-AT"/>
+              <a:t>Construction</a:t>
+            </a:r>
+          </a:p>
+          <a:p>
+            <a:pPr lvl="1"/>
+            <a:r>
+              <a:rPr lang="de-AT"/>
+              <a:t>Transition</a:t>
+            </a:r>
+          </a:p>
+          <a:p>
+            <a:r>
+              <a:rPr lang="de-AT"/>
+              <a:t>Iterationen</a:t>
+            </a:r>
+            <a:endParaRPr lang="de-AT" dirty="0"/>
+          </a:p>
+        </p:txBody>
+      </p:sp>
+      <p:sp>
+        <p:nvSpPr>
+          <p:cNvPr id="4" name="Footer Placeholder 3">
+            <a:extLst>
+              <a:ext uri="{FF2B5EF4-FFF2-40B4-BE49-F238E27FC236}">
+                <a16:creationId xmlns:a16="http://schemas.microsoft.com/office/drawing/2014/main" id="{249B74DA-7D10-DC44-A707-FDEFB8D1C439}"/>
+              </a:ext>
+            </a:extLst>
+          </p:cNvPr>
+          <p:cNvSpPr>
+            <a:spLocks noGrp="1"/>
+          </p:cNvSpPr>
+          <p:nvPr>
+            <p:ph type="ftr" sz="quarter" idx="11"/>
+          </p:nvPr>
+        </p:nvSpPr>
+        <p:spPr>
+          <a:xfrm>
+            <a:off x="1088136" y="6272784"/>
+            <a:ext cx="6327648" cy="365125"/>
+          </a:xfrm>
+        </p:spPr>
+        <p:txBody>
+          <a:bodyPr>
+            <a:normAutofit/>
+          </a:bodyPr>
+          <a:lstStyle/>
+          <a:p>
+            <a:pPr>
+              <a:spcAft>
+                <a:spcPts val="600"/>
+              </a:spcAft>
+            </a:pPr>
+            <a:r>
+              <a:rPr lang="en-US"/>
+              <a:t>RUP - Melanie Bugelnig &amp; Marcel Judth 5AHIFS</a:t>
+            </a:r>
+          </a:p>
+        </p:txBody>
+      </p:sp>
+      <p:sp>
+        <p:nvSpPr>
+          <p:cNvPr id="5" name="Slide Number Placeholder 4">
+            <a:extLst>
+              <a:ext uri="{FF2B5EF4-FFF2-40B4-BE49-F238E27FC236}">
+                <a16:creationId xmlns:a16="http://schemas.microsoft.com/office/drawing/2014/main" id="{27E54D31-7541-024D-84AC-0CA125612E4E}"/>
+              </a:ext>
+            </a:extLst>
+          </p:cNvPr>
+          <p:cNvSpPr>
+            <a:spLocks noGrp="1"/>
+          </p:cNvSpPr>
+          <p:nvPr>
+            <p:ph type="sldNum" sz="quarter" idx="12"/>
+          </p:nvPr>
+        </p:nvSpPr>
+        <p:spPr>
+          <a:xfrm>
+            <a:off x="11311128" y="6272784"/>
+            <a:ext cx="640080" cy="365125"/>
+          </a:xfrm>
+        </p:spPr>
+        <p:txBody>
+          <a:bodyPr>
+            <a:normAutofit/>
+          </a:bodyPr>
+          <a:lstStyle/>
+          <a:p>
+            <a:pPr>
+              <a:spcAft>
+                <a:spcPts val="600"/>
+              </a:spcAft>
+            </a:pPr>
+            <a:fld id="{4FAB73BC-B049-4115-A692-8D63A059BFB8}" type="slidenum">
+              <a:rPr lang="en-US" smtClean="0"/>
+              <a:pPr>
+                <a:spcAft>
+                  <a:spcPts val="600"/>
+                </a:spcAft>
+              </a:pPr>
+              <a:t>6</a:t>
+            </a:fld>
+            <a:endParaRPr lang="en-US"/>
+          </a:p>
+        </p:txBody>
+      </p:sp>
+    </p:spTree>
+    <p:extLst>
+      <p:ext uri="{BB962C8B-B14F-4D97-AF65-F5344CB8AC3E}">
+        <p14:creationId xmlns:p14="http://schemas.microsoft.com/office/powerpoint/2010/main" val="1433671176"/>
+      </p:ext>
+    </p:extLst>
+  </p:cSld>
+  <p:clrMapOvr>
+    <a:masterClrMapping/>
+  </p:clrMapOvr>
+</p:sld>
+</file>
+
+<file path=ppt/slides/slide7.xml><?xml version="1.0" encoding="utf-8"?>
 <p:sld xmlns:a="http://schemas.openxmlformats.org/drawingml/2006/main" xmlns:r="http://schemas.openxmlformats.org/officeDocument/2006/relationships" xmlns:p="http://schemas.openxmlformats.org/presentationml/2006/main">
   <p:cSld>
     <p:bg>
@@ -5636,7 +8620,7 @@
           <a:p>
             <a:fld id="{4FAB73BC-B049-4115-A692-8D63A059BFB8}" type="slidenum">
               <a:rPr lang="en-US" smtClean="0"/>
-              <a:t>2</a:t>
+              <a:t>7</a:t>
             </a:fld>
             <a:endParaRPr lang="en-US" dirty="0"/>
           </a:p>
@@ -5829,7 +8813,7 @@
 </p:sld>
 </file>
 
-<file path=ppt/slides/slide3.xml><?xml version="1.0" encoding="utf-8"?>
+<file path=ppt/slides/slide8.xml><?xml version="1.0" encoding="utf-8"?>
 <p:sld xmlns:a="http://schemas.openxmlformats.org/drawingml/2006/main" xmlns:r="http://schemas.openxmlformats.org/officeDocument/2006/relationships" xmlns:p="http://schemas.openxmlformats.org/presentationml/2006/main">
   <p:cSld>
     <p:bg>
@@ -6075,7 +9059,7 @@
           <a:p>
             <a:fld id="{4FAB73BC-B049-4115-A692-8D63A059BFB8}" type="slidenum">
               <a:rPr lang="en-US" smtClean="0"/>
-              <a:t>3</a:t>
+              <a:t>8</a:t>
             </a:fld>
             <a:endParaRPr lang="en-US" dirty="0"/>
           </a:p>
@@ -6180,7 +9164,7 @@
 </p:sld>
 </file>
 
-<file path=ppt/slides/slide4.xml><?xml version="1.0" encoding="utf-8"?>
+<file path=ppt/slides/slide9.xml><?xml version="1.0" encoding="utf-8"?>
 <p:sld xmlns:a="http://schemas.openxmlformats.org/drawingml/2006/main" xmlns:r="http://schemas.openxmlformats.org/officeDocument/2006/relationships" xmlns:p="http://schemas.openxmlformats.org/presentationml/2006/main">
   <p:cSld>
     <p:bg>
@@ -6422,7 +9406,7 @@
           <a:p>
             <a:fld id="{4FAB73BC-B049-4115-A692-8D63A059BFB8}" type="slidenum">
               <a:rPr lang="en-US" smtClean="0"/>
-              <a:t>4</a:t>
+              <a:t>9</a:t>
             </a:fld>
             <a:endParaRPr lang="en-US" dirty="0"/>
           </a:p>
@@ -6522,1748 +9506,6 @@
     </p:tnLst>
     <p:bldLst>
       <p:bldP spid="6" grpId="0" animBg="1"/>
-    </p:bldLst>
-  </p:timing>
-</p:sld>
-</file>
-
-<file path=ppt/slides/slide5.xml><?xml version="1.0" encoding="utf-8"?>
-<p:sld xmlns:a="http://schemas.openxmlformats.org/drawingml/2006/main" xmlns:r="http://schemas.openxmlformats.org/officeDocument/2006/relationships" xmlns:p="http://schemas.openxmlformats.org/presentationml/2006/main">
-  <p:cSld>
-    <p:bg>
-      <p:bgPr>
-        <a:solidFill>
-          <a:schemeClr val="bg1"/>
-        </a:solidFill>
-        <a:effectLst/>
-      </p:bgPr>
-    </p:bg>
-    <p:spTree>
-      <p:nvGrpSpPr>
-        <p:cNvPr id="1" name=""/>
-        <p:cNvGrpSpPr/>
-        <p:nvPr/>
-      </p:nvGrpSpPr>
-      <p:grpSpPr>
-        <a:xfrm>
-          <a:off x="0" y="0"/>
-          <a:ext cx="0" cy="0"/>
-          <a:chOff x="0" y="0"/>
-          <a:chExt cx="0" cy="0"/>
-        </a:xfrm>
-      </p:grpSpPr>
-      <p:sp>
-        <p:nvSpPr>
-          <p:cNvPr id="2" name="Titel 1">
-            <a:extLst>
-              <a:ext uri="{FF2B5EF4-FFF2-40B4-BE49-F238E27FC236}">
-                <a16:creationId xmlns:a16="http://schemas.microsoft.com/office/drawing/2014/main" id="{724BBBF2-EA10-4161-A481-43981AD903EF}"/>
-              </a:ext>
-            </a:extLst>
-          </p:cNvPr>
-          <p:cNvSpPr>
-            <a:spLocks noGrp="1"/>
-          </p:cNvSpPr>
-          <p:nvPr>
-            <p:ph type="title"/>
-          </p:nvPr>
-        </p:nvSpPr>
-        <p:spPr>
-          <a:xfrm>
-            <a:off x="1069848" y="484632"/>
-            <a:ext cx="10058400" cy="1609344"/>
-          </a:xfrm>
-        </p:spPr>
-        <p:txBody>
-          <a:bodyPr>
-            <a:normAutofit/>
-          </a:bodyPr>
-          <a:lstStyle/>
-          <a:p>
-            <a:r>
-              <a:rPr lang="de-AT" dirty="0"/>
-              <a:t>Analysis &amp; Design</a:t>
-            </a:r>
-          </a:p>
-        </p:txBody>
-      </p:sp>
-      <p:sp>
-        <p:nvSpPr>
-          <p:cNvPr id="3" name="Inhaltsplatzhalter 2">
-            <a:extLst>
-              <a:ext uri="{FF2B5EF4-FFF2-40B4-BE49-F238E27FC236}">
-                <a16:creationId xmlns:a16="http://schemas.microsoft.com/office/drawing/2014/main" id="{98DFFAD2-8B6C-42BD-AFE9-172F2B090C8C}"/>
-              </a:ext>
-            </a:extLst>
-          </p:cNvPr>
-          <p:cNvSpPr>
-            <a:spLocks noGrp="1"/>
-          </p:cNvSpPr>
-          <p:nvPr>
-            <p:ph idx="1"/>
-          </p:nvPr>
-        </p:nvSpPr>
-        <p:spPr>
-          <a:xfrm>
-            <a:off x="1069848" y="2121408"/>
-            <a:ext cx="4773168" cy="4050792"/>
-          </a:xfrm>
-        </p:spPr>
-        <p:txBody>
-          <a:bodyPr>
-            <a:normAutofit/>
-          </a:bodyPr>
-          <a:lstStyle/>
-          <a:p>
-            <a:r>
-              <a:rPr lang="de-AT" dirty="0"/>
-              <a:t>Ableiten des eigentlichen Systems</a:t>
-            </a:r>
-          </a:p>
-          <a:p>
-            <a:endParaRPr lang="de-AT" dirty="0"/>
-          </a:p>
-        </p:txBody>
-      </p:sp>
-      <p:pic>
-        <p:nvPicPr>
-          <p:cNvPr id="5" name="Grafik 4" descr="mü_ref">
-            <a:extLst>
-              <a:ext uri="{FF2B5EF4-FFF2-40B4-BE49-F238E27FC236}">
-                <a16:creationId xmlns:a16="http://schemas.microsoft.com/office/drawing/2014/main" id="{B9795C00-CA08-46FE-A7D1-090C68F43E12}"/>
-              </a:ext>
-            </a:extLst>
-          </p:cNvPr>
-          <p:cNvPicPr/>
-          <p:nvPr/>
-        </p:nvPicPr>
-        <p:blipFill>
-          <a:blip r:embed="rId2">
-            <a:extLst>
-              <a:ext uri="{28A0092B-C50C-407E-A947-70E740481C1C}">
-                <a14:useLocalDpi xmlns:a14="http://schemas.microsoft.com/office/drawing/2010/main" val="0"/>
-              </a:ext>
-            </a:extLst>
-          </a:blip>
-          <a:srcRect/>
-          <a:stretch>
-            <a:fillRect/>
-          </a:stretch>
-        </p:blipFill>
-        <p:spPr bwMode="auto">
-          <a:xfrm>
-            <a:off x="6355080" y="2598397"/>
-            <a:ext cx="4773168" cy="3169966"/>
-          </a:xfrm>
-          <a:prstGeom prst="rect">
-            <a:avLst/>
-          </a:prstGeom>
-          <a:noFill/>
-        </p:spPr>
-      </p:pic>
-      <p:sp>
-        <p:nvSpPr>
-          <p:cNvPr id="6" name="Pfeil: nach rechts 5">
-            <a:extLst>
-              <a:ext uri="{FF2B5EF4-FFF2-40B4-BE49-F238E27FC236}">
-                <a16:creationId xmlns:a16="http://schemas.microsoft.com/office/drawing/2014/main" id="{8EE5F419-77AA-4ED9-AFBE-D922A84A71F6}"/>
-              </a:ext>
-            </a:extLst>
-          </p:cNvPr>
-          <p:cNvSpPr/>
-          <p:nvPr/>
-        </p:nvSpPr>
-        <p:spPr>
-          <a:xfrm>
-            <a:off x="5914272" y="3616034"/>
-            <a:ext cx="505970" cy="270164"/>
-          </a:xfrm>
-          <a:prstGeom prst="rightArrow">
-            <a:avLst/>
-          </a:prstGeom>
-        </p:spPr>
-        <p:style>
-          <a:lnRef idx="2">
-            <a:schemeClr val="accent1">
-              <a:shade val="50000"/>
-            </a:schemeClr>
-          </a:lnRef>
-          <a:fillRef idx="1">
-            <a:schemeClr val="accent1"/>
-          </a:fillRef>
-          <a:effectRef idx="0">
-            <a:schemeClr val="accent1"/>
-          </a:effectRef>
-          <a:fontRef idx="minor">
-            <a:schemeClr val="lt1"/>
-          </a:fontRef>
-        </p:style>
-        <p:txBody>
-          <a:bodyPr rtlCol="0" anchor="ctr"/>
-          <a:lstStyle/>
-          <a:p>
-            <a:pPr algn="ctr"/>
-            <a:endParaRPr lang="de-AT"/>
-          </a:p>
-        </p:txBody>
-      </p:sp>
-      <p:sp>
-        <p:nvSpPr>
-          <p:cNvPr id="7" name="Fußzeilenplatzhalter 6">
-            <a:extLst>
-              <a:ext uri="{FF2B5EF4-FFF2-40B4-BE49-F238E27FC236}">
-                <a16:creationId xmlns:a16="http://schemas.microsoft.com/office/drawing/2014/main" id="{6EEDBA69-793F-418E-8AA8-E5960F499B61}"/>
-              </a:ext>
-            </a:extLst>
-          </p:cNvPr>
-          <p:cNvSpPr>
-            <a:spLocks noGrp="1"/>
-          </p:cNvSpPr>
-          <p:nvPr>
-            <p:ph type="ftr" sz="quarter" idx="11"/>
-          </p:nvPr>
-        </p:nvSpPr>
-        <p:spPr/>
-        <p:txBody>
-          <a:bodyPr/>
-          <a:lstStyle/>
-          <a:p>
-            <a:r>
-              <a:rPr lang="en-US"/>
-              <a:t>RUP - Melanie Bugelnig &amp; Marcel Judth 5AHIFS</a:t>
-            </a:r>
-            <a:endParaRPr lang="en-US" dirty="0"/>
-          </a:p>
-        </p:txBody>
-      </p:sp>
-      <p:sp>
-        <p:nvSpPr>
-          <p:cNvPr id="8" name="Foliennummernplatzhalter 7">
-            <a:extLst>
-              <a:ext uri="{FF2B5EF4-FFF2-40B4-BE49-F238E27FC236}">
-                <a16:creationId xmlns:a16="http://schemas.microsoft.com/office/drawing/2014/main" id="{535EA5DB-63D1-4149-A033-8BDE7EC96499}"/>
-              </a:ext>
-            </a:extLst>
-          </p:cNvPr>
-          <p:cNvSpPr>
-            <a:spLocks noGrp="1"/>
-          </p:cNvSpPr>
-          <p:nvPr>
-            <p:ph type="sldNum" sz="quarter" idx="12"/>
-          </p:nvPr>
-        </p:nvSpPr>
-        <p:spPr/>
-        <p:txBody>
-          <a:bodyPr/>
-          <a:lstStyle/>
-          <a:p>
-            <a:fld id="{4FAB73BC-B049-4115-A692-8D63A059BFB8}" type="slidenum">
-              <a:rPr lang="en-US" smtClean="0"/>
-              <a:t>5</a:t>
-            </a:fld>
-            <a:endParaRPr lang="en-US" dirty="0"/>
-          </a:p>
-        </p:txBody>
-      </p:sp>
-    </p:spTree>
-    <p:extLst>
-      <p:ext uri="{BB962C8B-B14F-4D97-AF65-F5344CB8AC3E}">
-        <p14:creationId xmlns:p14="http://schemas.microsoft.com/office/powerpoint/2010/main" val="3704258982"/>
-      </p:ext>
-    </p:extLst>
-  </p:cSld>
-  <p:clrMapOvr>
-    <a:masterClrMapping/>
-  </p:clrMapOvr>
-  <p:timing>
-    <p:tnLst>
-      <p:par>
-        <p:cTn id="1" dur="indefinite" restart="never" nodeType="tmRoot">
-          <p:childTnLst>
-            <p:seq concurrent="1" nextAc="seek">
-              <p:cTn id="2" dur="indefinite" nodeType="mainSeq">
-                <p:childTnLst>
-                  <p:par>
-                    <p:cTn id="3" fill="hold">
-                      <p:stCondLst>
-                        <p:cond delay="indefinite"/>
-                      </p:stCondLst>
-                      <p:childTnLst>
-                        <p:par>
-                          <p:cTn id="4" fill="hold">
-                            <p:stCondLst>
-                              <p:cond delay="0"/>
-                            </p:stCondLst>
-                            <p:childTnLst>
-                              <p:par>
-                                <p:cTn id="5" presetID="22" presetClass="entr" presetSubtype="4" fill="hold" grpId="0" nodeType="clickEffect">
-                                  <p:stCondLst>
-                                    <p:cond delay="0"/>
-                                  </p:stCondLst>
-                                  <p:childTnLst>
-                                    <p:set>
-                                      <p:cBhvr>
-                                        <p:cTn id="6" dur="1" fill="hold">
-                                          <p:stCondLst>
-                                            <p:cond delay="0"/>
-                                          </p:stCondLst>
-                                        </p:cTn>
-                                        <p:tgtEl>
-                                          <p:spTgt spid="6"/>
-                                        </p:tgtEl>
-                                        <p:attrNameLst>
-                                          <p:attrName>style.visibility</p:attrName>
-                                        </p:attrNameLst>
-                                      </p:cBhvr>
-                                      <p:to>
-                                        <p:strVal val="visible"/>
-                                      </p:to>
-                                    </p:set>
-                                    <p:animEffect transition="in" filter="wipe(down)">
-                                      <p:cBhvr>
-                                        <p:cTn id="7" dur="500"/>
-                                        <p:tgtEl>
-                                          <p:spTgt spid="6"/>
-                                        </p:tgtEl>
-                                      </p:cBhvr>
-                                    </p:animEffect>
-                                  </p:childTnLst>
-                                </p:cTn>
-                              </p:par>
-                            </p:childTnLst>
-                          </p:cTn>
-                        </p:par>
-                      </p:childTnLst>
-                    </p:cTn>
-                  </p:par>
-                </p:childTnLst>
-              </p:cTn>
-              <p:prevCondLst>
-                <p:cond evt="onPrev" delay="0">
-                  <p:tgtEl>
-                    <p:sldTgt/>
-                  </p:tgtEl>
-                </p:cond>
-              </p:prevCondLst>
-              <p:nextCondLst>
-                <p:cond evt="onNext" delay="0">
-                  <p:tgtEl>
-                    <p:sldTgt/>
-                  </p:tgtEl>
-                </p:cond>
-              </p:nextCondLst>
-            </p:seq>
-          </p:childTnLst>
-        </p:cTn>
-      </p:par>
-    </p:tnLst>
-    <p:bldLst>
-      <p:bldP spid="6" grpId="0" animBg="1"/>
-    </p:bldLst>
-  </p:timing>
-</p:sld>
-</file>
-
-<file path=ppt/slides/slide6.xml><?xml version="1.0" encoding="utf-8"?>
-<p:sld xmlns:a="http://schemas.openxmlformats.org/drawingml/2006/main" xmlns:r="http://schemas.openxmlformats.org/officeDocument/2006/relationships" xmlns:p="http://schemas.openxmlformats.org/presentationml/2006/main">
-  <p:cSld>
-    <p:bg>
-      <p:bgPr>
-        <a:solidFill>
-          <a:schemeClr val="bg1"/>
-        </a:solidFill>
-        <a:effectLst/>
-      </p:bgPr>
-    </p:bg>
-    <p:spTree>
-      <p:nvGrpSpPr>
-        <p:cNvPr id="1" name=""/>
-        <p:cNvGrpSpPr/>
-        <p:nvPr/>
-      </p:nvGrpSpPr>
-      <p:grpSpPr>
-        <a:xfrm>
-          <a:off x="0" y="0"/>
-          <a:ext cx="0" cy="0"/>
-          <a:chOff x="0" y="0"/>
-          <a:chExt cx="0" cy="0"/>
-        </a:xfrm>
-      </p:grpSpPr>
-      <p:sp>
-        <p:nvSpPr>
-          <p:cNvPr id="2" name="Titel 1">
-            <a:extLst>
-              <a:ext uri="{FF2B5EF4-FFF2-40B4-BE49-F238E27FC236}">
-                <a16:creationId xmlns:a16="http://schemas.microsoft.com/office/drawing/2014/main" id="{6A6679AE-0728-4762-ADBA-A1AF54A9B522}"/>
-              </a:ext>
-            </a:extLst>
-          </p:cNvPr>
-          <p:cNvSpPr>
-            <a:spLocks noGrp="1"/>
-          </p:cNvSpPr>
-          <p:nvPr>
-            <p:ph type="title"/>
-          </p:nvPr>
-        </p:nvSpPr>
-        <p:spPr>
-          <a:xfrm>
-            <a:off x="1069848" y="484632"/>
-            <a:ext cx="10058400" cy="1609344"/>
-          </a:xfrm>
-        </p:spPr>
-        <p:txBody>
-          <a:bodyPr>
-            <a:normAutofit/>
-          </a:bodyPr>
-          <a:lstStyle/>
-          <a:p>
-            <a:r>
-              <a:rPr lang="de-AT" b="1" dirty="0"/>
-              <a:t>Implementation</a:t>
-            </a:r>
-            <a:endParaRPr lang="de-AT" dirty="0"/>
-          </a:p>
-        </p:txBody>
-      </p:sp>
-      <p:sp>
-        <p:nvSpPr>
-          <p:cNvPr id="3" name="Inhaltsplatzhalter 2">
-            <a:extLst>
-              <a:ext uri="{FF2B5EF4-FFF2-40B4-BE49-F238E27FC236}">
-                <a16:creationId xmlns:a16="http://schemas.microsoft.com/office/drawing/2014/main" id="{58E2D09F-5270-4891-B643-F1A75C51B197}"/>
-              </a:ext>
-            </a:extLst>
-          </p:cNvPr>
-          <p:cNvSpPr>
-            <a:spLocks noGrp="1"/>
-          </p:cNvSpPr>
-          <p:nvPr>
-            <p:ph idx="1"/>
-          </p:nvPr>
-        </p:nvSpPr>
-        <p:spPr>
-          <a:xfrm>
-            <a:off x="1069848" y="2121408"/>
-            <a:ext cx="4773168" cy="4050792"/>
-          </a:xfrm>
-        </p:spPr>
-        <p:txBody>
-          <a:bodyPr>
-            <a:normAutofit/>
-          </a:bodyPr>
-          <a:lstStyle/>
-          <a:p>
-            <a:r>
-              <a:rPr lang="de-AT" dirty="0"/>
-              <a:t>Planung durch</a:t>
-            </a:r>
-          </a:p>
-          <a:p>
-            <a:pPr lvl="1"/>
-            <a:r>
-              <a:rPr lang="de-AT" dirty="0" err="1"/>
-              <a:t>Component</a:t>
-            </a:r>
-            <a:r>
-              <a:rPr lang="de-AT" dirty="0"/>
-              <a:t> </a:t>
-            </a:r>
-            <a:r>
-              <a:rPr lang="de-AT" dirty="0" err="1"/>
-              <a:t>Diagram</a:t>
-            </a:r>
-            <a:endParaRPr lang="de-AT" dirty="0"/>
-          </a:p>
-          <a:p>
-            <a:pPr lvl="1"/>
-            <a:r>
-              <a:rPr lang="de-AT" dirty="0"/>
-              <a:t>Integration </a:t>
-            </a:r>
-            <a:r>
-              <a:rPr lang="de-AT" dirty="0" err="1"/>
-              <a:t>Build</a:t>
-            </a:r>
-            <a:r>
-              <a:rPr lang="de-AT" dirty="0"/>
-              <a:t> Plan</a:t>
-            </a:r>
-          </a:p>
-          <a:p>
-            <a:pPr lvl="1"/>
-            <a:r>
-              <a:rPr lang="de-AT" dirty="0"/>
-              <a:t>Implementation Model</a:t>
-            </a:r>
-          </a:p>
-        </p:txBody>
-      </p:sp>
-      <p:pic>
-        <p:nvPicPr>
-          <p:cNvPr id="5" name="Grafik 4" descr="mü_ref">
-            <a:extLst>
-              <a:ext uri="{FF2B5EF4-FFF2-40B4-BE49-F238E27FC236}">
-                <a16:creationId xmlns:a16="http://schemas.microsoft.com/office/drawing/2014/main" id="{232DE9C8-6979-4AFA-9684-B8767B1286B9}"/>
-              </a:ext>
-            </a:extLst>
-          </p:cNvPr>
-          <p:cNvPicPr/>
-          <p:nvPr/>
-        </p:nvPicPr>
-        <p:blipFill>
-          <a:blip r:embed="rId2">
-            <a:extLst>
-              <a:ext uri="{28A0092B-C50C-407E-A947-70E740481C1C}">
-                <a14:useLocalDpi xmlns:a14="http://schemas.microsoft.com/office/drawing/2010/main" val="0"/>
-              </a:ext>
-            </a:extLst>
-          </a:blip>
-          <a:srcRect/>
-          <a:stretch>
-            <a:fillRect/>
-          </a:stretch>
-        </p:blipFill>
-        <p:spPr bwMode="auto">
-          <a:xfrm>
-            <a:off x="6355080" y="2598397"/>
-            <a:ext cx="4773168" cy="3169966"/>
-          </a:xfrm>
-          <a:prstGeom prst="rect">
-            <a:avLst/>
-          </a:prstGeom>
-          <a:noFill/>
-        </p:spPr>
-      </p:pic>
-      <p:sp>
-        <p:nvSpPr>
-          <p:cNvPr id="6" name="Pfeil: nach rechts 5">
-            <a:extLst>
-              <a:ext uri="{FF2B5EF4-FFF2-40B4-BE49-F238E27FC236}">
-                <a16:creationId xmlns:a16="http://schemas.microsoft.com/office/drawing/2014/main" id="{681D8D88-B38F-4D03-8E6A-6A0DD159BB46}"/>
-              </a:ext>
-            </a:extLst>
-          </p:cNvPr>
-          <p:cNvSpPr/>
-          <p:nvPr/>
-        </p:nvSpPr>
-        <p:spPr>
-          <a:xfrm>
-            <a:off x="5914272" y="3889171"/>
-            <a:ext cx="505970" cy="270164"/>
-          </a:xfrm>
-          <a:prstGeom prst="rightArrow">
-            <a:avLst/>
-          </a:prstGeom>
-        </p:spPr>
-        <p:style>
-          <a:lnRef idx="2">
-            <a:schemeClr val="accent1">
-              <a:shade val="50000"/>
-            </a:schemeClr>
-          </a:lnRef>
-          <a:fillRef idx="1">
-            <a:schemeClr val="accent1"/>
-          </a:fillRef>
-          <a:effectRef idx="0">
-            <a:schemeClr val="accent1"/>
-          </a:effectRef>
-          <a:fontRef idx="minor">
-            <a:schemeClr val="lt1"/>
-          </a:fontRef>
-        </p:style>
-        <p:txBody>
-          <a:bodyPr rtlCol="0" anchor="ctr"/>
-          <a:lstStyle/>
-          <a:p>
-            <a:pPr algn="ctr"/>
-            <a:endParaRPr lang="de-AT"/>
-          </a:p>
-        </p:txBody>
-      </p:sp>
-      <p:sp>
-        <p:nvSpPr>
-          <p:cNvPr id="7" name="Fußzeilenplatzhalter 6">
-            <a:extLst>
-              <a:ext uri="{FF2B5EF4-FFF2-40B4-BE49-F238E27FC236}">
-                <a16:creationId xmlns:a16="http://schemas.microsoft.com/office/drawing/2014/main" id="{8130B0F5-E254-4978-B83A-4117FB996DBE}"/>
-              </a:ext>
-            </a:extLst>
-          </p:cNvPr>
-          <p:cNvSpPr>
-            <a:spLocks noGrp="1"/>
-          </p:cNvSpPr>
-          <p:nvPr>
-            <p:ph type="ftr" sz="quarter" idx="11"/>
-          </p:nvPr>
-        </p:nvSpPr>
-        <p:spPr/>
-        <p:txBody>
-          <a:bodyPr/>
-          <a:lstStyle/>
-          <a:p>
-            <a:r>
-              <a:rPr lang="en-US"/>
-              <a:t>RUP - Melanie Bugelnig &amp; Marcel Judth 5AHIFS</a:t>
-            </a:r>
-            <a:endParaRPr lang="en-US" dirty="0"/>
-          </a:p>
-        </p:txBody>
-      </p:sp>
-      <p:sp>
-        <p:nvSpPr>
-          <p:cNvPr id="8" name="Foliennummernplatzhalter 7">
-            <a:extLst>
-              <a:ext uri="{FF2B5EF4-FFF2-40B4-BE49-F238E27FC236}">
-                <a16:creationId xmlns:a16="http://schemas.microsoft.com/office/drawing/2014/main" id="{3309A52E-0999-4FA5-B50A-36982794C94D}"/>
-              </a:ext>
-            </a:extLst>
-          </p:cNvPr>
-          <p:cNvSpPr>
-            <a:spLocks noGrp="1"/>
-          </p:cNvSpPr>
-          <p:nvPr>
-            <p:ph type="sldNum" sz="quarter" idx="12"/>
-          </p:nvPr>
-        </p:nvSpPr>
-        <p:spPr/>
-        <p:txBody>
-          <a:bodyPr/>
-          <a:lstStyle/>
-          <a:p>
-            <a:fld id="{4FAB73BC-B049-4115-A692-8D63A059BFB8}" type="slidenum">
-              <a:rPr lang="en-US" smtClean="0"/>
-              <a:t>6</a:t>
-            </a:fld>
-            <a:endParaRPr lang="en-US" dirty="0"/>
-          </a:p>
-        </p:txBody>
-      </p:sp>
-    </p:spTree>
-    <p:extLst>
-      <p:ext uri="{BB962C8B-B14F-4D97-AF65-F5344CB8AC3E}">
-        <p14:creationId xmlns:p14="http://schemas.microsoft.com/office/powerpoint/2010/main" val="3241473813"/>
-      </p:ext>
-    </p:extLst>
-  </p:cSld>
-  <p:clrMapOvr>
-    <a:masterClrMapping/>
-  </p:clrMapOvr>
-  <p:timing>
-    <p:tnLst>
-      <p:par>
-        <p:cTn id="1" dur="indefinite" restart="never" nodeType="tmRoot">
-          <p:childTnLst>
-            <p:seq concurrent="1" nextAc="seek">
-              <p:cTn id="2" dur="indefinite" nodeType="mainSeq">
-                <p:childTnLst>
-                  <p:par>
-                    <p:cTn id="3" fill="hold">
-                      <p:stCondLst>
-                        <p:cond delay="indefinite"/>
-                      </p:stCondLst>
-                      <p:childTnLst>
-                        <p:par>
-                          <p:cTn id="4" fill="hold">
-                            <p:stCondLst>
-                              <p:cond delay="0"/>
-                            </p:stCondLst>
-                            <p:childTnLst>
-                              <p:par>
-                                <p:cTn id="5" presetID="22" presetClass="entr" presetSubtype="4" fill="hold" grpId="0" nodeType="clickEffect">
-                                  <p:stCondLst>
-                                    <p:cond delay="0"/>
-                                  </p:stCondLst>
-                                  <p:childTnLst>
-                                    <p:set>
-                                      <p:cBhvr>
-                                        <p:cTn id="6" dur="1" fill="hold">
-                                          <p:stCondLst>
-                                            <p:cond delay="0"/>
-                                          </p:stCondLst>
-                                        </p:cTn>
-                                        <p:tgtEl>
-                                          <p:spTgt spid="6"/>
-                                        </p:tgtEl>
-                                        <p:attrNameLst>
-                                          <p:attrName>style.visibility</p:attrName>
-                                        </p:attrNameLst>
-                                      </p:cBhvr>
-                                      <p:to>
-                                        <p:strVal val="visible"/>
-                                      </p:to>
-                                    </p:set>
-                                    <p:animEffect transition="in" filter="wipe(down)">
-                                      <p:cBhvr>
-                                        <p:cTn id="7" dur="500"/>
-                                        <p:tgtEl>
-                                          <p:spTgt spid="6"/>
-                                        </p:tgtEl>
-                                      </p:cBhvr>
-                                    </p:animEffect>
-                                  </p:childTnLst>
-                                </p:cTn>
-                              </p:par>
-                            </p:childTnLst>
-                          </p:cTn>
-                        </p:par>
-                      </p:childTnLst>
-                    </p:cTn>
-                  </p:par>
-                </p:childTnLst>
-              </p:cTn>
-              <p:prevCondLst>
-                <p:cond evt="onPrev" delay="0">
-                  <p:tgtEl>
-                    <p:sldTgt/>
-                  </p:tgtEl>
-                </p:cond>
-              </p:prevCondLst>
-              <p:nextCondLst>
-                <p:cond evt="onNext" delay="0">
-                  <p:tgtEl>
-                    <p:sldTgt/>
-                  </p:tgtEl>
-                </p:cond>
-              </p:nextCondLst>
-            </p:seq>
-          </p:childTnLst>
-        </p:cTn>
-      </p:par>
-    </p:tnLst>
-    <p:bldLst>
-      <p:bldP spid="6" grpId="0" animBg="1"/>
-    </p:bldLst>
-  </p:timing>
-</p:sld>
-</file>
-
-<file path=ppt/slides/slide7.xml><?xml version="1.0" encoding="utf-8"?>
-<p:sld xmlns:a="http://schemas.openxmlformats.org/drawingml/2006/main" xmlns:r="http://schemas.openxmlformats.org/officeDocument/2006/relationships" xmlns:p="http://schemas.openxmlformats.org/presentationml/2006/main">
-  <p:cSld>
-    <p:spTree>
-      <p:nvGrpSpPr>
-        <p:cNvPr id="1" name=""/>
-        <p:cNvGrpSpPr/>
-        <p:nvPr/>
-      </p:nvGrpSpPr>
-      <p:grpSpPr>
-        <a:xfrm>
-          <a:off x="0" y="0"/>
-          <a:ext cx="0" cy="0"/>
-          <a:chOff x="0" y="0"/>
-          <a:chExt cx="0" cy="0"/>
-        </a:xfrm>
-      </p:grpSpPr>
-      <p:sp>
-        <p:nvSpPr>
-          <p:cNvPr id="2" name="Titel 1">
-            <a:extLst>
-              <a:ext uri="{FF2B5EF4-FFF2-40B4-BE49-F238E27FC236}">
-                <a16:creationId xmlns:a16="http://schemas.microsoft.com/office/drawing/2014/main" id="{80B373E1-EF30-4B66-B01F-D3C12744AC28}"/>
-              </a:ext>
-            </a:extLst>
-          </p:cNvPr>
-          <p:cNvSpPr>
-            <a:spLocks noGrp="1"/>
-          </p:cNvSpPr>
-          <p:nvPr>
-            <p:ph type="title"/>
-          </p:nvPr>
-        </p:nvSpPr>
-        <p:spPr>
-          <a:xfrm>
-            <a:off x="1069848" y="484632"/>
-            <a:ext cx="10058400" cy="1609344"/>
-          </a:xfrm>
-        </p:spPr>
-        <p:txBody>
-          <a:bodyPr>
-            <a:normAutofit/>
-          </a:bodyPr>
-          <a:lstStyle/>
-          <a:p>
-            <a:r>
-              <a:rPr lang="de-AT" dirty="0"/>
-              <a:t>Test</a:t>
-            </a:r>
-          </a:p>
-        </p:txBody>
-      </p:sp>
-      <p:sp>
-        <p:nvSpPr>
-          <p:cNvPr id="3" name="Inhaltsplatzhalter 2">
-            <a:extLst>
-              <a:ext uri="{FF2B5EF4-FFF2-40B4-BE49-F238E27FC236}">
-                <a16:creationId xmlns:a16="http://schemas.microsoft.com/office/drawing/2014/main" id="{D6B1D313-3236-4967-99BC-CDC936A241E9}"/>
-              </a:ext>
-            </a:extLst>
-          </p:cNvPr>
-          <p:cNvSpPr>
-            <a:spLocks noGrp="1"/>
-          </p:cNvSpPr>
-          <p:nvPr>
-            <p:ph idx="1"/>
-          </p:nvPr>
-        </p:nvSpPr>
-        <p:spPr>
-          <a:xfrm>
-            <a:off x="1069848" y="2121408"/>
-            <a:ext cx="4773168" cy="4050792"/>
-          </a:xfrm>
-        </p:spPr>
-        <p:txBody>
-          <a:bodyPr>
-            <a:normAutofit/>
-          </a:bodyPr>
-          <a:lstStyle/>
-          <a:p>
-            <a:r>
-              <a:rPr lang="de-AT" dirty="0"/>
-              <a:t>Unit-Tests (einzelne Komponente)</a:t>
-            </a:r>
-          </a:p>
-          <a:p>
-            <a:r>
-              <a:rPr lang="de-AT" dirty="0"/>
-              <a:t>Systemtests (neuen Teile)</a:t>
-            </a:r>
-          </a:p>
-          <a:p>
-            <a:r>
-              <a:rPr lang="de-AT" dirty="0"/>
-              <a:t>Integrationstest (gesamte System)</a:t>
-            </a:r>
-          </a:p>
-          <a:p>
-            <a:r>
-              <a:rPr lang="de-AT" dirty="0"/>
-              <a:t>User-Acceptance-Test (Endnutzer)</a:t>
-            </a:r>
-          </a:p>
-          <a:p>
-            <a:endParaRPr lang="de-AT" dirty="0"/>
-          </a:p>
-        </p:txBody>
-      </p:sp>
-      <p:pic>
-        <p:nvPicPr>
-          <p:cNvPr id="5" name="Grafik 4" descr="mü_ref">
-            <a:extLst>
-              <a:ext uri="{FF2B5EF4-FFF2-40B4-BE49-F238E27FC236}">
-                <a16:creationId xmlns:a16="http://schemas.microsoft.com/office/drawing/2014/main" id="{E2DEAA11-7D8F-4B5E-B9FB-43245085FB25}"/>
-              </a:ext>
-            </a:extLst>
-          </p:cNvPr>
-          <p:cNvPicPr/>
-          <p:nvPr/>
-        </p:nvPicPr>
-        <p:blipFill>
-          <a:blip r:embed="rId2">
-            <a:extLst>
-              <a:ext uri="{28A0092B-C50C-407E-A947-70E740481C1C}">
-                <a14:useLocalDpi xmlns:a14="http://schemas.microsoft.com/office/drawing/2010/main" val="0"/>
-              </a:ext>
-            </a:extLst>
-          </a:blip>
-          <a:srcRect/>
-          <a:stretch>
-            <a:fillRect/>
-          </a:stretch>
-        </p:blipFill>
-        <p:spPr bwMode="auto">
-          <a:xfrm>
-            <a:off x="6355080" y="2598397"/>
-            <a:ext cx="4773168" cy="3169966"/>
-          </a:xfrm>
-          <a:prstGeom prst="rect">
-            <a:avLst/>
-          </a:prstGeom>
-          <a:noFill/>
-        </p:spPr>
-      </p:pic>
-      <p:sp>
-        <p:nvSpPr>
-          <p:cNvPr id="6" name="Pfeil: nach rechts 5">
-            <a:extLst>
-              <a:ext uri="{FF2B5EF4-FFF2-40B4-BE49-F238E27FC236}">
-                <a16:creationId xmlns:a16="http://schemas.microsoft.com/office/drawing/2014/main" id="{9FDF3824-624C-4402-B9CA-1ABDBEEE88BE}"/>
-              </a:ext>
-            </a:extLst>
-          </p:cNvPr>
-          <p:cNvSpPr/>
-          <p:nvPr/>
-        </p:nvSpPr>
-        <p:spPr>
-          <a:xfrm>
-            <a:off x="5914272" y="4049485"/>
-            <a:ext cx="505970" cy="270164"/>
-          </a:xfrm>
-          <a:prstGeom prst="rightArrow">
-            <a:avLst/>
-          </a:prstGeom>
-        </p:spPr>
-        <p:style>
-          <a:lnRef idx="2">
-            <a:schemeClr val="accent1">
-              <a:shade val="50000"/>
-            </a:schemeClr>
-          </a:lnRef>
-          <a:fillRef idx="1">
-            <a:schemeClr val="accent1"/>
-          </a:fillRef>
-          <a:effectRef idx="0">
-            <a:schemeClr val="accent1"/>
-          </a:effectRef>
-          <a:fontRef idx="minor">
-            <a:schemeClr val="lt1"/>
-          </a:fontRef>
-        </p:style>
-        <p:txBody>
-          <a:bodyPr rtlCol="0" anchor="ctr"/>
-          <a:lstStyle/>
-          <a:p>
-            <a:pPr algn="ctr"/>
-            <a:endParaRPr lang="de-AT"/>
-          </a:p>
-        </p:txBody>
-      </p:sp>
-      <p:sp>
-        <p:nvSpPr>
-          <p:cNvPr id="7" name="Fußzeilenplatzhalter 6">
-            <a:extLst>
-              <a:ext uri="{FF2B5EF4-FFF2-40B4-BE49-F238E27FC236}">
-                <a16:creationId xmlns:a16="http://schemas.microsoft.com/office/drawing/2014/main" id="{029CE6D4-4B01-42AD-A24C-CE3956FEED6E}"/>
-              </a:ext>
-            </a:extLst>
-          </p:cNvPr>
-          <p:cNvSpPr>
-            <a:spLocks noGrp="1"/>
-          </p:cNvSpPr>
-          <p:nvPr>
-            <p:ph type="ftr" sz="quarter" idx="11"/>
-          </p:nvPr>
-        </p:nvSpPr>
-        <p:spPr/>
-        <p:txBody>
-          <a:bodyPr/>
-          <a:lstStyle/>
-          <a:p>
-            <a:r>
-              <a:rPr lang="en-US"/>
-              <a:t>RUP - Melanie Bugelnig &amp; Marcel Judth 5AHIFS</a:t>
-            </a:r>
-            <a:endParaRPr lang="en-US" dirty="0"/>
-          </a:p>
-        </p:txBody>
-      </p:sp>
-      <p:sp>
-        <p:nvSpPr>
-          <p:cNvPr id="8" name="Foliennummernplatzhalter 7">
-            <a:extLst>
-              <a:ext uri="{FF2B5EF4-FFF2-40B4-BE49-F238E27FC236}">
-                <a16:creationId xmlns:a16="http://schemas.microsoft.com/office/drawing/2014/main" id="{7E1FBAAF-9650-41E0-A943-2B7593B75D32}"/>
-              </a:ext>
-            </a:extLst>
-          </p:cNvPr>
-          <p:cNvSpPr>
-            <a:spLocks noGrp="1"/>
-          </p:cNvSpPr>
-          <p:nvPr>
-            <p:ph type="sldNum" sz="quarter" idx="12"/>
-          </p:nvPr>
-        </p:nvSpPr>
-        <p:spPr/>
-        <p:txBody>
-          <a:bodyPr/>
-          <a:lstStyle/>
-          <a:p>
-            <a:fld id="{4FAB73BC-B049-4115-A692-8D63A059BFB8}" type="slidenum">
-              <a:rPr lang="en-US" smtClean="0"/>
-              <a:t>7</a:t>
-            </a:fld>
-            <a:endParaRPr lang="en-US" dirty="0"/>
-          </a:p>
-        </p:txBody>
-      </p:sp>
-    </p:spTree>
-    <p:extLst>
-      <p:ext uri="{BB962C8B-B14F-4D97-AF65-F5344CB8AC3E}">
-        <p14:creationId xmlns:p14="http://schemas.microsoft.com/office/powerpoint/2010/main" val="2998672503"/>
-      </p:ext>
-    </p:extLst>
-  </p:cSld>
-  <p:clrMapOvr>
-    <a:masterClrMapping/>
-  </p:clrMapOvr>
-  <p:timing>
-    <p:tnLst>
-      <p:par>
-        <p:cTn id="1" dur="indefinite" restart="never" nodeType="tmRoot">
-          <p:childTnLst>
-            <p:seq concurrent="1" nextAc="seek">
-              <p:cTn id="2" dur="indefinite" nodeType="mainSeq">
-                <p:childTnLst>
-                  <p:par>
-                    <p:cTn id="3" fill="hold">
-                      <p:stCondLst>
-                        <p:cond delay="indefinite"/>
-                      </p:stCondLst>
-                      <p:childTnLst>
-                        <p:par>
-                          <p:cTn id="4" fill="hold">
-                            <p:stCondLst>
-                              <p:cond delay="0"/>
-                            </p:stCondLst>
-                            <p:childTnLst>
-                              <p:par>
-                                <p:cTn id="5" presetID="22" presetClass="entr" presetSubtype="4" fill="hold" grpId="0" nodeType="clickEffect">
-                                  <p:stCondLst>
-                                    <p:cond delay="0"/>
-                                  </p:stCondLst>
-                                  <p:childTnLst>
-                                    <p:set>
-                                      <p:cBhvr>
-                                        <p:cTn id="6" dur="1" fill="hold">
-                                          <p:stCondLst>
-                                            <p:cond delay="0"/>
-                                          </p:stCondLst>
-                                        </p:cTn>
-                                        <p:tgtEl>
-                                          <p:spTgt spid="6"/>
-                                        </p:tgtEl>
-                                        <p:attrNameLst>
-                                          <p:attrName>style.visibility</p:attrName>
-                                        </p:attrNameLst>
-                                      </p:cBhvr>
-                                      <p:to>
-                                        <p:strVal val="visible"/>
-                                      </p:to>
-                                    </p:set>
-                                    <p:animEffect transition="in" filter="wipe(down)">
-                                      <p:cBhvr>
-                                        <p:cTn id="7" dur="500"/>
-                                        <p:tgtEl>
-                                          <p:spTgt spid="6"/>
-                                        </p:tgtEl>
-                                      </p:cBhvr>
-                                    </p:animEffect>
-                                  </p:childTnLst>
-                                </p:cTn>
-                              </p:par>
-                            </p:childTnLst>
-                          </p:cTn>
-                        </p:par>
-                      </p:childTnLst>
-                    </p:cTn>
-                  </p:par>
-                </p:childTnLst>
-              </p:cTn>
-              <p:prevCondLst>
-                <p:cond evt="onPrev" delay="0">
-                  <p:tgtEl>
-                    <p:sldTgt/>
-                  </p:tgtEl>
-                </p:cond>
-              </p:prevCondLst>
-              <p:nextCondLst>
-                <p:cond evt="onNext" delay="0">
-                  <p:tgtEl>
-                    <p:sldTgt/>
-                  </p:tgtEl>
-                </p:cond>
-              </p:nextCondLst>
-            </p:seq>
-          </p:childTnLst>
-        </p:cTn>
-      </p:par>
-    </p:tnLst>
-    <p:bldLst>
-      <p:bldP spid="6" grpId="0" animBg="1"/>
-    </p:bldLst>
-  </p:timing>
-</p:sld>
-</file>
-
-<file path=ppt/slides/slide8.xml><?xml version="1.0" encoding="utf-8"?>
-<p:sld xmlns:a="http://schemas.openxmlformats.org/drawingml/2006/main" xmlns:r="http://schemas.openxmlformats.org/officeDocument/2006/relationships" xmlns:p="http://schemas.openxmlformats.org/presentationml/2006/main">
-  <p:cSld>
-    <p:spTree>
-      <p:nvGrpSpPr>
-        <p:cNvPr id="1" name=""/>
-        <p:cNvGrpSpPr/>
-        <p:nvPr/>
-      </p:nvGrpSpPr>
-      <p:grpSpPr>
-        <a:xfrm>
-          <a:off x="0" y="0"/>
-          <a:ext cx="0" cy="0"/>
-          <a:chOff x="0" y="0"/>
-          <a:chExt cx="0" cy="0"/>
-        </a:xfrm>
-      </p:grpSpPr>
-      <p:sp>
-        <p:nvSpPr>
-          <p:cNvPr id="2" name="Titel 1">
-            <a:extLst>
-              <a:ext uri="{FF2B5EF4-FFF2-40B4-BE49-F238E27FC236}">
-                <a16:creationId xmlns:a16="http://schemas.microsoft.com/office/drawing/2014/main" id="{60851B2C-AFA4-415D-8FCE-2079D5F0A011}"/>
-              </a:ext>
-            </a:extLst>
-          </p:cNvPr>
-          <p:cNvSpPr>
-            <a:spLocks noGrp="1"/>
-          </p:cNvSpPr>
-          <p:nvPr>
-            <p:ph type="title"/>
-          </p:nvPr>
-        </p:nvSpPr>
-        <p:spPr/>
-        <p:txBody>
-          <a:bodyPr/>
-          <a:lstStyle/>
-          <a:p>
-            <a:r>
-              <a:rPr lang="de-AT" dirty="0" err="1"/>
-              <a:t>Deployment</a:t>
-            </a:r>
-            <a:endParaRPr lang="de-AT" dirty="0"/>
-          </a:p>
-        </p:txBody>
-      </p:sp>
-      <p:sp>
-        <p:nvSpPr>
-          <p:cNvPr id="3" name="Inhaltsplatzhalter 2">
-            <a:extLst>
-              <a:ext uri="{FF2B5EF4-FFF2-40B4-BE49-F238E27FC236}">
-                <a16:creationId xmlns:a16="http://schemas.microsoft.com/office/drawing/2014/main" id="{6C6742CB-B857-428A-8398-919D358C2E1D}"/>
-              </a:ext>
-            </a:extLst>
-          </p:cNvPr>
-          <p:cNvSpPr>
-            <a:spLocks noGrp="1"/>
-          </p:cNvSpPr>
-          <p:nvPr>
-            <p:ph idx="1"/>
-          </p:nvPr>
-        </p:nvSpPr>
-        <p:spPr/>
-        <p:txBody>
-          <a:bodyPr/>
-          <a:lstStyle/>
-          <a:p>
-            <a:r>
-              <a:rPr lang="de-AT" dirty="0"/>
-              <a:t>Auslieferung an den Kunden</a:t>
-            </a:r>
-          </a:p>
-          <a:p>
-            <a:pPr lvl="1"/>
-            <a:r>
-              <a:rPr lang="de-AT" dirty="0"/>
-              <a:t>Training Materials</a:t>
-            </a:r>
-          </a:p>
-          <a:p>
-            <a:pPr lvl="1"/>
-            <a:r>
-              <a:rPr lang="de-AT" dirty="0" err="1"/>
-              <a:t>Product</a:t>
-            </a:r>
-            <a:endParaRPr lang="de-AT" dirty="0"/>
-          </a:p>
-          <a:p>
-            <a:pPr lvl="1"/>
-            <a:r>
-              <a:rPr lang="de-AT" dirty="0" err="1"/>
-              <a:t>Deployment</a:t>
-            </a:r>
-            <a:r>
-              <a:rPr lang="de-AT" dirty="0"/>
-              <a:t> Plan</a:t>
-            </a:r>
-          </a:p>
-          <a:p>
-            <a:pPr lvl="1"/>
-            <a:r>
-              <a:rPr lang="de-AT" dirty="0"/>
-              <a:t>End User Support Material</a:t>
-            </a:r>
-          </a:p>
-          <a:p>
-            <a:pPr lvl="1"/>
-            <a:endParaRPr lang="de-AT" dirty="0"/>
-          </a:p>
-        </p:txBody>
-      </p:sp>
-      <p:pic>
-        <p:nvPicPr>
-          <p:cNvPr id="4" name="Grafik 3" descr="mü_ref">
-            <a:extLst>
-              <a:ext uri="{FF2B5EF4-FFF2-40B4-BE49-F238E27FC236}">
-                <a16:creationId xmlns:a16="http://schemas.microsoft.com/office/drawing/2014/main" id="{F5665AF1-CA4F-49FE-96D0-4A9FED72F0D4}"/>
-              </a:ext>
-            </a:extLst>
-          </p:cNvPr>
-          <p:cNvPicPr/>
-          <p:nvPr/>
-        </p:nvPicPr>
-        <p:blipFill>
-          <a:blip r:embed="rId2">
-            <a:extLst>
-              <a:ext uri="{28A0092B-C50C-407E-A947-70E740481C1C}">
-                <a14:useLocalDpi xmlns:a14="http://schemas.microsoft.com/office/drawing/2010/main" val="0"/>
-              </a:ext>
-            </a:extLst>
-          </a:blip>
-          <a:srcRect/>
-          <a:stretch>
-            <a:fillRect/>
-          </a:stretch>
-        </p:blipFill>
-        <p:spPr bwMode="auto">
-          <a:xfrm>
-            <a:off x="6355080" y="2598397"/>
-            <a:ext cx="4773168" cy="3169966"/>
-          </a:xfrm>
-          <a:prstGeom prst="rect">
-            <a:avLst/>
-          </a:prstGeom>
-          <a:noFill/>
-        </p:spPr>
-      </p:pic>
-      <p:sp>
-        <p:nvSpPr>
-          <p:cNvPr id="5" name="Pfeil: nach rechts 4">
-            <a:extLst>
-              <a:ext uri="{FF2B5EF4-FFF2-40B4-BE49-F238E27FC236}">
-                <a16:creationId xmlns:a16="http://schemas.microsoft.com/office/drawing/2014/main" id="{73B70EA0-0530-40D1-9462-DF7388B6884E}"/>
-              </a:ext>
-            </a:extLst>
-          </p:cNvPr>
-          <p:cNvSpPr/>
-          <p:nvPr/>
-        </p:nvSpPr>
-        <p:spPr>
-          <a:xfrm>
-            <a:off x="5914272" y="4197931"/>
-            <a:ext cx="505970" cy="270164"/>
-          </a:xfrm>
-          <a:prstGeom prst="rightArrow">
-            <a:avLst/>
-          </a:prstGeom>
-        </p:spPr>
-        <p:style>
-          <a:lnRef idx="2">
-            <a:schemeClr val="accent1">
-              <a:shade val="50000"/>
-            </a:schemeClr>
-          </a:lnRef>
-          <a:fillRef idx="1">
-            <a:schemeClr val="accent1"/>
-          </a:fillRef>
-          <a:effectRef idx="0">
-            <a:schemeClr val="accent1"/>
-          </a:effectRef>
-          <a:fontRef idx="minor">
-            <a:schemeClr val="lt1"/>
-          </a:fontRef>
-        </p:style>
-        <p:txBody>
-          <a:bodyPr rtlCol="0" anchor="ctr"/>
-          <a:lstStyle/>
-          <a:p>
-            <a:pPr algn="ctr"/>
-            <a:endParaRPr lang="de-AT"/>
-          </a:p>
-        </p:txBody>
-      </p:sp>
-      <p:sp>
-        <p:nvSpPr>
-          <p:cNvPr id="6" name="Fußzeilenplatzhalter 5">
-            <a:extLst>
-              <a:ext uri="{FF2B5EF4-FFF2-40B4-BE49-F238E27FC236}">
-                <a16:creationId xmlns:a16="http://schemas.microsoft.com/office/drawing/2014/main" id="{72544B0E-1C67-4E17-906C-93BA7BD8AF51}"/>
-              </a:ext>
-            </a:extLst>
-          </p:cNvPr>
-          <p:cNvSpPr>
-            <a:spLocks noGrp="1"/>
-          </p:cNvSpPr>
-          <p:nvPr>
-            <p:ph type="ftr" sz="quarter" idx="11"/>
-          </p:nvPr>
-        </p:nvSpPr>
-        <p:spPr/>
-        <p:txBody>
-          <a:bodyPr/>
-          <a:lstStyle/>
-          <a:p>
-            <a:r>
-              <a:rPr lang="en-US"/>
-              <a:t>RUP - Melanie Bugelnig &amp; Marcel Judth 5AHIFS</a:t>
-            </a:r>
-            <a:endParaRPr lang="en-US" dirty="0"/>
-          </a:p>
-        </p:txBody>
-      </p:sp>
-      <p:sp>
-        <p:nvSpPr>
-          <p:cNvPr id="7" name="Foliennummernplatzhalter 6">
-            <a:extLst>
-              <a:ext uri="{FF2B5EF4-FFF2-40B4-BE49-F238E27FC236}">
-                <a16:creationId xmlns:a16="http://schemas.microsoft.com/office/drawing/2014/main" id="{2477F3B9-15C5-4F83-9331-0B340F3DBCA1}"/>
-              </a:ext>
-            </a:extLst>
-          </p:cNvPr>
-          <p:cNvSpPr>
-            <a:spLocks noGrp="1"/>
-          </p:cNvSpPr>
-          <p:nvPr>
-            <p:ph type="sldNum" sz="quarter" idx="12"/>
-          </p:nvPr>
-        </p:nvSpPr>
-        <p:spPr/>
-        <p:txBody>
-          <a:bodyPr/>
-          <a:lstStyle/>
-          <a:p>
-            <a:fld id="{4FAB73BC-B049-4115-A692-8D63A059BFB8}" type="slidenum">
-              <a:rPr lang="en-US" smtClean="0"/>
-              <a:t>8</a:t>
-            </a:fld>
-            <a:endParaRPr lang="en-US" dirty="0"/>
-          </a:p>
-        </p:txBody>
-      </p:sp>
-    </p:spTree>
-    <p:extLst>
-      <p:ext uri="{BB962C8B-B14F-4D97-AF65-F5344CB8AC3E}">
-        <p14:creationId xmlns:p14="http://schemas.microsoft.com/office/powerpoint/2010/main" val="1418950221"/>
-      </p:ext>
-    </p:extLst>
-  </p:cSld>
-  <p:clrMapOvr>
-    <a:masterClrMapping/>
-  </p:clrMapOvr>
-  <p:timing>
-    <p:tnLst>
-      <p:par>
-        <p:cTn id="1" dur="indefinite" restart="never" nodeType="tmRoot">
-          <p:childTnLst>
-            <p:seq concurrent="1" nextAc="seek">
-              <p:cTn id="2" dur="indefinite" nodeType="mainSeq">
-                <p:childTnLst>
-                  <p:par>
-                    <p:cTn id="3" fill="hold">
-                      <p:stCondLst>
-                        <p:cond delay="indefinite"/>
-                      </p:stCondLst>
-                      <p:childTnLst>
-                        <p:par>
-                          <p:cTn id="4" fill="hold">
-                            <p:stCondLst>
-                              <p:cond delay="0"/>
-                            </p:stCondLst>
-                            <p:childTnLst>
-                              <p:par>
-                                <p:cTn id="5" presetID="22" presetClass="entr" presetSubtype="4" fill="hold" grpId="0" nodeType="clickEffect">
-                                  <p:stCondLst>
-                                    <p:cond delay="0"/>
-                                  </p:stCondLst>
-                                  <p:childTnLst>
-                                    <p:set>
-                                      <p:cBhvr>
-                                        <p:cTn id="6" dur="1" fill="hold">
-                                          <p:stCondLst>
-                                            <p:cond delay="0"/>
-                                          </p:stCondLst>
-                                        </p:cTn>
-                                        <p:tgtEl>
-                                          <p:spTgt spid="5"/>
-                                        </p:tgtEl>
-                                        <p:attrNameLst>
-                                          <p:attrName>style.visibility</p:attrName>
-                                        </p:attrNameLst>
-                                      </p:cBhvr>
-                                      <p:to>
-                                        <p:strVal val="visible"/>
-                                      </p:to>
-                                    </p:set>
-                                    <p:animEffect transition="in" filter="wipe(down)">
-                                      <p:cBhvr>
-                                        <p:cTn id="7" dur="500"/>
-                                        <p:tgtEl>
-                                          <p:spTgt spid="5"/>
-                                        </p:tgtEl>
-                                      </p:cBhvr>
-                                    </p:animEffect>
-                                  </p:childTnLst>
-                                </p:cTn>
-                              </p:par>
-                            </p:childTnLst>
-                          </p:cTn>
-                        </p:par>
-                      </p:childTnLst>
-                    </p:cTn>
-                  </p:par>
-                </p:childTnLst>
-              </p:cTn>
-              <p:prevCondLst>
-                <p:cond evt="onPrev" delay="0">
-                  <p:tgtEl>
-                    <p:sldTgt/>
-                  </p:tgtEl>
-                </p:cond>
-              </p:prevCondLst>
-              <p:nextCondLst>
-                <p:cond evt="onNext" delay="0">
-                  <p:tgtEl>
-                    <p:sldTgt/>
-                  </p:tgtEl>
-                </p:cond>
-              </p:nextCondLst>
-            </p:seq>
-          </p:childTnLst>
-        </p:cTn>
-      </p:par>
-    </p:tnLst>
-    <p:bldLst>
-      <p:bldP spid="5" grpId="0" animBg="1"/>
-    </p:bldLst>
-  </p:timing>
-</p:sld>
-</file>
-
-<file path=ppt/slides/slide9.xml><?xml version="1.0" encoding="utf-8"?>
-<p:sld xmlns:a="http://schemas.openxmlformats.org/drawingml/2006/main" xmlns:r="http://schemas.openxmlformats.org/officeDocument/2006/relationships" xmlns:p="http://schemas.openxmlformats.org/presentationml/2006/main">
-  <p:cSld>
-    <p:spTree>
-      <p:nvGrpSpPr>
-        <p:cNvPr id="1" name=""/>
-        <p:cNvGrpSpPr/>
-        <p:nvPr/>
-      </p:nvGrpSpPr>
-      <p:grpSpPr>
-        <a:xfrm>
-          <a:off x="0" y="0"/>
-          <a:ext cx="0" cy="0"/>
-          <a:chOff x="0" y="0"/>
-          <a:chExt cx="0" cy="0"/>
-        </a:xfrm>
-      </p:grpSpPr>
-      <p:sp>
-        <p:nvSpPr>
-          <p:cNvPr id="2" name="Titel 1">
-            <a:extLst>
-              <a:ext uri="{FF2B5EF4-FFF2-40B4-BE49-F238E27FC236}">
-                <a16:creationId xmlns:a16="http://schemas.microsoft.com/office/drawing/2014/main" id="{60851B2C-AFA4-415D-8FCE-2079D5F0A011}"/>
-              </a:ext>
-            </a:extLst>
-          </p:cNvPr>
-          <p:cNvSpPr>
-            <a:spLocks noGrp="1"/>
-          </p:cNvSpPr>
-          <p:nvPr>
-            <p:ph type="title"/>
-          </p:nvPr>
-        </p:nvSpPr>
-        <p:spPr/>
-        <p:txBody>
-          <a:bodyPr/>
-          <a:lstStyle/>
-          <a:p>
-            <a:r>
-              <a:rPr lang="de-AT" dirty="0" err="1"/>
-              <a:t>Configuration</a:t>
-            </a:r>
-            <a:r>
-              <a:rPr lang="de-AT" dirty="0"/>
-              <a:t> &amp; Change Management </a:t>
-            </a:r>
-          </a:p>
-        </p:txBody>
-      </p:sp>
-      <p:sp>
-        <p:nvSpPr>
-          <p:cNvPr id="3" name="Inhaltsplatzhalter 2">
-            <a:extLst>
-              <a:ext uri="{FF2B5EF4-FFF2-40B4-BE49-F238E27FC236}">
-                <a16:creationId xmlns:a16="http://schemas.microsoft.com/office/drawing/2014/main" id="{6C6742CB-B857-428A-8398-919D358C2E1D}"/>
-              </a:ext>
-            </a:extLst>
-          </p:cNvPr>
-          <p:cNvSpPr>
-            <a:spLocks noGrp="1"/>
-          </p:cNvSpPr>
-          <p:nvPr>
-            <p:ph idx="1"/>
-          </p:nvPr>
-        </p:nvSpPr>
-        <p:spPr/>
-        <p:txBody>
-          <a:bodyPr/>
-          <a:lstStyle/>
-          <a:p>
-            <a:pPr lvl="1"/>
-            <a:r>
-              <a:rPr lang="de-AT" dirty="0"/>
-              <a:t>Auf Forderungen des Kunden reagieren</a:t>
-            </a:r>
-          </a:p>
-          <a:p>
-            <a:pPr lvl="2"/>
-            <a:r>
-              <a:rPr lang="de-AT" dirty="0"/>
-              <a:t>Change Request</a:t>
-            </a:r>
-          </a:p>
-          <a:p>
-            <a:pPr lvl="2"/>
-            <a:r>
-              <a:rPr lang="de-AT" dirty="0" err="1"/>
-              <a:t>Configuration</a:t>
-            </a:r>
-            <a:r>
-              <a:rPr lang="de-AT" dirty="0"/>
-              <a:t> Management Plan</a:t>
-            </a:r>
-          </a:p>
-        </p:txBody>
-      </p:sp>
-      <p:pic>
-        <p:nvPicPr>
-          <p:cNvPr id="4" name="Grafik 3" descr="mü_ref">
-            <a:extLst>
-              <a:ext uri="{FF2B5EF4-FFF2-40B4-BE49-F238E27FC236}">
-                <a16:creationId xmlns:a16="http://schemas.microsoft.com/office/drawing/2014/main" id="{F5665AF1-CA4F-49FE-96D0-4A9FED72F0D4}"/>
-              </a:ext>
-            </a:extLst>
-          </p:cNvPr>
-          <p:cNvPicPr/>
-          <p:nvPr/>
-        </p:nvPicPr>
-        <p:blipFill>
-          <a:blip r:embed="rId2">
-            <a:extLst>
-              <a:ext uri="{28A0092B-C50C-407E-A947-70E740481C1C}">
-                <a14:useLocalDpi xmlns:a14="http://schemas.microsoft.com/office/drawing/2010/main" val="0"/>
-              </a:ext>
-            </a:extLst>
-          </a:blip>
-          <a:srcRect/>
-          <a:stretch>
-            <a:fillRect/>
-          </a:stretch>
-        </p:blipFill>
-        <p:spPr bwMode="auto">
-          <a:xfrm>
-            <a:off x="6355080" y="2598397"/>
-            <a:ext cx="4773168" cy="3169966"/>
-          </a:xfrm>
-          <a:prstGeom prst="rect">
-            <a:avLst/>
-          </a:prstGeom>
-          <a:noFill/>
-        </p:spPr>
-      </p:pic>
-      <p:sp>
-        <p:nvSpPr>
-          <p:cNvPr id="5" name="Pfeil: nach rechts 4">
-            <a:extLst>
-              <a:ext uri="{FF2B5EF4-FFF2-40B4-BE49-F238E27FC236}">
-                <a16:creationId xmlns:a16="http://schemas.microsoft.com/office/drawing/2014/main" id="{73B70EA0-0530-40D1-9462-DF7388B6884E}"/>
-              </a:ext>
-            </a:extLst>
-          </p:cNvPr>
-          <p:cNvSpPr/>
-          <p:nvPr/>
-        </p:nvSpPr>
-        <p:spPr>
-          <a:xfrm>
-            <a:off x="5914272" y="4488882"/>
-            <a:ext cx="505970" cy="270164"/>
-          </a:xfrm>
-          <a:prstGeom prst="rightArrow">
-            <a:avLst/>
-          </a:prstGeom>
-        </p:spPr>
-        <p:style>
-          <a:lnRef idx="2">
-            <a:schemeClr val="accent1">
-              <a:shade val="50000"/>
-            </a:schemeClr>
-          </a:lnRef>
-          <a:fillRef idx="1">
-            <a:schemeClr val="accent1"/>
-          </a:fillRef>
-          <a:effectRef idx="0">
-            <a:schemeClr val="accent1"/>
-          </a:effectRef>
-          <a:fontRef idx="minor">
-            <a:schemeClr val="lt1"/>
-          </a:fontRef>
-        </p:style>
-        <p:txBody>
-          <a:bodyPr rtlCol="0" anchor="ctr"/>
-          <a:lstStyle/>
-          <a:p>
-            <a:pPr algn="ctr"/>
-            <a:endParaRPr lang="de-AT"/>
-          </a:p>
-        </p:txBody>
-      </p:sp>
-      <p:sp>
-        <p:nvSpPr>
-          <p:cNvPr id="6" name="Fußzeilenplatzhalter 5">
-            <a:extLst>
-              <a:ext uri="{FF2B5EF4-FFF2-40B4-BE49-F238E27FC236}">
-                <a16:creationId xmlns:a16="http://schemas.microsoft.com/office/drawing/2014/main" id="{72544B0E-1C67-4E17-906C-93BA7BD8AF51}"/>
-              </a:ext>
-            </a:extLst>
-          </p:cNvPr>
-          <p:cNvSpPr>
-            <a:spLocks noGrp="1"/>
-          </p:cNvSpPr>
-          <p:nvPr>
-            <p:ph type="ftr" sz="quarter" idx="11"/>
-          </p:nvPr>
-        </p:nvSpPr>
-        <p:spPr/>
-        <p:txBody>
-          <a:bodyPr/>
-          <a:lstStyle/>
-          <a:p>
-            <a:r>
-              <a:rPr lang="en-US"/>
-              <a:t>RUP - Melanie Bugelnig &amp; Marcel Judth 5AHIFS</a:t>
-            </a:r>
-            <a:endParaRPr lang="en-US" dirty="0"/>
-          </a:p>
-        </p:txBody>
-      </p:sp>
-      <p:sp>
-        <p:nvSpPr>
-          <p:cNvPr id="7" name="Foliennummernplatzhalter 6">
-            <a:extLst>
-              <a:ext uri="{FF2B5EF4-FFF2-40B4-BE49-F238E27FC236}">
-                <a16:creationId xmlns:a16="http://schemas.microsoft.com/office/drawing/2014/main" id="{2477F3B9-15C5-4F83-9331-0B340F3DBCA1}"/>
-              </a:ext>
-            </a:extLst>
-          </p:cNvPr>
-          <p:cNvSpPr>
-            <a:spLocks noGrp="1"/>
-          </p:cNvSpPr>
-          <p:nvPr>
-            <p:ph type="sldNum" sz="quarter" idx="12"/>
-          </p:nvPr>
-        </p:nvSpPr>
-        <p:spPr/>
-        <p:txBody>
-          <a:bodyPr/>
-          <a:lstStyle/>
-          <a:p>
-            <a:fld id="{4FAB73BC-B049-4115-A692-8D63A059BFB8}" type="slidenum">
-              <a:rPr lang="en-US" smtClean="0"/>
-              <a:t>9</a:t>
-            </a:fld>
-            <a:endParaRPr lang="en-US" dirty="0"/>
-          </a:p>
-        </p:txBody>
-      </p:sp>
-    </p:spTree>
-    <p:extLst>
-      <p:ext uri="{BB962C8B-B14F-4D97-AF65-F5344CB8AC3E}">
-        <p14:creationId xmlns:p14="http://schemas.microsoft.com/office/powerpoint/2010/main" val="488392144"/>
-      </p:ext>
-    </p:extLst>
-  </p:cSld>
-  <p:clrMapOvr>
-    <a:masterClrMapping/>
-  </p:clrMapOvr>
-  <p:timing>
-    <p:tnLst>
-      <p:par>
-        <p:cTn id="1" dur="indefinite" restart="never" nodeType="tmRoot">
-          <p:childTnLst>
-            <p:seq concurrent="1" nextAc="seek">
-              <p:cTn id="2" dur="indefinite" nodeType="mainSeq">
-                <p:childTnLst>
-                  <p:par>
-                    <p:cTn id="3" fill="hold">
-                      <p:stCondLst>
-                        <p:cond delay="indefinite"/>
-                      </p:stCondLst>
-                      <p:childTnLst>
-                        <p:par>
-                          <p:cTn id="4" fill="hold">
-                            <p:stCondLst>
-                              <p:cond delay="0"/>
-                            </p:stCondLst>
-                            <p:childTnLst>
-                              <p:par>
-                                <p:cTn id="5" presetID="22" presetClass="entr" presetSubtype="4" fill="hold" grpId="0" nodeType="clickEffect">
-                                  <p:stCondLst>
-                                    <p:cond delay="0"/>
-                                  </p:stCondLst>
-                                  <p:childTnLst>
-                                    <p:set>
-                                      <p:cBhvr>
-                                        <p:cTn id="6" dur="1" fill="hold">
-                                          <p:stCondLst>
-                                            <p:cond delay="0"/>
-                                          </p:stCondLst>
-                                        </p:cTn>
-                                        <p:tgtEl>
-                                          <p:spTgt spid="5"/>
-                                        </p:tgtEl>
-                                        <p:attrNameLst>
-                                          <p:attrName>style.visibility</p:attrName>
-                                        </p:attrNameLst>
-                                      </p:cBhvr>
-                                      <p:to>
-                                        <p:strVal val="visible"/>
-                                      </p:to>
-                                    </p:set>
-                                    <p:animEffect transition="in" filter="wipe(down)">
-                                      <p:cBhvr>
-                                        <p:cTn id="7" dur="500"/>
-                                        <p:tgtEl>
-                                          <p:spTgt spid="5"/>
-                                        </p:tgtEl>
-                                      </p:cBhvr>
-                                    </p:animEffect>
-                                  </p:childTnLst>
-                                </p:cTn>
-                              </p:par>
-                            </p:childTnLst>
-                          </p:cTn>
-                        </p:par>
-                      </p:childTnLst>
-                    </p:cTn>
-                  </p:par>
-                </p:childTnLst>
-              </p:cTn>
-              <p:prevCondLst>
-                <p:cond evt="onPrev" delay="0">
-                  <p:tgtEl>
-                    <p:sldTgt/>
-                  </p:tgtEl>
-                </p:cond>
-              </p:prevCondLst>
-              <p:nextCondLst>
-                <p:cond evt="onNext" delay="0">
-                  <p:tgtEl>
-                    <p:sldTgt/>
-                  </p:tgtEl>
-                </p:cond>
-              </p:nextCondLst>
-            </p:seq>
-          </p:childTnLst>
-        </p:cTn>
-      </p:par>
-    </p:tnLst>
-    <p:bldLst>
-      <p:bldP spid="5" grpId="0" animBg="1"/>
     </p:bldLst>
   </p:timing>
 </p:sld>

--- a/5.AHIFS/SYP-PRE/Referat_RUP/Rational Unified Process (RUP).pptx
+++ b/5.AHIFS/SYP-PRE/Referat_RUP/Rational Unified Process (RUP).pptx
@@ -5,7 +5,7 @@
     <p:sldMasterId id="2147483840" r:id="rId1"/>
   </p:sldMasterIdLst>
   <p:notesMasterIdLst>
-    <p:notesMasterId r:id="rId20"/>
+    <p:notesMasterId r:id="rId19"/>
   </p:notesMasterIdLst>
   <p:sldIdLst>
     <p:sldId id="256" r:id="rId2"/>
@@ -24,8 +24,7 @@
     <p:sldId id="265" r:id="rId15"/>
     <p:sldId id="266" r:id="rId16"/>
     <p:sldId id="267" r:id="rId17"/>
-    <p:sldId id="268" r:id="rId18"/>
-    <p:sldId id="269" r:id="rId19"/>
+    <p:sldId id="275" r:id="rId18"/>
   </p:sldIdLst>
   <p:sldSz cx="12192000" cy="6858000"/>
   <p:notesSz cx="6858000" cy="9144000"/>
@@ -214,7 +213,7 @@
           <a:p>
             <a:fld id="{86CEB2A5-9F79-4155-B70E-9EB593C2F68A}" type="datetimeFigureOut">
               <a:rPr lang="de-AT" smtClean="0"/>
-              <a:t>20.01.2019</a:t>
+              <a:t>30.01.2019</a:t>
             </a:fld>
             <a:endParaRPr lang="de-AT"/>
           </a:p>
@@ -482,6 +481,1328 @@
 </p:notesMaster>
 </file>
 
+<file path=ppt/notesSlides/notesSlide1.xml><?xml version="1.0" encoding="utf-8"?>
+<p:notes xmlns:a="http://schemas.openxmlformats.org/drawingml/2006/main" xmlns:r="http://schemas.openxmlformats.org/officeDocument/2006/relationships" xmlns:p="http://schemas.openxmlformats.org/presentationml/2006/main">
+  <p:cSld>
+    <p:spTree>
+      <p:nvGrpSpPr>
+        <p:cNvPr id="1" name=""/>
+        <p:cNvGrpSpPr/>
+        <p:nvPr/>
+      </p:nvGrpSpPr>
+      <p:grpSpPr>
+        <a:xfrm>
+          <a:off x="0" y="0"/>
+          <a:ext cx="0" cy="0"/>
+          <a:chOff x="0" y="0"/>
+          <a:chExt cx="0" cy="0"/>
+        </a:xfrm>
+      </p:grpSpPr>
+      <p:sp>
+        <p:nvSpPr>
+          <p:cNvPr id="2" name="Folienbildplatzhalter 1"/>
+          <p:cNvSpPr>
+            <a:spLocks noGrp="1" noRot="1" noChangeAspect="1"/>
+          </p:cNvSpPr>
+          <p:nvPr>
+            <p:ph type="sldImg"/>
+          </p:nvPr>
+        </p:nvSpPr>
+        <p:spPr/>
+      </p:sp>
+      <p:sp>
+        <p:nvSpPr>
+          <p:cNvPr id="3" name="Notizenplatzhalter 2"/>
+          <p:cNvSpPr>
+            <a:spLocks noGrp="1"/>
+          </p:cNvSpPr>
+          <p:nvPr>
+            <p:ph type="body" idx="1"/>
+          </p:nvPr>
+        </p:nvSpPr>
+        <p:spPr/>
+        <p:txBody>
+          <a:bodyPr/>
+          <a:lstStyle/>
+          <a:p>
+            <a:endParaRPr lang="de-AT" dirty="0"/>
+          </a:p>
+        </p:txBody>
+      </p:sp>
+      <p:sp>
+        <p:nvSpPr>
+          <p:cNvPr id="4" name="Foliennummernplatzhalter 3"/>
+          <p:cNvSpPr>
+            <a:spLocks noGrp="1"/>
+          </p:cNvSpPr>
+          <p:nvPr>
+            <p:ph type="sldNum" sz="quarter" idx="5"/>
+          </p:nvPr>
+        </p:nvSpPr>
+        <p:spPr/>
+        <p:txBody>
+          <a:bodyPr/>
+          <a:lstStyle/>
+          <a:p>
+            <a:fld id="{2AEB9969-9D44-44F0-BD8D-D7349FF70AC4}" type="slidenum">
+              <a:rPr lang="de-AT" smtClean="0"/>
+              <a:t>1</a:t>
+            </a:fld>
+            <a:endParaRPr lang="de-AT"/>
+          </a:p>
+        </p:txBody>
+      </p:sp>
+    </p:spTree>
+    <p:extLst>
+      <p:ext uri="{BB962C8B-B14F-4D97-AF65-F5344CB8AC3E}">
+        <p14:creationId xmlns:p14="http://schemas.microsoft.com/office/powerpoint/2010/main" val="333509687"/>
+      </p:ext>
+    </p:extLst>
+  </p:cSld>
+  <p:clrMapOvr>
+    <a:masterClrMapping/>
+  </p:clrMapOvr>
+</p:notes>
+</file>
+
+<file path=ppt/notesSlides/notesSlide10.xml><?xml version="1.0" encoding="utf-8"?>
+<p:notes xmlns:a="http://schemas.openxmlformats.org/drawingml/2006/main" xmlns:r="http://schemas.openxmlformats.org/officeDocument/2006/relationships" xmlns:p="http://schemas.openxmlformats.org/presentationml/2006/main">
+  <p:cSld>
+    <p:spTree>
+      <p:nvGrpSpPr>
+        <p:cNvPr id="1" name=""/>
+        <p:cNvGrpSpPr/>
+        <p:nvPr/>
+      </p:nvGrpSpPr>
+      <p:grpSpPr>
+        <a:xfrm>
+          <a:off x="0" y="0"/>
+          <a:ext cx="0" cy="0"/>
+          <a:chOff x="0" y="0"/>
+          <a:chExt cx="0" cy="0"/>
+        </a:xfrm>
+      </p:grpSpPr>
+      <p:sp>
+        <p:nvSpPr>
+          <p:cNvPr id="2" name="Folienbildplatzhalter 1"/>
+          <p:cNvSpPr>
+            <a:spLocks noGrp="1" noRot="1" noChangeAspect="1"/>
+          </p:cNvSpPr>
+          <p:nvPr>
+            <p:ph type="sldImg"/>
+          </p:nvPr>
+        </p:nvSpPr>
+        <p:spPr/>
+      </p:sp>
+      <p:sp>
+        <p:nvSpPr>
+          <p:cNvPr id="3" name="Notizenplatzhalter 2"/>
+          <p:cNvSpPr>
+            <a:spLocks noGrp="1"/>
+          </p:cNvSpPr>
+          <p:nvPr>
+            <p:ph type="body" idx="1"/>
+          </p:nvPr>
+        </p:nvSpPr>
+        <p:spPr/>
+        <p:txBody>
+          <a:bodyPr/>
+          <a:lstStyle/>
+          <a:p>
+            <a:r>
+              <a:rPr lang="de-AT" sz="1200" kern="1200" dirty="0">
+                <a:solidFill>
+                  <a:schemeClr val="tx1"/>
+                </a:solidFill>
+                <a:effectLst/>
+                <a:latin typeface="+mn-lt"/>
+                <a:ea typeface="+mn-ea"/>
+                <a:cs typeface="+mn-cs"/>
+              </a:rPr>
+              <a:t>Soll so aufgebaut werden um Prozesse des Projektes besser planen und ausführen zu können.</a:t>
+            </a:r>
+            <a:endParaRPr lang="de-AT" dirty="0"/>
+          </a:p>
+        </p:txBody>
+      </p:sp>
+      <p:sp>
+        <p:nvSpPr>
+          <p:cNvPr id="4" name="Foliennummernplatzhalter 3"/>
+          <p:cNvSpPr>
+            <a:spLocks noGrp="1"/>
+          </p:cNvSpPr>
+          <p:nvPr>
+            <p:ph type="sldNum" sz="quarter" idx="5"/>
+          </p:nvPr>
+        </p:nvSpPr>
+        <p:spPr/>
+        <p:txBody>
+          <a:bodyPr/>
+          <a:lstStyle/>
+          <a:p>
+            <a:fld id="{2AEB9969-9D44-44F0-BD8D-D7349FF70AC4}" type="slidenum">
+              <a:rPr lang="de-AT" smtClean="0"/>
+              <a:t>15</a:t>
+            </a:fld>
+            <a:endParaRPr lang="de-AT"/>
+          </a:p>
+        </p:txBody>
+      </p:sp>
+    </p:spTree>
+    <p:extLst>
+      <p:ext uri="{BB962C8B-B14F-4D97-AF65-F5344CB8AC3E}">
+        <p14:creationId xmlns:p14="http://schemas.microsoft.com/office/powerpoint/2010/main" val="595927534"/>
+      </p:ext>
+    </p:extLst>
+  </p:cSld>
+  <p:clrMapOvr>
+    <a:masterClrMapping/>
+  </p:clrMapOvr>
+</p:notes>
+</file>
+
+<file path=ppt/notesSlides/notesSlide11.xml><?xml version="1.0" encoding="utf-8"?>
+<p:notes xmlns:a="http://schemas.openxmlformats.org/drawingml/2006/main" xmlns:r="http://schemas.openxmlformats.org/officeDocument/2006/relationships" xmlns:p="http://schemas.openxmlformats.org/presentationml/2006/main">
+  <p:cSld>
+    <p:spTree>
+      <p:nvGrpSpPr>
+        <p:cNvPr id="1" name=""/>
+        <p:cNvGrpSpPr/>
+        <p:nvPr/>
+      </p:nvGrpSpPr>
+      <p:grpSpPr>
+        <a:xfrm>
+          <a:off x="0" y="0"/>
+          <a:ext cx="0" cy="0"/>
+          <a:chOff x="0" y="0"/>
+          <a:chExt cx="0" cy="0"/>
+        </a:xfrm>
+      </p:grpSpPr>
+      <p:sp>
+        <p:nvSpPr>
+          <p:cNvPr id="2" name="Folienbildplatzhalter 1"/>
+          <p:cNvSpPr>
+            <a:spLocks noGrp="1" noRot="1" noChangeAspect="1"/>
+          </p:cNvSpPr>
+          <p:nvPr>
+            <p:ph type="sldImg"/>
+          </p:nvPr>
+        </p:nvSpPr>
+        <p:spPr/>
+      </p:sp>
+      <p:sp>
+        <p:nvSpPr>
+          <p:cNvPr id="3" name="Notizenplatzhalter 2"/>
+          <p:cNvSpPr>
+            <a:spLocks noGrp="1"/>
+          </p:cNvSpPr>
+          <p:nvPr>
+            <p:ph type="body" idx="1"/>
+          </p:nvPr>
+        </p:nvSpPr>
+        <p:spPr/>
+        <p:txBody>
+          <a:bodyPr/>
+          <a:lstStyle/>
+          <a:p>
+            <a:pPr marL="0" marR="0" lvl="0" indent="0" algn="l" defTabSz="914400" rtl="0" eaLnBrk="1" fontAlgn="auto" latinLnBrk="0" hangingPunct="1">
+              <a:lnSpc>
+                <a:spcPct val="100000"/>
+              </a:lnSpc>
+              <a:spcBef>
+                <a:spcPts val="0"/>
+              </a:spcBef>
+              <a:spcAft>
+                <a:spcPts val="0"/>
+              </a:spcAft>
+              <a:buClrTx/>
+              <a:buSzTx/>
+              <a:buFontTx/>
+              <a:buNone/>
+              <a:tabLst/>
+              <a:defRPr/>
+            </a:pPr>
+            <a:r>
+              <a:rPr lang="de-AT" sz="1200" kern="1200" dirty="0">
+                <a:solidFill>
+                  <a:schemeClr val="tx1"/>
+                </a:solidFill>
+                <a:effectLst/>
+                <a:latin typeface="+mn-lt"/>
+                <a:ea typeface="+mn-ea"/>
+                <a:cs typeface="+mn-cs"/>
+              </a:rPr>
+              <a:t>optimale Bedingungen  für das Entwickler </a:t>
+            </a:r>
+            <a:r>
+              <a:rPr lang="de-AT" sz="1200" kern="1200" dirty="0" err="1">
+                <a:solidFill>
+                  <a:schemeClr val="tx1"/>
+                </a:solidFill>
+                <a:effectLst/>
+                <a:latin typeface="+mn-lt"/>
+                <a:ea typeface="+mn-ea"/>
+                <a:cs typeface="+mn-cs"/>
+              </a:rPr>
+              <a:t>team</a:t>
+            </a:r>
+            <a:r>
+              <a:rPr lang="de-AT" sz="1200" kern="1200" dirty="0">
+                <a:solidFill>
+                  <a:schemeClr val="tx1"/>
+                </a:solidFill>
+                <a:effectLst/>
+                <a:latin typeface="+mn-lt"/>
+                <a:ea typeface="+mn-ea"/>
+                <a:cs typeface="+mn-cs"/>
+              </a:rPr>
+              <a:t> schaffen. notwendigen Tools und Methoden auszustatten.</a:t>
+            </a:r>
+          </a:p>
+          <a:p>
+            <a:endParaRPr lang="de-AT" dirty="0"/>
+          </a:p>
+        </p:txBody>
+      </p:sp>
+      <p:sp>
+        <p:nvSpPr>
+          <p:cNvPr id="4" name="Foliennummernplatzhalter 3"/>
+          <p:cNvSpPr>
+            <a:spLocks noGrp="1"/>
+          </p:cNvSpPr>
+          <p:nvPr>
+            <p:ph type="sldNum" sz="quarter" idx="5"/>
+          </p:nvPr>
+        </p:nvSpPr>
+        <p:spPr/>
+        <p:txBody>
+          <a:bodyPr/>
+          <a:lstStyle/>
+          <a:p>
+            <a:fld id="{2AEB9969-9D44-44F0-BD8D-D7349FF70AC4}" type="slidenum">
+              <a:rPr lang="de-AT" smtClean="0"/>
+              <a:t>16</a:t>
+            </a:fld>
+            <a:endParaRPr lang="de-AT"/>
+          </a:p>
+        </p:txBody>
+      </p:sp>
+    </p:spTree>
+    <p:extLst>
+      <p:ext uri="{BB962C8B-B14F-4D97-AF65-F5344CB8AC3E}">
+        <p14:creationId xmlns:p14="http://schemas.microsoft.com/office/powerpoint/2010/main" val="1406302030"/>
+      </p:ext>
+    </p:extLst>
+  </p:cSld>
+  <p:clrMapOvr>
+    <a:masterClrMapping/>
+  </p:clrMapOvr>
+</p:notes>
+</file>
+
+<file path=ppt/notesSlides/notesSlide2.xml><?xml version="1.0" encoding="utf-8"?>
+<p:notes xmlns:a="http://schemas.openxmlformats.org/drawingml/2006/main" xmlns:r="http://schemas.openxmlformats.org/officeDocument/2006/relationships" xmlns:p="http://schemas.openxmlformats.org/presentationml/2006/main">
+  <p:cSld>
+    <p:spTree>
+      <p:nvGrpSpPr>
+        <p:cNvPr id="1" name=""/>
+        <p:cNvGrpSpPr/>
+        <p:nvPr/>
+      </p:nvGrpSpPr>
+      <p:grpSpPr>
+        <a:xfrm>
+          <a:off x="0" y="0"/>
+          <a:ext cx="0" cy="0"/>
+          <a:chOff x="0" y="0"/>
+          <a:chExt cx="0" cy="0"/>
+        </a:xfrm>
+      </p:grpSpPr>
+      <p:sp>
+        <p:nvSpPr>
+          <p:cNvPr id="2" name="Folienbildplatzhalter 1"/>
+          <p:cNvSpPr>
+            <a:spLocks noGrp="1" noRot="1" noChangeAspect="1"/>
+          </p:cNvSpPr>
+          <p:nvPr>
+            <p:ph type="sldImg"/>
+          </p:nvPr>
+        </p:nvSpPr>
+        <p:spPr/>
+      </p:sp>
+      <p:sp>
+        <p:nvSpPr>
+          <p:cNvPr id="3" name="Notizenplatzhalter 2"/>
+          <p:cNvSpPr>
+            <a:spLocks noGrp="1"/>
+          </p:cNvSpPr>
+          <p:nvPr>
+            <p:ph type="body" idx="1"/>
+          </p:nvPr>
+        </p:nvSpPr>
+        <p:spPr/>
+        <p:txBody>
+          <a:bodyPr/>
+          <a:lstStyle/>
+          <a:p>
+            <a:endParaRPr lang="de-AT" dirty="0"/>
+          </a:p>
+        </p:txBody>
+      </p:sp>
+      <p:sp>
+        <p:nvSpPr>
+          <p:cNvPr id="4" name="Foliennummernplatzhalter 3"/>
+          <p:cNvSpPr>
+            <a:spLocks noGrp="1"/>
+          </p:cNvSpPr>
+          <p:nvPr>
+            <p:ph type="sldNum" sz="quarter" idx="5"/>
+          </p:nvPr>
+        </p:nvSpPr>
+        <p:spPr/>
+        <p:txBody>
+          <a:bodyPr/>
+          <a:lstStyle/>
+          <a:p>
+            <a:fld id="{2AEB9969-9D44-44F0-BD8D-D7349FF70AC4}" type="slidenum">
+              <a:rPr lang="de-AT" smtClean="0"/>
+              <a:t>3</a:t>
+            </a:fld>
+            <a:endParaRPr lang="de-AT"/>
+          </a:p>
+        </p:txBody>
+      </p:sp>
+    </p:spTree>
+    <p:extLst>
+      <p:ext uri="{BB962C8B-B14F-4D97-AF65-F5344CB8AC3E}">
+        <p14:creationId xmlns:p14="http://schemas.microsoft.com/office/powerpoint/2010/main" val="658924950"/>
+      </p:ext>
+    </p:extLst>
+  </p:cSld>
+  <p:clrMapOvr>
+    <a:masterClrMapping/>
+  </p:clrMapOvr>
+</p:notes>
+</file>
+
+<file path=ppt/notesSlides/notesSlide3.xml><?xml version="1.0" encoding="utf-8"?>
+<p:notes xmlns:a="http://schemas.openxmlformats.org/drawingml/2006/main" xmlns:r="http://schemas.openxmlformats.org/officeDocument/2006/relationships" xmlns:p="http://schemas.openxmlformats.org/presentationml/2006/main">
+  <p:cSld>
+    <p:spTree>
+      <p:nvGrpSpPr>
+        <p:cNvPr id="1" name=""/>
+        <p:cNvGrpSpPr/>
+        <p:nvPr/>
+      </p:nvGrpSpPr>
+      <p:grpSpPr>
+        <a:xfrm>
+          <a:off x="0" y="0"/>
+          <a:ext cx="0" cy="0"/>
+          <a:chOff x="0" y="0"/>
+          <a:chExt cx="0" cy="0"/>
+        </a:xfrm>
+      </p:grpSpPr>
+      <p:sp>
+        <p:nvSpPr>
+          <p:cNvPr id="2" name="Folienbildplatzhalter 1"/>
+          <p:cNvSpPr>
+            <a:spLocks noGrp="1" noRot="1" noChangeAspect="1"/>
+          </p:cNvSpPr>
+          <p:nvPr>
+            <p:ph type="sldImg"/>
+          </p:nvPr>
+        </p:nvSpPr>
+        <p:spPr/>
+      </p:sp>
+      <p:sp>
+        <p:nvSpPr>
+          <p:cNvPr id="3" name="Notizenplatzhalter 2"/>
+          <p:cNvSpPr>
+            <a:spLocks noGrp="1"/>
+          </p:cNvSpPr>
+          <p:nvPr>
+            <p:ph type="body" idx="1"/>
+          </p:nvPr>
+        </p:nvSpPr>
+        <p:spPr/>
+        <p:txBody>
+          <a:bodyPr/>
+          <a:lstStyle/>
+          <a:p>
+            <a:pPr marL="171450" indent="-171450">
+              <a:buFont typeface="Arial" panose="020B0604020202020204" pitchFamily="34" charset="0"/>
+              <a:buChar char="•"/>
+            </a:pPr>
+            <a:r>
+              <a:rPr lang="de-AT" dirty="0" err="1"/>
+              <a:t>Defines</a:t>
+            </a:r>
+            <a:r>
+              <a:rPr lang="de-AT" dirty="0"/>
+              <a:t> </a:t>
+            </a:r>
+            <a:r>
+              <a:rPr lang="de-AT" dirty="0" err="1"/>
+              <a:t>the</a:t>
+            </a:r>
+            <a:r>
+              <a:rPr lang="de-AT" dirty="0"/>
+              <a:t> </a:t>
+            </a:r>
+            <a:r>
+              <a:rPr lang="de-AT" dirty="0" err="1"/>
+              <a:t>tasks</a:t>
+            </a:r>
+            <a:r>
+              <a:rPr lang="de-AT" dirty="0"/>
+              <a:t> and </a:t>
+            </a:r>
+            <a:r>
+              <a:rPr lang="de-AT" dirty="0" err="1"/>
+              <a:t>responsibilities</a:t>
+            </a:r>
+            <a:r>
+              <a:rPr lang="de-AT" dirty="0"/>
+              <a:t> </a:t>
+            </a:r>
+            <a:r>
+              <a:rPr lang="en-US" sz="1200" kern="1200" dirty="0">
+                <a:solidFill>
+                  <a:schemeClr val="tx1"/>
+                </a:solidFill>
+                <a:effectLst/>
+                <a:latin typeface="+mn-lt"/>
+                <a:ea typeface="+mn-ea"/>
+                <a:cs typeface="+mn-cs"/>
+              </a:rPr>
+              <a:t>of a person </a:t>
+            </a:r>
+            <a:r>
+              <a:rPr lang="de-AT" dirty="0"/>
+              <a:t> </a:t>
+            </a:r>
+            <a:r>
+              <a:rPr lang="de-AT" dirty="0" err="1"/>
+              <a:t>or</a:t>
+            </a:r>
+            <a:r>
+              <a:rPr lang="de-AT" dirty="0"/>
+              <a:t> a </a:t>
+            </a:r>
+            <a:r>
+              <a:rPr lang="de-AT" dirty="0" err="1"/>
+              <a:t>team</a:t>
+            </a:r>
+            <a:r>
+              <a:rPr lang="de-AT" dirty="0"/>
+              <a:t>. </a:t>
+            </a:r>
+            <a:r>
+              <a:rPr lang="en-US" sz="1200" kern="1200" dirty="0">
+                <a:solidFill>
+                  <a:schemeClr val="tx1"/>
+                </a:solidFill>
+                <a:effectLst/>
+                <a:latin typeface="+mn-lt"/>
+                <a:ea typeface="+mn-ea"/>
+                <a:cs typeface="+mn-cs"/>
+              </a:rPr>
+              <a:t>A role performs a set of activities and is responsible for one or more artifacts.</a:t>
+            </a:r>
+            <a:endParaRPr lang="de-AT" sz="1200" kern="1200" dirty="0">
+              <a:solidFill>
+                <a:schemeClr val="tx1"/>
+              </a:solidFill>
+              <a:effectLst/>
+              <a:latin typeface="+mn-lt"/>
+              <a:ea typeface="+mn-ea"/>
+              <a:cs typeface="+mn-cs"/>
+            </a:endParaRPr>
+          </a:p>
+          <a:p>
+            <a:r>
+              <a:rPr lang="en-US" sz="1200" kern="1200" dirty="0">
+                <a:solidFill>
+                  <a:schemeClr val="tx1"/>
+                </a:solidFill>
+                <a:effectLst/>
+                <a:latin typeface="+mn-lt"/>
+                <a:ea typeface="+mn-ea"/>
+                <a:cs typeface="+mn-cs"/>
+              </a:rPr>
+              <a:t> The assignment of roles is done by the project manager.</a:t>
+            </a:r>
+            <a:endParaRPr lang="de-AT" sz="1200" kern="1200" dirty="0">
+              <a:solidFill>
+                <a:schemeClr val="tx1"/>
+              </a:solidFill>
+              <a:effectLst/>
+              <a:latin typeface="+mn-lt"/>
+              <a:ea typeface="+mn-ea"/>
+              <a:cs typeface="+mn-cs"/>
+            </a:endParaRPr>
+          </a:p>
+          <a:p>
+            <a:pPr marL="171450" indent="-171450">
+              <a:buFont typeface="Arial" panose="020B0604020202020204" pitchFamily="34" charset="0"/>
+              <a:buChar char="•"/>
+            </a:pPr>
+            <a:r>
+              <a:rPr lang="en-US" sz="1200" kern="1200" dirty="0">
+                <a:solidFill>
+                  <a:schemeClr val="tx1"/>
+                </a:solidFill>
+                <a:effectLst/>
+                <a:latin typeface="+mn-lt"/>
+                <a:ea typeface="+mn-ea"/>
+                <a:cs typeface="+mn-cs"/>
+              </a:rPr>
+              <a:t>Artifacts are documents which are created and/or used by a role during the conduction of a process. </a:t>
+            </a:r>
+            <a:endParaRPr lang="de-AT" sz="1200" kern="1200" dirty="0">
+              <a:solidFill>
+                <a:schemeClr val="tx1"/>
+              </a:solidFill>
+              <a:effectLst/>
+              <a:latin typeface="+mn-lt"/>
+              <a:ea typeface="+mn-ea"/>
+              <a:cs typeface="+mn-cs"/>
+            </a:endParaRPr>
+          </a:p>
+          <a:p>
+            <a:r>
+              <a:rPr lang="en-US" sz="1200" kern="1200" dirty="0">
+                <a:solidFill>
+                  <a:schemeClr val="tx1"/>
+                </a:solidFill>
+                <a:effectLst/>
+                <a:latin typeface="+mn-lt"/>
+                <a:ea typeface="+mn-ea"/>
+                <a:cs typeface="+mn-cs"/>
+              </a:rPr>
+              <a:t>They act as documentation or source of information. </a:t>
+            </a:r>
+            <a:endParaRPr lang="de-AT" sz="1200" kern="1200" dirty="0">
+              <a:solidFill>
+                <a:schemeClr val="tx1"/>
+              </a:solidFill>
+              <a:effectLst/>
+              <a:latin typeface="+mn-lt"/>
+              <a:ea typeface="+mn-ea"/>
+              <a:cs typeface="+mn-cs"/>
+            </a:endParaRPr>
+          </a:p>
+          <a:p>
+            <a:pPr marL="171450" indent="-171450">
+              <a:buFont typeface="Arial" panose="020B0604020202020204" pitchFamily="34" charset="0"/>
+              <a:buChar char="•"/>
+            </a:pPr>
+            <a:r>
+              <a:rPr lang="en-US" sz="1200" kern="1200" dirty="0">
+                <a:solidFill>
+                  <a:schemeClr val="tx1"/>
+                </a:solidFill>
+                <a:effectLst/>
+                <a:latin typeface="+mn-lt"/>
+                <a:ea typeface="+mn-ea"/>
+                <a:cs typeface="+mn-cs"/>
+              </a:rPr>
+              <a:t>Is a unit of work  and provides a meaningful result. Activities are assigned to certain roles and may repeat several times. </a:t>
+            </a:r>
+            <a:endParaRPr lang="de-AT" dirty="0"/>
+          </a:p>
+        </p:txBody>
+      </p:sp>
+      <p:sp>
+        <p:nvSpPr>
+          <p:cNvPr id="4" name="Foliennummernplatzhalter 3"/>
+          <p:cNvSpPr>
+            <a:spLocks noGrp="1"/>
+          </p:cNvSpPr>
+          <p:nvPr>
+            <p:ph type="sldNum" sz="quarter" idx="5"/>
+          </p:nvPr>
+        </p:nvSpPr>
+        <p:spPr/>
+        <p:txBody>
+          <a:bodyPr/>
+          <a:lstStyle/>
+          <a:p>
+            <a:fld id="{2AEB9969-9D44-44F0-BD8D-D7349FF70AC4}" type="slidenum">
+              <a:rPr lang="de-AT" smtClean="0"/>
+              <a:t>5</a:t>
+            </a:fld>
+            <a:endParaRPr lang="de-AT"/>
+          </a:p>
+        </p:txBody>
+      </p:sp>
+    </p:spTree>
+    <p:extLst>
+      <p:ext uri="{BB962C8B-B14F-4D97-AF65-F5344CB8AC3E}">
+        <p14:creationId xmlns:p14="http://schemas.microsoft.com/office/powerpoint/2010/main" val="2397274439"/>
+      </p:ext>
+    </p:extLst>
+  </p:cSld>
+  <p:clrMapOvr>
+    <a:masterClrMapping/>
+  </p:clrMapOvr>
+</p:notes>
+</file>
+
+<file path=ppt/notesSlides/notesSlide4.xml><?xml version="1.0" encoding="utf-8"?>
+<p:notes xmlns:a="http://schemas.openxmlformats.org/drawingml/2006/main" xmlns:r="http://schemas.openxmlformats.org/officeDocument/2006/relationships" xmlns:p="http://schemas.openxmlformats.org/presentationml/2006/main">
+  <p:cSld>
+    <p:spTree>
+      <p:nvGrpSpPr>
+        <p:cNvPr id="1" name=""/>
+        <p:cNvGrpSpPr/>
+        <p:nvPr/>
+      </p:nvGrpSpPr>
+      <p:grpSpPr>
+        <a:xfrm>
+          <a:off x="0" y="0"/>
+          <a:ext cx="0" cy="0"/>
+          <a:chOff x="0" y="0"/>
+          <a:chExt cx="0" cy="0"/>
+        </a:xfrm>
+      </p:grpSpPr>
+      <p:sp>
+        <p:nvSpPr>
+          <p:cNvPr id="2" name="Folienbildplatzhalter 1"/>
+          <p:cNvSpPr>
+            <a:spLocks noGrp="1" noRot="1" noChangeAspect="1"/>
+          </p:cNvSpPr>
+          <p:nvPr>
+            <p:ph type="sldImg"/>
+          </p:nvPr>
+        </p:nvSpPr>
+        <p:spPr/>
+      </p:sp>
+      <p:sp>
+        <p:nvSpPr>
+          <p:cNvPr id="3" name="Notizenplatzhalter 2"/>
+          <p:cNvSpPr>
+            <a:spLocks noGrp="1"/>
+          </p:cNvSpPr>
+          <p:nvPr>
+            <p:ph type="body" idx="1"/>
+          </p:nvPr>
+        </p:nvSpPr>
+        <p:spPr/>
+        <p:txBody>
+          <a:bodyPr/>
+          <a:lstStyle/>
+          <a:p>
+            <a:r>
+              <a:rPr lang="de-AT" dirty="0" err="1"/>
+              <a:t>Rup</a:t>
+            </a:r>
+            <a:r>
+              <a:rPr lang="de-AT" dirty="0"/>
+              <a:t> </a:t>
+            </a:r>
+            <a:r>
+              <a:rPr lang="de-AT" dirty="0" err="1"/>
+              <a:t>definert</a:t>
+            </a:r>
+            <a:r>
+              <a:rPr lang="de-AT" dirty="0"/>
+              <a:t> Core-Workflows und </a:t>
+            </a:r>
+            <a:r>
+              <a:rPr lang="de-AT" dirty="0" err="1"/>
+              <a:t>Supporting</a:t>
+            </a:r>
+            <a:r>
+              <a:rPr lang="de-AT" dirty="0"/>
+              <a:t> Workflows. </a:t>
+            </a:r>
+          </a:p>
+          <a:p>
+            <a:r>
+              <a:rPr lang="de-AT" dirty="0"/>
+              <a:t>Core </a:t>
+            </a:r>
+            <a:r>
+              <a:rPr lang="de-AT" dirty="0">
+                <a:sym typeface="Wingdings" panose="05000000000000000000" pitchFamily="2" charset="2"/>
+              </a:rPr>
+              <a:t> decken fachlichen und technischen Bereiche ab</a:t>
+            </a:r>
+          </a:p>
+          <a:p>
+            <a:r>
+              <a:rPr lang="de-AT" dirty="0" err="1">
+                <a:sym typeface="Wingdings" panose="05000000000000000000" pitchFamily="2" charset="2"/>
+              </a:rPr>
+              <a:t>Sup</a:t>
+            </a:r>
+            <a:r>
+              <a:rPr lang="de-AT" dirty="0">
+                <a:sym typeface="Wingdings" panose="05000000000000000000" pitchFamily="2" charset="2"/>
+              </a:rPr>
+              <a:t>  Tätigkeiten die unabhängig im ganzen Prozess </a:t>
+            </a:r>
+            <a:r>
+              <a:rPr lang="de-AT" dirty="0" err="1">
+                <a:sym typeface="Wingdings" panose="05000000000000000000" pitchFamily="2" charset="2"/>
+              </a:rPr>
+              <a:t>durhczuführen</a:t>
+            </a:r>
+            <a:r>
+              <a:rPr lang="de-AT" dirty="0">
+                <a:sym typeface="Wingdings" panose="05000000000000000000" pitchFamily="2" charset="2"/>
+              </a:rPr>
+              <a:t> sind</a:t>
+            </a:r>
+          </a:p>
+          <a:p>
+            <a:endParaRPr lang="de-AT" dirty="0"/>
+          </a:p>
+        </p:txBody>
+      </p:sp>
+      <p:sp>
+        <p:nvSpPr>
+          <p:cNvPr id="4" name="Foliennummernplatzhalter 3"/>
+          <p:cNvSpPr>
+            <a:spLocks noGrp="1"/>
+          </p:cNvSpPr>
+          <p:nvPr>
+            <p:ph type="sldNum" sz="quarter" idx="5"/>
+          </p:nvPr>
+        </p:nvSpPr>
+        <p:spPr/>
+        <p:txBody>
+          <a:bodyPr/>
+          <a:lstStyle/>
+          <a:p>
+            <a:fld id="{2AEB9969-9D44-44F0-BD8D-D7349FF70AC4}" type="slidenum">
+              <a:rPr lang="de-AT" smtClean="0"/>
+              <a:t>7</a:t>
+            </a:fld>
+            <a:endParaRPr lang="de-AT"/>
+          </a:p>
+        </p:txBody>
+      </p:sp>
+    </p:spTree>
+    <p:extLst>
+      <p:ext uri="{BB962C8B-B14F-4D97-AF65-F5344CB8AC3E}">
+        <p14:creationId xmlns:p14="http://schemas.microsoft.com/office/powerpoint/2010/main" val="13996889"/>
+      </p:ext>
+    </p:extLst>
+  </p:cSld>
+  <p:clrMapOvr>
+    <a:masterClrMapping/>
+  </p:clrMapOvr>
+</p:notes>
+</file>
+
+<file path=ppt/notesSlides/notesSlide5.xml><?xml version="1.0" encoding="utf-8"?>
+<p:notes xmlns:a="http://schemas.openxmlformats.org/drawingml/2006/main" xmlns:r="http://schemas.openxmlformats.org/officeDocument/2006/relationships" xmlns:p="http://schemas.openxmlformats.org/presentationml/2006/main">
+  <p:cSld>
+    <p:spTree>
+      <p:nvGrpSpPr>
+        <p:cNvPr id="1" name=""/>
+        <p:cNvGrpSpPr/>
+        <p:nvPr/>
+      </p:nvGrpSpPr>
+      <p:grpSpPr>
+        <a:xfrm>
+          <a:off x="0" y="0"/>
+          <a:ext cx="0" cy="0"/>
+          <a:chOff x="0" y="0"/>
+          <a:chExt cx="0" cy="0"/>
+        </a:xfrm>
+      </p:grpSpPr>
+      <p:sp>
+        <p:nvSpPr>
+          <p:cNvPr id="2" name="Folienbildplatzhalter 1"/>
+          <p:cNvSpPr>
+            <a:spLocks noGrp="1" noRot="1" noChangeAspect="1"/>
+          </p:cNvSpPr>
+          <p:nvPr>
+            <p:ph type="sldImg"/>
+          </p:nvPr>
+        </p:nvSpPr>
+        <p:spPr/>
+      </p:sp>
+      <p:sp>
+        <p:nvSpPr>
+          <p:cNvPr id="3" name="Notizenplatzhalter 2"/>
+          <p:cNvSpPr>
+            <a:spLocks noGrp="1"/>
+          </p:cNvSpPr>
+          <p:nvPr>
+            <p:ph type="body" idx="1"/>
+          </p:nvPr>
+        </p:nvSpPr>
+        <p:spPr/>
+        <p:txBody>
+          <a:bodyPr/>
+          <a:lstStyle/>
+          <a:p>
+            <a:r>
+              <a:rPr lang="de-AT" sz="1200" kern="1200" dirty="0">
+                <a:solidFill>
+                  <a:schemeClr val="tx1"/>
+                </a:solidFill>
+                <a:effectLst/>
+                <a:latin typeface="+mn-lt"/>
+                <a:ea typeface="+mn-ea"/>
+                <a:cs typeface="+mn-cs"/>
+              </a:rPr>
+              <a:t>Verständnis des Geschäftsprozesses sowie für das Umfeld in dem das </a:t>
+            </a:r>
+            <a:r>
+              <a:rPr lang="de-AT" sz="1200" kern="1200" dirty="0" err="1">
+                <a:solidFill>
+                  <a:schemeClr val="tx1"/>
+                </a:solidFill>
+                <a:effectLst/>
+                <a:latin typeface="+mn-lt"/>
+                <a:ea typeface="+mn-ea"/>
+                <a:cs typeface="+mn-cs"/>
+              </a:rPr>
+              <a:t>Sytem</a:t>
+            </a:r>
+            <a:r>
+              <a:rPr lang="de-AT" sz="1200" kern="1200" dirty="0">
+                <a:solidFill>
+                  <a:schemeClr val="tx1"/>
+                </a:solidFill>
+                <a:effectLst/>
+                <a:latin typeface="+mn-lt"/>
+                <a:ea typeface="+mn-ea"/>
+                <a:cs typeface="+mn-cs"/>
+              </a:rPr>
+              <a:t> eingesetzt werden soll. Verbesserungspotentiale</a:t>
+            </a:r>
+            <a:endParaRPr lang="de-AT" dirty="0"/>
+          </a:p>
+        </p:txBody>
+      </p:sp>
+      <p:sp>
+        <p:nvSpPr>
+          <p:cNvPr id="4" name="Foliennummernplatzhalter 3"/>
+          <p:cNvSpPr>
+            <a:spLocks noGrp="1"/>
+          </p:cNvSpPr>
+          <p:nvPr>
+            <p:ph type="sldNum" sz="quarter" idx="5"/>
+          </p:nvPr>
+        </p:nvSpPr>
+        <p:spPr/>
+        <p:txBody>
+          <a:bodyPr/>
+          <a:lstStyle/>
+          <a:p>
+            <a:fld id="{2AEB9969-9D44-44F0-BD8D-D7349FF70AC4}" type="slidenum">
+              <a:rPr lang="de-AT" smtClean="0"/>
+              <a:t>8</a:t>
+            </a:fld>
+            <a:endParaRPr lang="de-AT"/>
+          </a:p>
+        </p:txBody>
+      </p:sp>
+    </p:spTree>
+    <p:extLst>
+      <p:ext uri="{BB962C8B-B14F-4D97-AF65-F5344CB8AC3E}">
+        <p14:creationId xmlns:p14="http://schemas.microsoft.com/office/powerpoint/2010/main" val="1235127471"/>
+      </p:ext>
+    </p:extLst>
+  </p:cSld>
+  <p:clrMapOvr>
+    <a:masterClrMapping/>
+  </p:clrMapOvr>
+</p:notes>
+</file>
+
+<file path=ppt/notesSlides/notesSlide6.xml><?xml version="1.0" encoding="utf-8"?>
+<p:notes xmlns:a="http://schemas.openxmlformats.org/drawingml/2006/main" xmlns:r="http://schemas.openxmlformats.org/officeDocument/2006/relationships" xmlns:p="http://schemas.openxmlformats.org/presentationml/2006/main">
+  <p:cSld>
+    <p:spTree>
+      <p:nvGrpSpPr>
+        <p:cNvPr id="1" name=""/>
+        <p:cNvGrpSpPr/>
+        <p:nvPr/>
+      </p:nvGrpSpPr>
+      <p:grpSpPr>
+        <a:xfrm>
+          <a:off x="0" y="0"/>
+          <a:ext cx="0" cy="0"/>
+          <a:chOff x="0" y="0"/>
+          <a:chExt cx="0" cy="0"/>
+        </a:xfrm>
+      </p:grpSpPr>
+      <p:sp>
+        <p:nvSpPr>
+          <p:cNvPr id="2" name="Folienbildplatzhalter 1"/>
+          <p:cNvSpPr>
+            <a:spLocks noGrp="1" noRot="1" noChangeAspect="1"/>
+          </p:cNvSpPr>
+          <p:nvPr>
+            <p:ph type="sldImg"/>
+          </p:nvPr>
+        </p:nvSpPr>
+        <p:spPr/>
+      </p:sp>
+      <p:sp>
+        <p:nvSpPr>
+          <p:cNvPr id="3" name="Notizenplatzhalter 2"/>
+          <p:cNvSpPr>
+            <a:spLocks noGrp="1"/>
+          </p:cNvSpPr>
+          <p:nvPr>
+            <p:ph type="body" idx="1"/>
+          </p:nvPr>
+        </p:nvSpPr>
+        <p:spPr/>
+        <p:txBody>
+          <a:bodyPr/>
+          <a:lstStyle/>
+          <a:p>
+            <a:r>
+              <a:rPr lang="de-AT" sz="1200" kern="1200" dirty="0">
+                <a:solidFill>
+                  <a:schemeClr val="tx1"/>
+                </a:solidFill>
+                <a:effectLst/>
+                <a:latin typeface="+mn-lt"/>
+                <a:ea typeface="+mn-ea"/>
+                <a:cs typeface="+mn-cs"/>
+              </a:rPr>
+              <a:t>Kunden sowie den Stakeholdern darauf zu einigen welche Funktion. </a:t>
+            </a:r>
+            <a:endParaRPr lang="de-AT" dirty="0"/>
+          </a:p>
+        </p:txBody>
+      </p:sp>
+      <p:sp>
+        <p:nvSpPr>
+          <p:cNvPr id="4" name="Foliennummernplatzhalter 3"/>
+          <p:cNvSpPr>
+            <a:spLocks noGrp="1"/>
+          </p:cNvSpPr>
+          <p:nvPr>
+            <p:ph type="sldNum" sz="quarter" idx="5"/>
+          </p:nvPr>
+        </p:nvSpPr>
+        <p:spPr/>
+        <p:txBody>
+          <a:bodyPr/>
+          <a:lstStyle/>
+          <a:p>
+            <a:fld id="{2AEB9969-9D44-44F0-BD8D-D7349FF70AC4}" type="slidenum">
+              <a:rPr lang="de-AT" smtClean="0"/>
+              <a:t>9</a:t>
+            </a:fld>
+            <a:endParaRPr lang="de-AT"/>
+          </a:p>
+        </p:txBody>
+      </p:sp>
+    </p:spTree>
+    <p:extLst>
+      <p:ext uri="{BB962C8B-B14F-4D97-AF65-F5344CB8AC3E}">
+        <p14:creationId xmlns:p14="http://schemas.microsoft.com/office/powerpoint/2010/main" val="444259678"/>
+      </p:ext>
+    </p:extLst>
+  </p:cSld>
+  <p:clrMapOvr>
+    <a:masterClrMapping/>
+  </p:clrMapOvr>
+</p:notes>
+</file>
+
+<file path=ppt/notesSlides/notesSlide7.xml><?xml version="1.0" encoding="utf-8"?>
+<p:notes xmlns:a="http://schemas.openxmlformats.org/drawingml/2006/main" xmlns:r="http://schemas.openxmlformats.org/officeDocument/2006/relationships" xmlns:p="http://schemas.openxmlformats.org/presentationml/2006/main">
+  <p:cSld>
+    <p:spTree>
+      <p:nvGrpSpPr>
+        <p:cNvPr id="1" name=""/>
+        <p:cNvGrpSpPr/>
+        <p:nvPr/>
+      </p:nvGrpSpPr>
+      <p:grpSpPr>
+        <a:xfrm>
+          <a:off x="0" y="0"/>
+          <a:ext cx="0" cy="0"/>
+          <a:chOff x="0" y="0"/>
+          <a:chExt cx="0" cy="0"/>
+        </a:xfrm>
+      </p:grpSpPr>
+      <p:sp>
+        <p:nvSpPr>
+          <p:cNvPr id="2" name="Folienbildplatzhalter 1"/>
+          <p:cNvSpPr>
+            <a:spLocks noGrp="1" noRot="1" noChangeAspect="1"/>
+          </p:cNvSpPr>
+          <p:nvPr>
+            <p:ph type="sldImg"/>
+          </p:nvPr>
+        </p:nvSpPr>
+        <p:spPr/>
+      </p:sp>
+      <p:sp>
+        <p:nvSpPr>
+          <p:cNvPr id="3" name="Notizenplatzhalter 2"/>
+          <p:cNvSpPr>
+            <a:spLocks noGrp="1"/>
+          </p:cNvSpPr>
+          <p:nvPr>
+            <p:ph type="body" idx="1"/>
+          </p:nvPr>
+        </p:nvSpPr>
+        <p:spPr/>
+        <p:txBody>
+          <a:bodyPr/>
+          <a:lstStyle/>
+          <a:p>
+            <a:r>
+              <a:rPr lang="de-AT" sz="1200" kern="1200" dirty="0">
+                <a:solidFill>
+                  <a:schemeClr val="tx1"/>
+                </a:solidFill>
+                <a:effectLst/>
+                <a:latin typeface="+mn-lt"/>
+                <a:ea typeface="+mn-ea"/>
+                <a:cs typeface="+mn-cs"/>
+              </a:rPr>
+              <a:t>Hierbei wird aus den Anforderungen das eigentliche System abgeleitet. Statisch Analyse Model: dynamischen Sicht</a:t>
+            </a:r>
+            <a:endParaRPr lang="de-AT" dirty="0"/>
+          </a:p>
+        </p:txBody>
+      </p:sp>
+      <p:sp>
+        <p:nvSpPr>
+          <p:cNvPr id="4" name="Foliennummernplatzhalter 3"/>
+          <p:cNvSpPr>
+            <a:spLocks noGrp="1"/>
+          </p:cNvSpPr>
+          <p:nvPr>
+            <p:ph type="sldNum" sz="quarter" idx="5"/>
+          </p:nvPr>
+        </p:nvSpPr>
+        <p:spPr/>
+        <p:txBody>
+          <a:bodyPr/>
+          <a:lstStyle/>
+          <a:p>
+            <a:fld id="{2AEB9969-9D44-44F0-BD8D-D7349FF70AC4}" type="slidenum">
+              <a:rPr lang="de-AT" smtClean="0"/>
+              <a:t>10</a:t>
+            </a:fld>
+            <a:endParaRPr lang="de-AT"/>
+          </a:p>
+        </p:txBody>
+      </p:sp>
+    </p:spTree>
+    <p:extLst>
+      <p:ext uri="{BB962C8B-B14F-4D97-AF65-F5344CB8AC3E}">
+        <p14:creationId xmlns:p14="http://schemas.microsoft.com/office/powerpoint/2010/main" val="698582164"/>
+      </p:ext>
+    </p:extLst>
+  </p:cSld>
+  <p:clrMapOvr>
+    <a:masterClrMapping/>
+  </p:clrMapOvr>
+</p:notes>
+</file>
+
+<file path=ppt/notesSlides/notesSlide8.xml><?xml version="1.0" encoding="utf-8"?>
+<p:notes xmlns:a="http://schemas.openxmlformats.org/drawingml/2006/main" xmlns:r="http://schemas.openxmlformats.org/officeDocument/2006/relationships" xmlns:p="http://schemas.openxmlformats.org/presentationml/2006/main">
+  <p:cSld>
+    <p:spTree>
+      <p:nvGrpSpPr>
+        <p:cNvPr id="1" name=""/>
+        <p:cNvGrpSpPr/>
+        <p:nvPr/>
+      </p:nvGrpSpPr>
+      <p:grpSpPr>
+        <a:xfrm>
+          <a:off x="0" y="0"/>
+          <a:ext cx="0" cy="0"/>
+          <a:chOff x="0" y="0"/>
+          <a:chExt cx="0" cy="0"/>
+        </a:xfrm>
+      </p:grpSpPr>
+      <p:sp>
+        <p:nvSpPr>
+          <p:cNvPr id="2" name="Folienbildplatzhalter 1"/>
+          <p:cNvSpPr>
+            <a:spLocks noGrp="1" noRot="1" noChangeAspect="1"/>
+          </p:cNvSpPr>
+          <p:nvPr>
+            <p:ph type="sldImg"/>
+          </p:nvPr>
+        </p:nvSpPr>
+        <p:spPr/>
+      </p:sp>
+      <p:sp>
+        <p:nvSpPr>
+          <p:cNvPr id="3" name="Notizenplatzhalter 2"/>
+          <p:cNvSpPr>
+            <a:spLocks noGrp="1"/>
+          </p:cNvSpPr>
+          <p:nvPr>
+            <p:ph type="body" idx="1"/>
+          </p:nvPr>
+        </p:nvSpPr>
+        <p:spPr/>
+        <p:txBody>
+          <a:bodyPr/>
+          <a:lstStyle/>
+          <a:p>
+            <a:r>
+              <a:rPr lang="de-AT" sz="1200" kern="1200" dirty="0">
+                <a:solidFill>
+                  <a:schemeClr val="tx1"/>
+                </a:solidFill>
+                <a:effectLst/>
+                <a:latin typeface="+mn-lt"/>
+                <a:ea typeface="+mn-ea"/>
+                <a:cs typeface="+mn-cs"/>
+              </a:rPr>
+              <a:t>die tatsächliche Implementierung ; ausreichende Planung</a:t>
+            </a:r>
+            <a:endParaRPr lang="de-AT" dirty="0"/>
+          </a:p>
+        </p:txBody>
+      </p:sp>
+      <p:sp>
+        <p:nvSpPr>
+          <p:cNvPr id="4" name="Foliennummernplatzhalter 3"/>
+          <p:cNvSpPr>
+            <a:spLocks noGrp="1"/>
+          </p:cNvSpPr>
+          <p:nvPr>
+            <p:ph type="sldNum" sz="quarter" idx="5"/>
+          </p:nvPr>
+        </p:nvSpPr>
+        <p:spPr/>
+        <p:txBody>
+          <a:bodyPr/>
+          <a:lstStyle/>
+          <a:p>
+            <a:fld id="{2AEB9969-9D44-44F0-BD8D-D7349FF70AC4}" type="slidenum">
+              <a:rPr lang="de-AT" smtClean="0"/>
+              <a:t>11</a:t>
+            </a:fld>
+            <a:endParaRPr lang="de-AT"/>
+          </a:p>
+        </p:txBody>
+      </p:sp>
+    </p:spTree>
+    <p:extLst>
+      <p:ext uri="{BB962C8B-B14F-4D97-AF65-F5344CB8AC3E}">
+        <p14:creationId xmlns:p14="http://schemas.microsoft.com/office/powerpoint/2010/main" val="820993577"/>
+      </p:ext>
+    </p:extLst>
+  </p:cSld>
+  <p:clrMapOvr>
+    <a:masterClrMapping/>
+  </p:clrMapOvr>
+</p:notes>
+</file>
+
+<file path=ppt/notesSlides/notesSlide9.xml><?xml version="1.0" encoding="utf-8"?>
+<p:notes xmlns:a="http://schemas.openxmlformats.org/drawingml/2006/main" xmlns:r="http://schemas.openxmlformats.org/officeDocument/2006/relationships" xmlns:p="http://schemas.openxmlformats.org/presentationml/2006/main">
+  <p:cSld>
+    <p:spTree>
+      <p:nvGrpSpPr>
+        <p:cNvPr id="1" name=""/>
+        <p:cNvGrpSpPr/>
+        <p:nvPr/>
+      </p:nvGrpSpPr>
+      <p:grpSpPr>
+        <a:xfrm>
+          <a:off x="0" y="0"/>
+          <a:ext cx="0" cy="0"/>
+          <a:chOff x="0" y="0"/>
+          <a:chExt cx="0" cy="0"/>
+        </a:xfrm>
+      </p:grpSpPr>
+      <p:sp>
+        <p:nvSpPr>
+          <p:cNvPr id="2" name="Folienbildplatzhalter 1"/>
+          <p:cNvSpPr>
+            <a:spLocks noGrp="1" noRot="1" noChangeAspect="1"/>
+          </p:cNvSpPr>
+          <p:nvPr>
+            <p:ph type="sldImg"/>
+          </p:nvPr>
+        </p:nvSpPr>
+        <p:spPr/>
+      </p:sp>
+      <p:sp>
+        <p:nvSpPr>
+          <p:cNvPr id="3" name="Notizenplatzhalter 2"/>
+          <p:cNvSpPr>
+            <a:spLocks noGrp="1"/>
+          </p:cNvSpPr>
+          <p:nvPr>
+            <p:ph type="body" idx="1"/>
+          </p:nvPr>
+        </p:nvSpPr>
+        <p:spPr/>
+        <p:txBody>
+          <a:bodyPr/>
+          <a:lstStyle/>
+          <a:p>
+            <a:r>
+              <a:rPr lang="de-AT" dirty="0" err="1"/>
+              <a:t>Supporting</a:t>
+            </a:r>
+            <a:r>
+              <a:rPr lang="de-AT" dirty="0"/>
+              <a:t> </a:t>
+            </a:r>
+            <a:r>
+              <a:rPr lang="de-AT" dirty="0" err="1"/>
+              <a:t>workflows</a:t>
+            </a:r>
+            <a:r>
+              <a:rPr lang="de-AT" dirty="0"/>
+              <a:t>.</a:t>
+            </a:r>
+          </a:p>
+        </p:txBody>
+      </p:sp>
+      <p:sp>
+        <p:nvSpPr>
+          <p:cNvPr id="4" name="Foliennummernplatzhalter 3"/>
+          <p:cNvSpPr>
+            <a:spLocks noGrp="1"/>
+          </p:cNvSpPr>
+          <p:nvPr>
+            <p:ph type="sldNum" sz="quarter" idx="5"/>
+          </p:nvPr>
+        </p:nvSpPr>
+        <p:spPr/>
+        <p:txBody>
+          <a:bodyPr/>
+          <a:lstStyle/>
+          <a:p>
+            <a:fld id="{2AEB9969-9D44-44F0-BD8D-D7349FF70AC4}" type="slidenum">
+              <a:rPr lang="de-AT" smtClean="0"/>
+              <a:t>14</a:t>
+            </a:fld>
+            <a:endParaRPr lang="de-AT"/>
+          </a:p>
+        </p:txBody>
+      </p:sp>
+    </p:spTree>
+    <p:extLst>
+      <p:ext uri="{BB962C8B-B14F-4D97-AF65-F5344CB8AC3E}">
+        <p14:creationId xmlns:p14="http://schemas.microsoft.com/office/powerpoint/2010/main" val="844394704"/>
+      </p:ext>
+    </p:extLst>
+  </p:cSld>
+  <p:clrMapOvr>
+    <a:masterClrMapping/>
+  </p:clrMapOvr>
+</p:notes>
+</file>
+
 <file path=ppt/slideLayouts/slideLayout1.xml><?xml version="1.0" encoding="utf-8"?>
 <p:sldLayout xmlns:a="http://schemas.openxmlformats.org/drawingml/2006/main" xmlns:r="http://schemas.openxmlformats.org/officeDocument/2006/relationships" xmlns:p="http://schemas.openxmlformats.org/presentationml/2006/main" showMasterSp="0" type="title" preserve="1">
   <p:cSld name="Titelfolie">
@@ -885,7 +2206,7 @@
           <a:p>
             <a:fld id="{2B78E572-6681-4613-BA56-31DF6253D41F}" type="datetime1">
               <a:rPr lang="en-US" smtClean="0"/>
-              <a:t>1/20/2019</a:t>
+              <a:t>1/30/2019</a:t>
             </a:fld>
             <a:endParaRPr lang="en-US" dirty="0"/>
           </a:p>
@@ -1064,7 +2385,7 @@
           <a:p>
             <a:fld id="{E942FA90-817C-4126-90FE-F1B12B0CD69F}" type="datetime1">
               <a:rPr lang="en-US" smtClean="0"/>
-              <a:t>1/20/2019</a:t>
+              <a:t>1/30/2019</a:t>
             </a:fld>
             <a:endParaRPr lang="en-US" dirty="0"/>
           </a:p>
@@ -1243,7 +2564,7 @@
           <a:p>
             <a:fld id="{6E22E8FC-463B-45C7-B195-E38616DC723C}" type="datetime1">
               <a:rPr lang="en-US" smtClean="0"/>
-              <a:t>1/20/2019</a:t>
+              <a:t>1/30/2019</a:t>
             </a:fld>
             <a:endParaRPr lang="en-US" dirty="0"/>
           </a:p>
@@ -1412,7 +2733,7 @@
           <a:p>
             <a:fld id="{B4AED72E-72A5-45A4-946A-9AF7C319B42E}" type="datetime1">
               <a:rPr lang="en-US" smtClean="0"/>
-              <a:t>1/20/2019</a:t>
+              <a:t>1/30/2019</a:t>
             </a:fld>
             <a:endParaRPr lang="en-US" dirty="0"/>
           </a:p>
@@ -1724,7 +3045,7 @@
           <a:p>
             <a:fld id="{6E5988AD-1020-446D-B0FC-EAD7B2D1F57C}" type="datetime1">
               <a:rPr lang="en-US" smtClean="0"/>
-              <a:t>1/20/2019</a:t>
+              <a:t>1/30/2019</a:t>
             </a:fld>
             <a:endParaRPr lang="en-US" dirty="0"/>
           </a:p>
@@ -2110,7 +3431,7 @@
           <a:p>
             <a:fld id="{D12D2CF6-4C3A-4D44-B879-D030ADC17370}" type="datetime1">
               <a:rPr lang="en-US" smtClean="0"/>
-              <a:t>1/20/2019</a:t>
+              <a:t>1/30/2019</a:t>
             </a:fld>
             <a:endParaRPr lang="en-US" dirty="0"/>
           </a:p>
@@ -2543,7 +3864,7 @@
           <a:p>
             <a:fld id="{5E14DF7B-3A62-4AE1-B493-8E30E2AF6B78}" type="datetime1">
               <a:rPr lang="en-US" smtClean="0"/>
-              <a:t>1/20/2019</a:t>
+              <a:t>1/30/2019</a:t>
             </a:fld>
             <a:endParaRPr lang="en-US" dirty="0"/>
           </a:p>
@@ -2660,7 +3981,7 @@
           <a:p>
             <a:fld id="{DA3A12B3-85A0-4E06-BEBF-98DFBA88661D}" type="datetime1">
               <a:rPr lang="en-US" smtClean="0"/>
-              <a:t>1/20/2019</a:t>
+              <a:t>1/30/2019</a:t>
             </a:fld>
             <a:endParaRPr lang="en-US" dirty="0"/>
           </a:p>
@@ -2754,7 +4075,7 @@
           <a:p>
             <a:fld id="{85AAAC63-3830-44DE-B1AC-FEB846BF6E30}" type="datetime1">
               <a:rPr lang="en-US" smtClean="0"/>
-              <a:t>1/20/2019</a:t>
+              <a:t>1/30/2019</a:t>
             </a:fld>
             <a:endParaRPr lang="en-US" dirty="0"/>
           </a:p>
@@ -3103,7 +4424,7 @@
           <a:p>
             <a:fld id="{AA430958-EAEF-410C-9B7D-3B56E6078777}" type="datetime1">
               <a:rPr lang="en-US" smtClean="0"/>
-              <a:t>1/20/2019</a:t>
+              <a:t>1/30/2019</a:t>
             </a:fld>
             <a:endParaRPr lang="en-US" dirty="0"/>
           </a:p>
@@ -3527,7 +4848,7 @@
           <a:p>
             <a:fld id="{2C50522E-E79B-48CE-B86A-B489C8F2C612}" type="datetime1">
               <a:rPr lang="en-US" smtClean="0"/>
-              <a:t>1/20/2019</a:t>
+              <a:t>1/30/2019</a:t>
             </a:fld>
             <a:endParaRPr lang="en-US" dirty="0"/>
           </a:p>
@@ -3803,7 +5124,7 @@
           <a:p>
             <a:fld id="{67A8461F-B33F-41B6-994C-03450D2B2387}" type="datetime1">
               <a:rPr lang="en-US" smtClean="0"/>
-              <a:t>1/20/2019</a:t>
+              <a:t>1/30/2019</a:t>
             </a:fld>
             <a:endParaRPr lang="en-US" dirty="0"/>
           </a:p>
@@ -4582,7 +5903,7 @@
           <p:nvPr/>
         </p:nvPicPr>
         <p:blipFill>
-          <a:blip r:embed="rId2">
+          <a:blip r:embed="rId3">
             <a:extLst>
               <a:ext uri="{28A0092B-C50C-407E-A947-70E740481C1C}">
                 <a14:useLocalDpi xmlns:a14="http://schemas.microsoft.com/office/drawing/2010/main" val="0"/>
@@ -4709,6 +6030,511 @@
           </a:p>
         </p:txBody>
       </p:sp>
+      <p:graphicFrame>
+        <p:nvGraphicFramePr>
+          <p:cNvPr id="4" name="Tabelle 3">
+            <a:extLst>
+              <a:ext uri="{FF2B5EF4-FFF2-40B4-BE49-F238E27FC236}">
+                <a16:creationId xmlns:a16="http://schemas.microsoft.com/office/drawing/2014/main" id="{7D242230-5BDC-40F3-8A78-C01FD14B1538}"/>
+              </a:ext>
+            </a:extLst>
+          </p:cNvPr>
+          <p:cNvGraphicFramePr>
+            <a:graphicFrameLocks noGrp="1"/>
+          </p:cNvGraphicFramePr>
+          <p:nvPr>
+            <p:extLst>
+              <p:ext uri="{D42A27DB-BD31-4B8C-83A1-F6EECF244321}">
+                <p14:modId xmlns:p14="http://schemas.microsoft.com/office/powerpoint/2010/main" val="1887751437"/>
+              </p:ext>
+            </p:extLst>
+          </p:nvPr>
+        </p:nvGraphicFramePr>
+        <p:xfrm>
+          <a:off x="1137373" y="2598397"/>
+          <a:ext cx="4487602" cy="3464195"/>
+        </p:xfrm>
+        <a:graphic>
+          <a:graphicData uri="http://schemas.openxmlformats.org/drawingml/2006/table">
+            <a:tbl>
+              <a:tblPr firstRow="1" firstCol="1" bandRow="1">
+                <a:tableStyleId>{5C22544A-7EE6-4342-B048-85BDC9FD1C3A}</a:tableStyleId>
+              </a:tblPr>
+              <a:tblGrid>
+                <a:gridCol w="2243533">
+                  <a:extLst>
+                    <a:ext uri="{9D8B030D-6E8A-4147-A177-3AD203B41FA5}">
+                      <a16:colId xmlns:a16="http://schemas.microsoft.com/office/drawing/2014/main" val="3566551849"/>
+                    </a:ext>
+                  </a:extLst>
+                </a:gridCol>
+                <a:gridCol w="2244069">
+                  <a:extLst>
+                    <a:ext uri="{9D8B030D-6E8A-4147-A177-3AD203B41FA5}">
+                      <a16:colId xmlns:a16="http://schemas.microsoft.com/office/drawing/2014/main" val="2854126714"/>
+                    </a:ext>
+                  </a:extLst>
+                </a:gridCol>
+              </a:tblGrid>
+              <a:tr h="254725">
+                <a:tc>
+                  <a:txBody>
+                    <a:bodyPr/>
+                    <a:lstStyle/>
+                    <a:p>
+                      <a:pPr marL="21590">
+                        <a:lnSpc>
+                          <a:spcPct val="107000"/>
+                        </a:lnSpc>
+                        <a:spcAft>
+                          <a:spcPts val="800"/>
+                        </a:spcAft>
+                      </a:pPr>
+                      <a:r>
+                        <a:rPr lang="de-AT" sz="1400">
+                          <a:effectLst/>
+                        </a:rPr>
+                        <a:t>Use Case Model</a:t>
+                      </a:r>
+                      <a:endParaRPr lang="de-AT" sz="1400">
+                        <a:effectLst/>
+                        <a:latin typeface="Calibri" panose="020F0502020204030204" pitchFamily="34" charset="0"/>
+                        <a:ea typeface="Times New Roman" panose="02020603050405020304" pitchFamily="18" charset="0"/>
+                        <a:cs typeface="Times New Roman" panose="02020603050405020304" pitchFamily="18" charset="0"/>
+                      </a:endParaRPr>
+                    </a:p>
+                  </a:txBody>
+                  <a:tcPr marL="68580" marR="68580" marT="0" marB="0"/>
+                </a:tc>
+                <a:tc>
+                  <a:txBody>
+                    <a:bodyPr/>
+                    <a:lstStyle/>
+                    <a:p>
+                      <a:pPr>
+                        <a:lnSpc>
+                          <a:spcPct val="107000"/>
+                        </a:lnSpc>
+                        <a:spcAft>
+                          <a:spcPts val="800"/>
+                        </a:spcAft>
+                      </a:pPr>
+                      <a:r>
+                        <a:rPr lang="de-AT" sz="1400" dirty="0">
+                          <a:effectLst/>
+                        </a:rPr>
+                        <a:t>Analyse Model</a:t>
+                      </a:r>
+                      <a:endParaRPr lang="de-AT" sz="1400" dirty="0">
+                        <a:effectLst/>
+                        <a:latin typeface="Calibri" panose="020F0502020204030204" pitchFamily="34" charset="0"/>
+                        <a:ea typeface="Times New Roman" panose="02020603050405020304" pitchFamily="18" charset="0"/>
+                        <a:cs typeface="Times New Roman" panose="02020603050405020304" pitchFamily="18" charset="0"/>
+                      </a:endParaRPr>
+                    </a:p>
+                  </a:txBody>
+                  <a:tcPr marL="68580" marR="68580" marT="0" marB="0"/>
+                </a:tc>
+                <a:extLst>
+                  <a:ext uri="{0D108BD9-81ED-4DB2-BD59-A6C34878D82A}">
+                    <a16:rowId xmlns:a16="http://schemas.microsoft.com/office/drawing/2014/main" val="3264573169"/>
+                  </a:ext>
+                </a:extLst>
+              </a:tr>
+              <a:tr h="522634">
+                <a:tc>
+                  <a:txBody>
+                    <a:bodyPr/>
+                    <a:lstStyle/>
+                    <a:p>
+                      <a:pPr marL="21590">
+                        <a:lnSpc>
+                          <a:spcPct val="107000"/>
+                        </a:lnSpc>
+                        <a:spcAft>
+                          <a:spcPts val="800"/>
+                        </a:spcAft>
+                      </a:pPr>
+                      <a:r>
+                        <a:rPr lang="de-AT" sz="1400" dirty="0">
+                          <a:effectLst/>
+                        </a:rPr>
+                        <a:t>Sprache des Kunden</a:t>
+                      </a:r>
+                      <a:endParaRPr lang="de-AT" sz="1400" dirty="0">
+                        <a:effectLst/>
+                        <a:latin typeface="Calibri" panose="020F0502020204030204" pitchFamily="34" charset="0"/>
+                        <a:ea typeface="Times New Roman" panose="02020603050405020304" pitchFamily="18" charset="0"/>
+                        <a:cs typeface="Times New Roman" panose="02020603050405020304" pitchFamily="18" charset="0"/>
+                      </a:endParaRPr>
+                    </a:p>
+                  </a:txBody>
+                  <a:tcPr marL="68580" marR="68580" marT="0" marB="0"/>
+                </a:tc>
+                <a:tc>
+                  <a:txBody>
+                    <a:bodyPr/>
+                    <a:lstStyle/>
+                    <a:p>
+                      <a:pPr>
+                        <a:lnSpc>
+                          <a:spcPct val="107000"/>
+                        </a:lnSpc>
+                        <a:spcAft>
+                          <a:spcPts val="800"/>
+                        </a:spcAft>
+                      </a:pPr>
+                      <a:r>
+                        <a:rPr lang="de-AT" sz="1400" dirty="0">
+                          <a:effectLst/>
+                        </a:rPr>
+                        <a:t>Sprache des Programmierers</a:t>
+                      </a:r>
+                      <a:endParaRPr lang="de-AT" sz="1400" dirty="0">
+                        <a:effectLst/>
+                        <a:latin typeface="Calibri" panose="020F0502020204030204" pitchFamily="34" charset="0"/>
+                        <a:ea typeface="Times New Roman" panose="02020603050405020304" pitchFamily="18" charset="0"/>
+                        <a:cs typeface="Times New Roman" panose="02020603050405020304" pitchFamily="18" charset="0"/>
+                      </a:endParaRPr>
+                    </a:p>
+                  </a:txBody>
+                  <a:tcPr marL="68580" marR="68580" marT="0" marB="0"/>
+                </a:tc>
+                <a:extLst>
+                  <a:ext uri="{0D108BD9-81ED-4DB2-BD59-A6C34878D82A}">
+                    <a16:rowId xmlns:a16="http://schemas.microsoft.com/office/drawing/2014/main" val="2957078267"/>
+                  </a:ext>
+                </a:extLst>
+              </a:tr>
+              <a:tr h="522634">
+                <a:tc>
+                  <a:txBody>
+                    <a:bodyPr/>
+                    <a:lstStyle/>
+                    <a:p>
+                      <a:pPr marL="21590">
+                        <a:lnSpc>
+                          <a:spcPct val="107000"/>
+                        </a:lnSpc>
+                        <a:spcAft>
+                          <a:spcPts val="800"/>
+                        </a:spcAft>
+                      </a:pPr>
+                      <a:r>
+                        <a:rPr lang="de-AT" sz="1400" dirty="0">
+                          <a:effectLst/>
+                        </a:rPr>
+                        <a:t>externe Sicht</a:t>
+                      </a:r>
+                      <a:endParaRPr lang="de-AT" sz="1400" dirty="0">
+                        <a:effectLst/>
+                        <a:latin typeface="Calibri" panose="020F0502020204030204" pitchFamily="34" charset="0"/>
+                        <a:ea typeface="Times New Roman" panose="02020603050405020304" pitchFamily="18" charset="0"/>
+                        <a:cs typeface="Times New Roman" panose="02020603050405020304" pitchFamily="18" charset="0"/>
+                      </a:endParaRPr>
+                    </a:p>
+                  </a:txBody>
+                  <a:tcPr marL="68580" marR="68580" marT="0" marB="0"/>
+                </a:tc>
+                <a:tc>
+                  <a:txBody>
+                    <a:bodyPr/>
+                    <a:lstStyle/>
+                    <a:p>
+                      <a:pPr marL="21590">
+                        <a:lnSpc>
+                          <a:spcPct val="107000"/>
+                        </a:lnSpc>
+                        <a:spcAft>
+                          <a:spcPts val="800"/>
+                        </a:spcAft>
+                      </a:pPr>
+                      <a:r>
+                        <a:rPr lang="de-AT" sz="1400" dirty="0">
+                          <a:effectLst/>
+                        </a:rPr>
+                        <a:t>Logik</a:t>
+                      </a:r>
+                      <a:endParaRPr lang="de-AT" sz="1400" dirty="0">
+                        <a:effectLst/>
+                        <a:latin typeface="Calibri" panose="020F0502020204030204" pitchFamily="34" charset="0"/>
+                        <a:ea typeface="Times New Roman" panose="02020603050405020304" pitchFamily="18" charset="0"/>
+                        <a:cs typeface="Times New Roman" panose="02020603050405020304" pitchFamily="18" charset="0"/>
+                      </a:endParaRPr>
+                    </a:p>
+                  </a:txBody>
+                  <a:tcPr marL="68580" marR="68580" marT="0" marB="0"/>
+                </a:tc>
+                <a:extLst>
+                  <a:ext uri="{0D108BD9-81ED-4DB2-BD59-A6C34878D82A}">
+                    <a16:rowId xmlns:a16="http://schemas.microsoft.com/office/drawing/2014/main" val="2887354759"/>
+                  </a:ext>
+                </a:extLst>
+              </a:tr>
+              <a:tr h="645634">
+                <a:tc>
+                  <a:txBody>
+                    <a:bodyPr/>
+                    <a:lstStyle/>
+                    <a:p>
+                      <a:pPr marL="21590">
+                        <a:lnSpc>
+                          <a:spcPct val="107000"/>
+                        </a:lnSpc>
+                        <a:spcAft>
+                          <a:spcPts val="800"/>
+                        </a:spcAft>
+                      </a:pPr>
+                      <a:r>
+                        <a:rPr lang="de-AT" sz="1400" dirty="0">
+                          <a:effectLst/>
+                        </a:rPr>
+                        <a:t>erhält seine Struktur durch die Anwendungsfälle</a:t>
+                      </a:r>
+                      <a:endParaRPr lang="de-AT" sz="1400" dirty="0">
+                        <a:effectLst/>
+                        <a:latin typeface="Calibri" panose="020F0502020204030204" pitchFamily="34" charset="0"/>
+                        <a:ea typeface="Times New Roman" panose="02020603050405020304" pitchFamily="18" charset="0"/>
+                        <a:cs typeface="Times New Roman" panose="02020603050405020304" pitchFamily="18" charset="0"/>
+                      </a:endParaRPr>
+                    </a:p>
+                  </a:txBody>
+                  <a:tcPr marL="68580" marR="68580" marT="0" marB="0"/>
+                </a:tc>
+                <a:tc>
+                  <a:txBody>
+                    <a:bodyPr/>
+                    <a:lstStyle/>
+                    <a:p>
+                      <a:pPr marL="21590">
+                        <a:lnSpc>
+                          <a:spcPct val="107000"/>
+                        </a:lnSpc>
+                        <a:spcAft>
+                          <a:spcPts val="800"/>
+                        </a:spcAft>
+                      </a:pPr>
+                      <a:r>
+                        <a:rPr lang="de-AT" sz="1400">
+                          <a:effectLst/>
+                        </a:rPr>
+                        <a:t>hingegen durch die stereotypen Klassen und Module</a:t>
+                      </a:r>
+                      <a:endParaRPr lang="de-AT" sz="1400">
+                        <a:effectLst/>
+                        <a:latin typeface="Calibri" panose="020F0502020204030204" pitchFamily="34" charset="0"/>
+                        <a:ea typeface="Times New Roman" panose="02020603050405020304" pitchFamily="18" charset="0"/>
+                        <a:cs typeface="Times New Roman" panose="02020603050405020304" pitchFamily="18" charset="0"/>
+                      </a:endParaRPr>
+                    </a:p>
+                  </a:txBody>
+                  <a:tcPr marL="68580" marR="68580" marT="0" marB="0"/>
+                </a:tc>
+                <a:extLst>
+                  <a:ext uri="{0D108BD9-81ED-4DB2-BD59-A6C34878D82A}">
+                    <a16:rowId xmlns:a16="http://schemas.microsoft.com/office/drawing/2014/main" val="3508870042"/>
+                  </a:ext>
+                </a:extLst>
+              </a:tr>
+              <a:tr h="522634">
+                <a:tc>
+                  <a:txBody>
+                    <a:bodyPr/>
+                    <a:lstStyle/>
+                    <a:p>
+                      <a:pPr marL="21590">
+                        <a:lnSpc>
+                          <a:spcPct val="107000"/>
+                        </a:lnSpc>
+                        <a:spcAft>
+                          <a:spcPts val="800"/>
+                        </a:spcAft>
+                      </a:pPr>
+                      <a:r>
+                        <a:rPr lang="de-AT" sz="1400" dirty="0">
+                          <a:effectLst/>
+                        </a:rPr>
+                        <a:t>Vertrag zwischen Kunde und Entwickler</a:t>
+                      </a:r>
+                      <a:endParaRPr lang="de-AT" sz="1400" dirty="0">
+                        <a:effectLst/>
+                        <a:latin typeface="Calibri" panose="020F0502020204030204" pitchFamily="34" charset="0"/>
+                        <a:ea typeface="Times New Roman" panose="02020603050405020304" pitchFamily="18" charset="0"/>
+                        <a:cs typeface="Times New Roman" panose="02020603050405020304" pitchFamily="18" charset="0"/>
+                      </a:endParaRPr>
+                    </a:p>
+                  </a:txBody>
+                  <a:tcPr marL="68580" marR="68580" marT="0" marB="0"/>
+                </a:tc>
+                <a:tc>
+                  <a:txBody>
+                    <a:bodyPr/>
+                    <a:lstStyle/>
+                    <a:p>
+                      <a:pPr marL="21590">
+                        <a:lnSpc>
+                          <a:spcPct val="107000"/>
+                        </a:lnSpc>
+                        <a:spcAft>
+                          <a:spcPts val="800"/>
+                        </a:spcAft>
+                      </a:pPr>
+                      <a:r>
+                        <a:rPr lang="de-AT" sz="1400">
+                          <a:effectLst/>
+                        </a:rPr>
+                        <a:t>wird von den Entwicklern verwendet</a:t>
+                      </a:r>
+                      <a:endParaRPr lang="de-AT" sz="1400">
+                        <a:effectLst/>
+                        <a:latin typeface="Calibri" panose="020F0502020204030204" pitchFamily="34" charset="0"/>
+                        <a:ea typeface="Times New Roman" panose="02020603050405020304" pitchFamily="18" charset="0"/>
+                        <a:cs typeface="Times New Roman" panose="02020603050405020304" pitchFamily="18" charset="0"/>
+                      </a:endParaRPr>
+                    </a:p>
+                  </a:txBody>
+                  <a:tcPr marL="68580" marR="68580" marT="0" marB="0"/>
+                </a:tc>
+                <a:extLst>
+                  <a:ext uri="{0D108BD9-81ED-4DB2-BD59-A6C34878D82A}">
+                    <a16:rowId xmlns:a16="http://schemas.microsoft.com/office/drawing/2014/main" val="2044283811"/>
+                  </a:ext>
+                </a:extLst>
+              </a:tr>
+              <a:tr h="522634">
+                <a:tc>
+                  <a:txBody>
+                    <a:bodyPr/>
+                    <a:lstStyle/>
+                    <a:p>
+                      <a:pPr marL="21590">
+                        <a:lnSpc>
+                          <a:spcPct val="107000"/>
+                        </a:lnSpc>
+                        <a:spcAft>
+                          <a:spcPts val="800"/>
+                        </a:spcAft>
+                      </a:pPr>
+                      <a:r>
+                        <a:rPr lang="de-AT" sz="1400" dirty="0">
+                          <a:effectLst/>
+                        </a:rPr>
+                        <a:t>Redundanzen und Inkonsistenzen</a:t>
+                      </a:r>
+                      <a:endParaRPr lang="de-AT" sz="1400" dirty="0">
+                        <a:effectLst/>
+                        <a:latin typeface="Calibri" panose="020F0502020204030204" pitchFamily="34" charset="0"/>
+                        <a:ea typeface="Times New Roman" panose="02020603050405020304" pitchFamily="18" charset="0"/>
+                        <a:cs typeface="Times New Roman" panose="02020603050405020304" pitchFamily="18" charset="0"/>
+                      </a:endParaRPr>
+                    </a:p>
+                  </a:txBody>
+                  <a:tcPr marL="68580" marR="68580" marT="0" marB="0"/>
+                </a:tc>
+                <a:tc>
+                  <a:txBody>
+                    <a:bodyPr/>
+                    <a:lstStyle/>
+                    <a:p>
+                      <a:pPr marL="21590">
+                        <a:lnSpc>
+                          <a:spcPct val="107000"/>
+                        </a:lnSpc>
+                        <a:spcAft>
+                          <a:spcPts val="800"/>
+                        </a:spcAft>
+                      </a:pPr>
+                      <a:r>
+                        <a:rPr lang="de-AT" sz="1400" dirty="0">
+                          <a:effectLst/>
+                        </a:rPr>
+                        <a:t>keine Redundanzen und Inkonsistenzen</a:t>
+                      </a:r>
+                      <a:endParaRPr lang="de-AT" sz="1400" dirty="0">
+                        <a:effectLst/>
+                        <a:latin typeface="Calibri" panose="020F0502020204030204" pitchFamily="34" charset="0"/>
+                        <a:ea typeface="Times New Roman" panose="02020603050405020304" pitchFamily="18" charset="0"/>
+                        <a:cs typeface="Times New Roman" panose="02020603050405020304" pitchFamily="18" charset="0"/>
+                      </a:endParaRPr>
+                    </a:p>
+                  </a:txBody>
+                  <a:tcPr marL="68580" marR="68580" marT="0" marB="0"/>
+                </a:tc>
+                <a:extLst>
+                  <a:ext uri="{0D108BD9-81ED-4DB2-BD59-A6C34878D82A}">
+                    <a16:rowId xmlns:a16="http://schemas.microsoft.com/office/drawing/2014/main" val="3992695276"/>
+                  </a:ext>
+                </a:extLst>
+              </a:tr>
+              <a:tr h="426832">
+                <a:tc>
+                  <a:txBody>
+                    <a:bodyPr/>
+                    <a:lstStyle/>
+                    <a:p>
+                      <a:pPr marL="21590">
+                        <a:lnSpc>
+                          <a:spcPct val="107000"/>
+                        </a:lnSpc>
+                        <a:spcAft>
+                          <a:spcPts val="800"/>
+                        </a:spcAft>
+                      </a:pPr>
+                      <a:r>
+                        <a:rPr lang="de-AT" sz="1400" dirty="0">
+                          <a:effectLst/>
+                        </a:rPr>
+                        <a:t>stellt die Funktionalität dar</a:t>
+                      </a:r>
+                      <a:endParaRPr lang="de-AT" sz="1400" dirty="0">
+                        <a:effectLst/>
+                        <a:latin typeface="Calibri" panose="020F0502020204030204" pitchFamily="34" charset="0"/>
+                        <a:ea typeface="Times New Roman" panose="02020603050405020304" pitchFamily="18" charset="0"/>
+                        <a:cs typeface="Times New Roman" panose="02020603050405020304" pitchFamily="18" charset="0"/>
+                      </a:endParaRPr>
+                    </a:p>
+                  </a:txBody>
+                  <a:tcPr marL="68580" marR="68580" marT="0" marB="0"/>
+                </a:tc>
+                <a:tc>
+                  <a:txBody>
+                    <a:bodyPr/>
+                    <a:lstStyle/>
+                    <a:p>
+                      <a:pPr marL="21590">
+                        <a:lnSpc>
+                          <a:spcPct val="107000"/>
+                        </a:lnSpc>
+                        <a:spcAft>
+                          <a:spcPts val="800"/>
+                        </a:spcAft>
+                      </a:pPr>
+                      <a:r>
+                        <a:rPr lang="de-AT" sz="1400" dirty="0">
+                          <a:effectLst/>
+                        </a:rPr>
+                        <a:t>stellt deren Umsetzung dar</a:t>
+                      </a:r>
+                      <a:endParaRPr lang="de-AT" sz="1400" dirty="0">
+                        <a:effectLst/>
+                        <a:latin typeface="Calibri" panose="020F0502020204030204" pitchFamily="34" charset="0"/>
+                        <a:ea typeface="Times New Roman" panose="02020603050405020304" pitchFamily="18" charset="0"/>
+                        <a:cs typeface="Times New Roman" panose="02020603050405020304" pitchFamily="18" charset="0"/>
+                      </a:endParaRPr>
+                    </a:p>
+                  </a:txBody>
+                  <a:tcPr marL="68580" marR="68580" marT="0" marB="0"/>
+                </a:tc>
+                <a:extLst>
+                  <a:ext uri="{0D108BD9-81ED-4DB2-BD59-A6C34878D82A}">
+                    <a16:rowId xmlns:a16="http://schemas.microsoft.com/office/drawing/2014/main" val="740804476"/>
+                  </a:ext>
+                </a:extLst>
+              </a:tr>
+            </a:tbl>
+          </a:graphicData>
+        </a:graphic>
+      </p:graphicFrame>
     </p:spTree>
     <p:extLst>
       <p:ext uri="{BB962C8B-B14F-4D97-AF65-F5344CB8AC3E}">
@@ -4862,10 +6688,9 @@
           <a:lstStyle/>
           <a:p>
             <a:r>
-              <a:rPr lang="de-AT" b="1" dirty="0"/>
+              <a:rPr lang="de-AT" dirty="0"/>
               <a:t>Implementation</a:t>
             </a:r>
-            <a:endParaRPr lang="de-AT" dirty="0"/>
           </a:p>
         </p:txBody>
       </p:sp>
@@ -4955,7 +6780,7 @@
           <p:nvPr/>
         </p:nvPicPr>
         <p:blipFill>
-          <a:blip r:embed="rId2">
+          <a:blip r:embed="rId3">
             <a:extLst>
               <a:ext uri="{28A0092B-C50C-407E-A947-70E740481C1C}">
                 <a14:useLocalDpi xmlns:a14="http://schemas.microsoft.com/office/drawing/2010/main" val="0"/>
@@ -5275,13 +7100,13 @@
           <a:p>
             <a:r>
               <a:rPr lang="de-AT" dirty="0"/>
-              <a:t>Integrationstest (gesamte System)</a:t>
+              <a:t>Integrationstests (gesamte System)</a:t>
             </a:r>
           </a:p>
           <a:p>
             <a:r>
               <a:rPr lang="de-AT" dirty="0"/>
-              <a:t>User-Acceptance-Test (Endnutzer)</a:t>
+              <a:t>User-Acceptance-Tests (Endnutzer)</a:t>
             </a:r>
           </a:p>
           <a:p>
@@ -5987,7 +7812,7 @@
           <p:nvPr/>
         </p:nvPicPr>
         <p:blipFill>
-          <a:blip r:embed="rId2">
+          <a:blip r:embed="rId3">
             <a:extLst>
               <a:ext uri="{28A0092B-C50C-407E-A947-70E740481C1C}">
                 <a14:useLocalDpi xmlns:a14="http://schemas.microsoft.com/office/drawing/2010/main" val="0"/>
@@ -6321,7 +8146,7 @@
           <p:nvPr/>
         </p:nvPicPr>
         <p:blipFill>
-          <a:blip r:embed="rId2">
+          <a:blip r:embed="rId3">
             <a:extLst>
               <a:ext uri="{28A0092B-C50C-407E-A947-70E740481C1C}">
                 <a14:useLocalDpi xmlns:a14="http://schemas.microsoft.com/office/drawing/2010/main" val="0"/>
@@ -6655,7 +8480,7 @@
           <p:nvPr/>
         </p:nvPicPr>
         <p:blipFill>
-          <a:blip r:embed="rId2">
+          <a:blip r:embed="rId3">
             <a:extLst>
               <a:ext uri="{28A0092B-C50C-407E-A947-70E740481C1C}">
                 <a14:useLocalDpi xmlns:a14="http://schemas.microsoft.com/office/drawing/2010/main" val="0"/>
@@ -6903,7 +8728,7 @@
           <p:cNvPr id="2" name="Titel 1">
             <a:extLst>
               <a:ext uri="{FF2B5EF4-FFF2-40B4-BE49-F238E27FC236}">
-                <a16:creationId xmlns:a16="http://schemas.microsoft.com/office/drawing/2014/main" id="{37750015-05B4-4C3F-9785-3A09AAACF700}"/>
+                <a16:creationId xmlns:a16="http://schemas.microsoft.com/office/drawing/2014/main" id="{251C2146-1110-4052-9383-1A77BCA192C1}"/>
               </a:ext>
             </a:extLst>
           </p:cNvPr>
@@ -6914,24 +8739,29 @@
             <p:ph type="title"/>
           </p:nvPr>
         </p:nvSpPr>
-        <p:spPr/>
+        <p:spPr>
+          <a:xfrm>
+            <a:off x="1088136" y="2624328"/>
+            <a:ext cx="10058400" cy="1609344"/>
+          </a:xfrm>
+        </p:spPr>
         <p:txBody>
           <a:bodyPr/>
           <a:lstStyle/>
           <a:p>
             <a:r>
               <a:rPr lang="de-AT" dirty="0"/>
-              <a:t>Vorteile von RUP</a:t>
-            </a:r>
-          </a:p>
-        </p:txBody>
-      </p:sp>
-      <p:sp>
-        <p:nvSpPr>
-          <p:cNvPr id="3" name="Inhaltsplatzhalter 2">
+              <a:t>Vielen Dank für ihre Aufmerksamkeit</a:t>
+            </a:r>
+          </a:p>
+        </p:txBody>
+      </p:sp>
+      <p:sp>
+        <p:nvSpPr>
+          <p:cNvPr id="4" name="Fußzeilenplatzhalter 3">
             <a:extLst>
               <a:ext uri="{FF2B5EF4-FFF2-40B4-BE49-F238E27FC236}">
-                <a16:creationId xmlns:a16="http://schemas.microsoft.com/office/drawing/2014/main" id="{A1F3B42B-EF53-4CB2-8876-B3F34AA61CAE}"/>
+                <a16:creationId xmlns:a16="http://schemas.microsoft.com/office/drawing/2014/main" id="{03FFF333-8D41-4124-A3D9-FC8B96062604}"/>
               </a:ext>
             </a:extLst>
           </p:cNvPr>
@@ -6939,52 +8769,6 @@
             <a:spLocks noGrp="1"/>
           </p:cNvSpPr>
           <p:nvPr>
-            <p:ph idx="1"/>
-          </p:nvPr>
-        </p:nvSpPr>
-        <p:spPr/>
-        <p:txBody>
-          <a:bodyPr/>
-          <a:lstStyle/>
-          <a:p>
-            <a:r>
-              <a:rPr lang="de-AT" dirty="0"/>
-              <a:t>Risikofaktoren können schnelle erkannt werden</a:t>
-            </a:r>
-          </a:p>
-          <a:p>
-            <a:r>
-              <a:rPr lang="de-AT" dirty="0"/>
-              <a:t>Bessere Arbeitsteilung</a:t>
-            </a:r>
-          </a:p>
-          <a:p>
-            <a:r>
-              <a:rPr lang="de-AT" dirty="0"/>
-              <a:t>Laufende Qualitätssicherung</a:t>
-            </a:r>
-          </a:p>
-          <a:p>
-            <a:r>
-              <a:rPr lang="de-AT" dirty="0"/>
-              <a:t>Prozess verbessert sich nach jeder Iteration</a:t>
-            </a:r>
-          </a:p>
-        </p:txBody>
-      </p:sp>
-      <p:sp>
-        <p:nvSpPr>
-          <p:cNvPr id="4" name="Fußzeilenplatzhalter 3">
-            <a:extLst>
-              <a:ext uri="{FF2B5EF4-FFF2-40B4-BE49-F238E27FC236}">
-                <a16:creationId xmlns:a16="http://schemas.microsoft.com/office/drawing/2014/main" id="{1A59DACE-E3B2-4C5E-86DD-323397D437A3}"/>
-              </a:ext>
-            </a:extLst>
-          </p:cNvPr>
-          <p:cNvSpPr>
-            <a:spLocks noGrp="1"/>
-          </p:cNvSpPr>
-          <p:nvPr>
             <p:ph type="ftr" sz="quarter" idx="11"/>
           </p:nvPr>
         </p:nvSpPr>
@@ -7006,7 +8790,7 @@
           <p:cNvPr id="5" name="Foliennummernplatzhalter 4">
             <a:extLst>
               <a:ext uri="{FF2B5EF4-FFF2-40B4-BE49-F238E27FC236}">
-                <a16:creationId xmlns:a16="http://schemas.microsoft.com/office/drawing/2014/main" id="{5FE86C19-5054-4BEC-9F13-82B768673E91}"/>
+                <a16:creationId xmlns:a16="http://schemas.microsoft.com/office/drawing/2014/main" id="{A88C53BF-9069-45EB-9047-D4EDE4F99044}"/>
               </a:ext>
             </a:extLst>
           </p:cNvPr>
@@ -7033,163 +8817,7 @@
     </p:spTree>
     <p:extLst>
       <p:ext uri="{BB962C8B-B14F-4D97-AF65-F5344CB8AC3E}">
-        <p14:creationId xmlns:p14="http://schemas.microsoft.com/office/powerpoint/2010/main" val="1977685754"/>
-      </p:ext>
-    </p:extLst>
-  </p:cSld>
-  <p:clrMapOvr>
-    <a:masterClrMapping/>
-  </p:clrMapOvr>
-</p:sld>
-</file>
-
-<file path=ppt/slides/slide18.xml><?xml version="1.0" encoding="utf-8"?>
-<p:sld xmlns:a="http://schemas.openxmlformats.org/drawingml/2006/main" xmlns:r="http://schemas.openxmlformats.org/officeDocument/2006/relationships" xmlns:p="http://schemas.openxmlformats.org/presentationml/2006/main">
-  <p:cSld>
-    <p:spTree>
-      <p:nvGrpSpPr>
-        <p:cNvPr id="1" name=""/>
-        <p:cNvGrpSpPr/>
-        <p:nvPr/>
-      </p:nvGrpSpPr>
-      <p:grpSpPr>
-        <a:xfrm>
-          <a:off x="0" y="0"/>
-          <a:ext cx="0" cy="0"/>
-          <a:chOff x="0" y="0"/>
-          <a:chExt cx="0" cy="0"/>
-        </a:xfrm>
-      </p:grpSpPr>
-      <p:sp>
-        <p:nvSpPr>
-          <p:cNvPr id="2" name="Titel 1">
-            <a:extLst>
-              <a:ext uri="{FF2B5EF4-FFF2-40B4-BE49-F238E27FC236}">
-                <a16:creationId xmlns:a16="http://schemas.microsoft.com/office/drawing/2014/main" id="{37750015-05B4-4C3F-9785-3A09AAACF700}"/>
-              </a:ext>
-            </a:extLst>
-          </p:cNvPr>
-          <p:cNvSpPr>
-            <a:spLocks noGrp="1"/>
-          </p:cNvSpPr>
-          <p:nvPr>
-            <p:ph type="title"/>
-          </p:nvPr>
-        </p:nvSpPr>
-        <p:spPr/>
-        <p:txBody>
-          <a:bodyPr/>
-          <a:lstStyle/>
-          <a:p>
-            <a:r>
-              <a:rPr lang="de-AT" dirty="0"/>
-              <a:t>Nachteile von RUP</a:t>
-            </a:r>
-          </a:p>
-        </p:txBody>
-      </p:sp>
-      <p:sp>
-        <p:nvSpPr>
-          <p:cNvPr id="3" name="Inhaltsplatzhalter 2">
-            <a:extLst>
-              <a:ext uri="{FF2B5EF4-FFF2-40B4-BE49-F238E27FC236}">
-                <a16:creationId xmlns:a16="http://schemas.microsoft.com/office/drawing/2014/main" id="{A1F3B42B-EF53-4CB2-8876-B3F34AA61CAE}"/>
-              </a:ext>
-            </a:extLst>
-          </p:cNvPr>
-          <p:cNvSpPr>
-            <a:spLocks noGrp="1"/>
-          </p:cNvSpPr>
-          <p:nvPr>
-            <p:ph idx="1"/>
-          </p:nvPr>
-        </p:nvSpPr>
-        <p:spPr/>
-        <p:txBody>
-          <a:bodyPr/>
-          <a:lstStyle/>
-          <a:p>
-            <a:r>
-              <a:rPr lang="de-AT" dirty="0"/>
-              <a:t>Komplexer Prozess</a:t>
-            </a:r>
-          </a:p>
-          <a:p>
-            <a:r>
-              <a:rPr lang="de-AT" dirty="0"/>
-              <a:t>Werkzeuge kostenpflichtig</a:t>
-            </a:r>
-          </a:p>
-          <a:p>
-            <a:r>
-              <a:rPr lang="de-AT" dirty="0"/>
-              <a:t>Oft komplizierte Iterationsplanung</a:t>
-            </a:r>
-          </a:p>
-        </p:txBody>
-      </p:sp>
-      <p:sp>
-        <p:nvSpPr>
-          <p:cNvPr id="4" name="Fußzeilenplatzhalter 3">
-            <a:extLst>
-              <a:ext uri="{FF2B5EF4-FFF2-40B4-BE49-F238E27FC236}">
-                <a16:creationId xmlns:a16="http://schemas.microsoft.com/office/drawing/2014/main" id="{1A59DACE-E3B2-4C5E-86DD-323397D437A3}"/>
-              </a:ext>
-            </a:extLst>
-          </p:cNvPr>
-          <p:cNvSpPr>
-            <a:spLocks noGrp="1"/>
-          </p:cNvSpPr>
-          <p:nvPr>
-            <p:ph type="ftr" sz="quarter" idx="11"/>
-          </p:nvPr>
-        </p:nvSpPr>
-        <p:spPr/>
-        <p:txBody>
-          <a:bodyPr/>
-          <a:lstStyle/>
-          <a:p>
-            <a:r>
-              <a:rPr lang="en-US"/>
-              <a:t>RUP - Melanie Bugelnig &amp; Marcel Judth 5AHIFS</a:t>
-            </a:r>
-            <a:endParaRPr lang="en-US" dirty="0"/>
-          </a:p>
-        </p:txBody>
-      </p:sp>
-      <p:sp>
-        <p:nvSpPr>
-          <p:cNvPr id="5" name="Foliennummernplatzhalter 4">
-            <a:extLst>
-              <a:ext uri="{FF2B5EF4-FFF2-40B4-BE49-F238E27FC236}">
-                <a16:creationId xmlns:a16="http://schemas.microsoft.com/office/drawing/2014/main" id="{5FE86C19-5054-4BEC-9F13-82B768673E91}"/>
-              </a:ext>
-            </a:extLst>
-          </p:cNvPr>
-          <p:cNvSpPr>
-            <a:spLocks noGrp="1"/>
-          </p:cNvSpPr>
-          <p:nvPr>
-            <p:ph type="sldNum" sz="quarter" idx="12"/>
-          </p:nvPr>
-        </p:nvSpPr>
-        <p:spPr/>
-        <p:txBody>
-          <a:bodyPr/>
-          <a:lstStyle/>
-          <a:p>
-            <a:fld id="{4FAB73BC-B049-4115-A692-8D63A059BFB8}" type="slidenum">
-              <a:rPr lang="en-US" smtClean="0"/>
-              <a:t>18</a:t>
-            </a:fld>
-            <a:endParaRPr lang="en-US" dirty="0"/>
-          </a:p>
-        </p:txBody>
-      </p:sp>
-    </p:spTree>
-    <p:extLst>
-      <p:ext uri="{BB962C8B-B14F-4D97-AF65-F5344CB8AC3E}">
-        <p14:creationId xmlns:p14="http://schemas.microsoft.com/office/powerpoint/2010/main" val="1915334243"/>
+        <p14:creationId xmlns:p14="http://schemas.microsoft.com/office/powerpoint/2010/main" val="3592506920"/>
       </p:ext>
     </p:extLst>
   </p:cSld>
@@ -7267,12 +8895,6 @@
           <a:p>
             <a:r>
               <a:rPr lang="en-US" dirty="0"/>
-              <a:t>IBM</a:t>
-            </a:r>
-          </a:p>
-          <a:p>
-            <a:r>
-              <a:rPr lang="en-US" dirty="0"/>
               <a:t>1996: first version</a:t>
             </a:r>
           </a:p>
@@ -7307,9 +8929,9 @@
             </a:r>
           </a:p>
           <a:p>
-            <a:endParaRPr lang="en-US" dirty="0"/>
-          </a:p>
-          <a:p>
+            <a:pPr marL="0" indent="0">
+              <a:buNone/>
+            </a:pPr>
             <a:endParaRPr lang="en-US" dirty="0"/>
           </a:p>
         </p:txBody>
@@ -7336,10 +8958,17 @@
           <a:lstStyle/>
           <a:p>
             <a:r>
-              <a:rPr lang="en-US"/>
-              <a:t>RUP - Melanie Bugelnig &amp; Marcel Judth 5AHIFS</a:t>
-            </a:r>
-            <a:endParaRPr lang="en-US" dirty="0"/>
+              <a:rPr lang="en-US" dirty="0"/>
+              <a:t>RUP - Melanie </a:t>
+            </a:r>
+            <a:r>
+              <a:rPr lang="en-US" dirty="0" err="1"/>
+              <a:t>Bugelnig</a:t>
+            </a:r>
+            <a:r>
+              <a:rPr lang="en-US" dirty="0"/>
+              <a:t> &amp; Marcel Judth 5AHIFS (HTL-Villach 2018/19)</a:t>
+            </a:r>
           </a:p>
         </p:txBody>
       </p:sp>
@@ -7515,7 +9144,7 @@
           <p:nvPr/>
         </p:nvPicPr>
         <p:blipFill>
-          <a:blip r:embed="rId2"/>
+          <a:blip r:embed="rId3"/>
           <a:stretch>
             <a:fillRect/>
           </a:stretch>
@@ -7933,7 +9562,7 @@
           <p:nvPr/>
         </p:nvPicPr>
         <p:blipFill rotWithShape="1">
-          <a:blip r:embed="rId2"/>
+          <a:blip r:embed="rId3"/>
           <a:srcRect l="3776"/>
           <a:stretch/>
         </p:blipFill>
@@ -7960,7 +9589,7 @@
           <p:nvPr/>
         </p:nvPicPr>
         <p:blipFill rotWithShape="1">
-          <a:blip r:embed="rId3">
+          <a:blip r:embed="rId4">
             <a:extLst>
               <a:ext uri="{28A0092B-C50C-407E-A947-70E740481C1C}">
                 <a14:useLocalDpi xmlns:a14="http://schemas.microsoft.com/office/drawing/2010/main" val="0"/>
@@ -8010,38 +9639,38 @@
           <a:lstStyle/>
           <a:p>
             <a:r>
-              <a:rPr lang="en-US"/>
+              <a:rPr lang="en-US" dirty="0"/>
               <a:t>Development phases and iterations</a:t>
             </a:r>
           </a:p>
           <a:p>
             <a:r>
-              <a:rPr lang="en-US"/>
+              <a:rPr lang="en-US" dirty="0"/>
               <a:t>Disciplines / Workflows</a:t>
             </a:r>
           </a:p>
           <a:p>
             <a:r>
-              <a:rPr lang="en-US"/>
+              <a:rPr lang="en-US" dirty="0"/>
               <a:t>Effort of disciplines per phase</a:t>
             </a:r>
           </a:p>
           <a:p>
             <a:r>
-              <a:rPr lang="en-US"/>
-              <a:t>Role</a:t>
-            </a:r>
-          </a:p>
-          <a:p>
-            <a:r>
-              <a:rPr lang="en-US"/>
-              <a:t>Artifact</a:t>
-            </a:r>
-          </a:p>
-          <a:p>
-            <a:r>
-              <a:rPr lang="en-US"/>
-              <a:t>Activity</a:t>
+              <a:rPr lang="en-US" dirty="0"/>
+              <a:t>Role (“Who”)</a:t>
+            </a:r>
+          </a:p>
+          <a:p>
+            <a:r>
+              <a:rPr lang="en-US" dirty="0"/>
+              <a:t>Artifact (“What”)</a:t>
+            </a:r>
+          </a:p>
+          <a:p>
+            <a:r>
+              <a:rPr lang="en-US" dirty="0"/>
+              <a:t>Activity (“How”)</a:t>
             </a:r>
           </a:p>
         </p:txBody>
@@ -8545,7 +10174,7 @@
           <p:nvPr/>
         </p:nvPicPr>
         <p:blipFill>
-          <a:blip r:embed="rId2">
+          <a:blip r:embed="rId3">
             <a:extLst>
               <a:ext uri="{28A0092B-C50C-407E-A947-70E740481C1C}">
                 <a14:useLocalDpi xmlns:a14="http://schemas.microsoft.com/office/drawing/2010/main" val="0"/>
@@ -8938,7 +10567,7 @@
           <p:nvPr/>
         </p:nvPicPr>
         <p:blipFill>
-          <a:blip r:embed="rId2">
+          <a:blip r:embed="rId3">
             <a:extLst>
               <a:ext uri="{28A0092B-C50C-407E-A947-70E740481C1C}">
                 <a14:useLocalDpi xmlns:a14="http://schemas.microsoft.com/office/drawing/2010/main" val="0"/>
@@ -9255,7 +10884,7 @@
           <a:p>
             <a:r>
               <a:rPr lang="de-AT" dirty="0"/>
-              <a:t>Festlegung der Funktion des Zielsystems</a:t>
+              <a:t>Festlegung der Funktionalität des Zielsystems</a:t>
             </a:r>
           </a:p>
           <a:p>
@@ -9267,8 +10896,51 @@
           <a:p>
             <a:r>
               <a:rPr lang="de-AT" dirty="0"/>
-              <a:t>Vision, Stakeholder Request u. Prototype</a:t>
-            </a:r>
+              <a:t>Vision, Stakeholder </a:t>
+            </a:r>
+            <a:r>
+              <a:rPr lang="de-AT" dirty="0" err="1"/>
+              <a:t>Requests</a:t>
+            </a:r>
+            <a:r>
+              <a:rPr lang="de-AT" dirty="0"/>
+              <a:t> u. </a:t>
+            </a:r>
+            <a:r>
+              <a:rPr lang="de-AT" dirty="0" err="1"/>
+              <a:t>Prototypes</a:t>
+            </a:r>
+            <a:r>
+              <a:rPr lang="de-AT" dirty="0"/>
+              <a:t> (Mockups)</a:t>
+            </a:r>
+          </a:p>
+          <a:p>
+            <a:r>
+              <a:rPr lang="de-AT" dirty="0" err="1"/>
+              <a:t>Refinement</a:t>
+            </a:r>
+            <a:r>
+              <a:rPr lang="de-AT" dirty="0"/>
+              <a:t> vom Domainmodell</a:t>
+            </a:r>
+          </a:p>
+          <a:p>
+            <a:r>
+              <a:rPr lang="de-AT" dirty="0"/>
+              <a:t>IT-</a:t>
+            </a:r>
+            <a:r>
+              <a:rPr lang="de-AT" dirty="0" err="1"/>
+              <a:t>Usecase</a:t>
+            </a:r>
+            <a:r>
+              <a:rPr lang="de-AT" dirty="0"/>
+              <a:t>-Modell</a:t>
+            </a:r>
+          </a:p>
+          <a:p>
+            <a:endParaRPr lang="de-AT" dirty="0"/>
           </a:p>
         </p:txBody>
       </p:sp>
@@ -9285,7 +10957,7 @@
           <p:nvPr/>
         </p:nvPicPr>
         <p:blipFill>
-          <a:blip r:embed="rId2">
+          <a:blip r:embed="rId3">
             <a:extLst>
               <a:ext uri="{28A0092B-C50C-407E-A947-70E740481C1C}">
                 <a14:useLocalDpi xmlns:a14="http://schemas.microsoft.com/office/drawing/2010/main" val="0"/>
